--- a/hw04.pptx
+++ b/hw04.pptx
@@ -2,10 +2,27 @@
 <file path=ppt/presentation.xml><?xml version="1.0" encoding="utf-8"?>
 <p:presentation xmlns:a="http://schemas.openxmlformats.org/drawingml/2006/main" xmlns:r="http://schemas.openxmlformats.org/officeDocument/2006/relationships" xmlns:p="http://schemas.openxmlformats.org/presentationml/2006/main" saveSubsetFonts="1">
   <p:sldMasterIdLst>
-    <p:sldMasterId id="2147483648" r:id="rId1"/>
+    <p:sldMasterId id="2147483714" r:id="rId1"/>
   </p:sldMasterIdLst>
   <p:sldIdLst>
-    <p:sldId id="256" r:id="rId2"/>
+    <p:sldId id="257" r:id="rId2"/>
+    <p:sldId id="258" r:id="rId3"/>
+    <p:sldId id="259" r:id="rId4"/>
+    <p:sldId id="260" r:id="rId5"/>
+    <p:sldId id="261" r:id="rId6"/>
+    <p:sldId id="262" r:id="rId7"/>
+    <p:sldId id="263" r:id="rId8"/>
+    <p:sldId id="273" r:id="rId9"/>
+    <p:sldId id="264" r:id="rId10"/>
+    <p:sldId id="274" r:id="rId11"/>
+    <p:sldId id="266" r:id="rId12"/>
+    <p:sldId id="267" r:id="rId13"/>
+    <p:sldId id="268" r:id="rId14"/>
+    <p:sldId id="270" r:id="rId15"/>
+    <p:sldId id="275" r:id="rId16"/>
+    <p:sldId id="271" r:id="rId17"/>
+    <p:sldId id="272" r:id="rId18"/>
+    <p:sldId id="276" r:id="rId19"/>
   </p:sldIdLst>
   <p:sldSz cx="12192000" cy="6858000"/>
   <p:notesSz cx="6858000" cy="9144000"/>
@@ -104,12 +121,31 @@
       </a:defRPr>
     </a:lvl9pPr>
   </p:defaultTextStyle>
+  <p:extLst>
+    <p:ext uri="{EFAFB233-063F-42B5-8137-9DF3F51BA10A}">
+      <p15:sldGuideLst xmlns:p15="http://schemas.microsoft.com/office/powerpoint/2012/main"/>
+    </p:ext>
+  </p:extLst>
 </p:presentation>
+</file>
+
+<file path=ppt/revisionInfo.xml><?xml version="1.0" encoding="utf-8"?>
+<p1510:revInfo xmlns:a="http://schemas.openxmlformats.org/drawingml/2006/main" xmlns:r="http://schemas.openxmlformats.org/officeDocument/2006/relationships" xmlns:p1510="http://schemas.microsoft.com/office/powerpoint/2015/10/main">
+  <p1510:revLst>
+    <p1510:client id="{3EE2ED37-C574-46B0-4F9F-69E5E9E02789}" v="56" dt="2024-10-23T07:41:58.690"/>
+    <p1510:client id="{A8C4F9F0-D908-6CF6-B3B3-4DFBE920C226}" v="142" dt="2024-10-22T05:51:29.373"/>
+  </p1510:revLst>
+</p1510:revInfo>
 </file>
 
 <file path=ppt/slideLayouts/slideLayout1.xml><?xml version="1.0" encoding="utf-8"?>
 <p:sldLayout xmlns:a="http://schemas.openxmlformats.org/drawingml/2006/main" xmlns:r="http://schemas.openxmlformats.org/officeDocument/2006/relationships" xmlns:p="http://schemas.openxmlformats.org/presentationml/2006/main" type="title" preserve="1">
-  <p:cSld name="標題投影片">
+  <p:cSld name="Title Slide">
+    <p:bg>
+      <p:bgRef idx="1001">
+        <a:schemeClr val="bg2"/>
+      </p:bgRef>
+    </p:bg>
     <p:spTree>
       <p:nvGrpSpPr>
         <p:cNvPr id="1" name=""/>
@@ -126,13 +162,7 @@
       </p:grpSpPr>
       <p:sp>
         <p:nvSpPr>
-          <p:cNvPr id="2" name="標題 1">
-            <a:extLst>
-              <a:ext uri="{FF2B5EF4-FFF2-40B4-BE49-F238E27FC236}">
-                <a16:creationId xmlns:a16="http://schemas.microsoft.com/office/drawing/2014/main" id="{EB5CC918-B447-434E-B98E-5847BB49C259}"/>
-              </a:ext>
-            </a:extLst>
-          </p:cNvPr>
+          <p:cNvPr id="2" name="Title 1"/>
           <p:cNvSpPr>
             <a:spLocks noGrp="1"/>
           </p:cNvSpPr>
@@ -142,34 +172,37 @@
         </p:nvSpPr>
         <p:spPr>
           <a:xfrm>
-            <a:off x="1524000" y="1122363"/>
-            <a:ext cx="9144000" cy="2387600"/>
-          </a:xfrm>
-        </p:spPr>
-        <p:txBody>
-          <a:bodyPr anchor="b"/>
+            <a:off x="1261872" y="758952"/>
+            <a:ext cx="9418320" cy="4041648"/>
+          </a:xfrm>
+        </p:spPr>
+        <p:txBody>
+          <a:bodyPr anchor="b">
+            <a:normAutofit/>
+          </a:bodyPr>
           <a:lstStyle>
-            <a:lvl1pPr algn="ctr">
-              <a:defRPr sz="6000"/>
+            <a:lvl1pPr algn="l">
+              <a:lnSpc>
+                <a:spcPct val="85000"/>
+              </a:lnSpc>
+              <a:defRPr sz="7200" baseline="0">
+                <a:solidFill>
+                  <a:schemeClr val="tx1"/>
+                </a:solidFill>
+              </a:defRPr>
             </a:lvl1pPr>
           </a:lstStyle>
           <a:p>
             <a:r>
-              <a:rPr lang="zh-TW" altLang="en-US"/>
-              <a:t>按一下以編輯母片標題樣式</a:t>
-            </a:r>
-          </a:p>
-        </p:txBody>
-      </p:sp>
-      <p:sp>
-        <p:nvSpPr>
-          <p:cNvPr id="3" name="副標題 2">
-            <a:extLst>
-              <a:ext uri="{FF2B5EF4-FFF2-40B4-BE49-F238E27FC236}">
-                <a16:creationId xmlns:a16="http://schemas.microsoft.com/office/drawing/2014/main" id="{817FCC70-CC4E-4CB6-B2CF-9FDA5AC4D346}"/>
-              </a:ext>
-            </a:extLst>
-          </p:cNvPr>
+              <a:rPr lang="en-US" dirty="0"/>
+              <a:t>Click to edit Master title style</a:t>
+            </a:r>
+          </a:p>
+        </p:txBody>
+      </p:sp>
+      <p:sp>
+        <p:nvSpPr>
+          <p:cNvPr id="3" name="Subtitle 2"/>
           <p:cNvSpPr>
             <a:spLocks noGrp="1"/>
           </p:cNvSpPr>
@@ -179,67 +212,110 @@
         </p:nvSpPr>
         <p:spPr>
           <a:xfrm>
-            <a:off x="1524000" y="3602038"/>
-            <a:ext cx="9144000" cy="1655762"/>
-          </a:xfrm>
-        </p:spPr>
-        <p:txBody>
-          <a:bodyPr/>
+            <a:off x="1261872" y="4800600"/>
+            <a:ext cx="9418320" cy="1691640"/>
+          </a:xfrm>
+        </p:spPr>
+        <p:txBody>
+          <a:bodyPr>
+            <a:normAutofit/>
+          </a:bodyPr>
           <a:lstStyle>
-            <a:lvl1pPr marL="0" indent="0" algn="ctr">
+            <a:lvl1pPr marL="0" indent="0" algn="l">
               <a:buNone/>
-              <a:defRPr sz="2400"/>
+              <a:defRPr sz="2200" spc="30" baseline="0">
+                <a:solidFill>
+                  <a:schemeClr val="tx1">
+                    <a:lumMod val="75000"/>
+                  </a:schemeClr>
+                </a:solidFill>
+              </a:defRPr>
             </a:lvl1pPr>
             <a:lvl2pPr marL="457200" indent="0" algn="ctr">
               <a:buNone/>
-              <a:defRPr sz="2000"/>
+              <a:defRPr sz="2200"/>
             </a:lvl2pPr>
             <a:lvl3pPr marL="914400" indent="0" algn="ctr">
               <a:buNone/>
-              <a:defRPr sz="1800"/>
+              <a:defRPr sz="2200"/>
             </a:lvl3pPr>
             <a:lvl4pPr marL="1371600" indent="0" algn="ctr">
               <a:buNone/>
-              <a:defRPr sz="1600"/>
+              <a:defRPr sz="2000"/>
             </a:lvl4pPr>
             <a:lvl5pPr marL="1828800" indent="0" algn="ctr">
               <a:buNone/>
-              <a:defRPr sz="1600"/>
+              <a:defRPr sz="2000"/>
             </a:lvl5pPr>
             <a:lvl6pPr marL="2286000" indent="0" algn="ctr">
               <a:buNone/>
-              <a:defRPr sz="1600"/>
+              <a:defRPr sz="2000"/>
             </a:lvl6pPr>
             <a:lvl7pPr marL="2743200" indent="0" algn="ctr">
               <a:buNone/>
-              <a:defRPr sz="1600"/>
+              <a:defRPr sz="2000"/>
             </a:lvl7pPr>
             <a:lvl8pPr marL="3200400" indent="0" algn="ctr">
               <a:buNone/>
-              <a:defRPr sz="1600"/>
+              <a:defRPr sz="2000"/>
             </a:lvl8pPr>
             <a:lvl9pPr marL="3657600" indent="0" algn="ctr">
               <a:buNone/>
-              <a:defRPr sz="1600"/>
+              <a:defRPr sz="2000"/>
             </a:lvl9pPr>
           </a:lstStyle>
           <a:p>
             <a:r>
-              <a:rPr lang="zh-TW" altLang="en-US"/>
-              <a:t>按一下以編輯母片子標題樣式</a:t>
-            </a:r>
-          </a:p>
-        </p:txBody>
-      </p:sp>
-      <p:sp>
-        <p:nvSpPr>
-          <p:cNvPr id="4" name="日期版面配置區 3">
-            <a:extLst>
-              <a:ext uri="{FF2B5EF4-FFF2-40B4-BE49-F238E27FC236}">
-                <a16:creationId xmlns:a16="http://schemas.microsoft.com/office/drawing/2014/main" id="{BD08F018-0004-4322-AD0F-E6E740964233}"/>
-              </a:ext>
-            </a:extLst>
-          </p:cNvPr>
+              <a:rPr lang="en-US" dirty="0"/>
+              <a:t>Click to edit Master subtitle style</a:t>
+            </a:r>
+          </a:p>
+        </p:txBody>
+      </p:sp>
+      <p:sp>
+        <p:nvSpPr>
+          <p:cNvPr id="7" name="Rectangle 6"/>
+          <p:cNvSpPr/>
+          <p:nvPr/>
+        </p:nvSpPr>
+        <p:spPr>
+          <a:xfrm>
+            <a:off x="0" y="0"/>
+            <a:ext cx="457200" cy="6858000"/>
+          </a:xfrm>
+          <a:prstGeom prst="rect">
+            <a:avLst/>
+          </a:prstGeom>
+          <a:solidFill>
+            <a:schemeClr val="bg2">
+              <a:lumMod val="60000"/>
+              <a:lumOff val="40000"/>
+            </a:schemeClr>
+          </a:solidFill>
+          <a:ln>
+            <a:noFill/>
+          </a:ln>
+        </p:spPr>
+        <p:style>
+          <a:lnRef idx="2">
+            <a:schemeClr val="accent1">
+              <a:shade val="50000"/>
+            </a:schemeClr>
+          </a:lnRef>
+          <a:fillRef idx="1">
+            <a:schemeClr val="accent1"/>
+          </a:fillRef>
+          <a:effectRef idx="0">
+            <a:schemeClr val="accent1"/>
+          </a:effectRef>
+          <a:fontRef idx="minor">
+            <a:schemeClr val="lt1"/>
+          </a:fontRef>
+        </p:style>
+      </p:sp>
+      <p:sp>
+        <p:nvSpPr>
+          <p:cNvPr id="8" name="Date Placeholder 7"/>
           <p:cNvSpPr>
             <a:spLocks noGrp="1"/>
           </p:cNvSpPr>
@@ -252,23 +328,17 @@
           <a:bodyPr/>
           <a:lstStyle/>
           <a:p>
-            <a:fld id="{C3C90D7E-32D6-4894-AE08-7BBB3E610FC9}" type="datetimeFigureOut">
-              <a:rPr lang="zh-TW" altLang="en-US" smtClean="0"/>
-              <a:t>2024/9/16</a:t>
+            <a:fld id="{726ED139-0480-4198-83E2-68CE0B25BC9B}" type="datetimeFigureOut">
+              <a:rPr lang="en-US" dirty="0"/>
+              <a:t>10/23/2024</a:t>
             </a:fld>
-            <a:endParaRPr lang="zh-TW" altLang="en-US"/>
-          </a:p>
-        </p:txBody>
-      </p:sp>
-      <p:sp>
-        <p:nvSpPr>
-          <p:cNvPr id="5" name="頁尾版面配置區 4">
-            <a:extLst>
-              <a:ext uri="{FF2B5EF4-FFF2-40B4-BE49-F238E27FC236}">
-                <a16:creationId xmlns:a16="http://schemas.microsoft.com/office/drawing/2014/main" id="{30427B34-CB13-41C7-B2F2-CED9BDC5B595}"/>
-              </a:ext>
-            </a:extLst>
-          </p:cNvPr>
+            <a:endParaRPr lang="en-US" dirty="0"/>
+          </a:p>
+        </p:txBody>
+      </p:sp>
+      <p:sp>
+        <p:nvSpPr>
+          <p:cNvPr id="9" name="Footer Placeholder 8"/>
           <p:cNvSpPr>
             <a:spLocks noGrp="1"/>
           </p:cNvSpPr>
@@ -281,19 +351,13 @@
           <a:bodyPr/>
           <a:lstStyle/>
           <a:p>
-            <a:endParaRPr lang="zh-TW" altLang="en-US"/>
-          </a:p>
-        </p:txBody>
-      </p:sp>
-      <p:sp>
-        <p:nvSpPr>
-          <p:cNvPr id="6" name="投影片編號版面配置區 5">
-            <a:extLst>
-              <a:ext uri="{FF2B5EF4-FFF2-40B4-BE49-F238E27FC236}">
-                <a16:creationId xmlns:a16="http://schemas.microsoft.com/office/drawing/2014/main" id="{76FA962E-5B03-439A-928C-87366876542D}"/>
-              </a:ext>
-            </a:extLst>
-          </p:cNvPr>
+            <a:endParaRPr lang="en-US" dirty="0"/>
+          </a:p>
+        </p:txBody>
+      </p:sp>
+      <p:sp>
+        <p:nvSpPr>
+          <p:cNvPr id="10" name="Slide Number Placeholder 9"/>
           <p:cNvSpPr>
             <a:spLocks noGrp="1"/>
           </p:cNvSpPr>
@@ -306,30 +370,31 @@
           <a:bodyPr/>
           <a:lstStyle/>
           <a:p>
-            <a:fld id="{E31EC408-072F-4346-BD0A-D6AA5788A305}" type="slidenum">
-              <a:rPr lang="zh-TW" altLang="en-US" smtClean="0"/>
+            <a:fld id="{4FAB73BC-B049-4115-A692-8D63A059BFB8}" type="slidenum">
+              <a:rPr lang="en-US" dirty="0"/>
+              <a:pPr/>
               <a:t>‹#›</a:t>
             </a:fld>
-            <a:endParaRPr lang="zh-TW" altLang="en-US"/>
+            <a:endParaRPr lang="en-US" dirty="0"/>
           </a:p>
         </p:txBody>
       </p:sp>
     </p:spTree>
     <p:extLst>
       <p:ext uri="{BB962C8B-B14F-4D97-AF65-F5344CB8AC3E}">
-        <p14:creationId xmlns:p14="http://schemas.microsoft.com/office/powerpoint/2010/main" val="2963035110"/>
+        <p14:creationId xmlns:p14="http://schemas.microsoft.com/office/powerpoint/2010/main" val="786809720"/>
       </p:ext>
     </p:extLst>
   </p:cSld>
   <p:clrMapOvr>
-    <a:masterClrMapping/>
+    <a:overrideClrMapping bg1="dk1" tx1="lt1" bg2="dk2" tx2="lt2" accent1="accent1" accent2="accent2" accent3="accent3" accent4="accent4" accent5="accent5" accent6="accent6" hlink="hlink" folHlink="folHlink"/>
   </p:clrMapOvr>
 </p:sldLayout>
 </file>
 
 <file path=ppt/slideLayouts/slideLayout10.xml><?xml version="1.0" encoding="utf-8"?>
 <p:sldLayout xmlns:a="http://schemas.openxmlformats.org/drawingml/2006/main" xmlns:r="http://schemas.openxmlformats.org/officeDocument/2006/relationships" xmlns:p="http://schemas.openxmlformats.org/presentationml/2006/main" type="vertTx" preserve="1">
-  <p:cSld name="標題及直排文字">
+  <p:cSld name="Title and Vertical Text">
     <p:spTree>
       <p:nvGrpSpPr>
         <p:cNvPr id="1" name=""/>
@@ -346,13 +411,7 @@
       </p:grpSpPr>
       <p:sp>
         <p:nvSpPr>
-          <p:cNvPr id="2" name="標題 1">
-            <a:extLst>
-              <a:ext uri="{FF2B5EF4-FFF2-40B4-BE49-F238E27FC236}">
-                <a16:creationId xmlns:a16="http://schemas.microsoft.com/office/drawing/2014/main" id="{A02F0018-7F8E-4206-A929-07CDC6B5F34A}"/>
-              </a:ext>
-            </a:extLst>
-          </p:cNvPr>
+          <p:cNvPr id="2" name="Title 1"/>
           <p:cNvSpPr>
             <a:spLocks noGrp="1"/>
           </p:cNvSpPr>
@@ -366,21 +425,15 @@
           <a:lstStyle/>
           <a:p>
             <a:r>
-              <a:rPr lang="zh-TW" altLang="en-US"/>
-              <a:t>按一下以編輯母片標題樣式</a:t>
-            </a:r>
-          </a:p>
-        </p:txBody>
-      </p:sp>
-      <p:sp>
-        <p:nvSpPr>
-          <p:cNvPr id="3" name="直排文字版面配置區 2">
-            <a:extLst>
-              <a:ext uri="{FF2B5EF4-FFF2-40B4-BE49-F238E27FC236}">
-                <a16:creationId xmlns:a16="http://schemas.microsoft.com/office/drawing/2014/main" id="{9B801E88-34C3-4545-A358-81F5614FED64}"/>
-              </a:ext>
-            </a:extLst>
-          </p:cNvPr>
+              <a:rPr lang="en-US" dirty="0"/>
+              <a:t>Click to edit Master title style</a:t>
+            </a:r>
+          </a:p>
+        </p:txBody>
+      </p:sp>
+      <p:sp>
+        <p:nvSpPr>
+          <p:cNvPr id="3" name="Vertical Text Placeholder 2"/>
           <p:cNvSpPr>
             <a:spLocks noGrp="1"/>
           </p:cNvSpPr>
@@ -395,49 +448,43 @@
           <a:p>
             <a:pPr lvl="0"/>
             <a:r>
-              <a:rPr lang="zh-TW" altLang="en-US"/>
-              <a:t>按一下以編輯母片文字樣式</a:t>
+              <a:rPr lang="en-US" dirty="0"/>
+              <a:t>Click to edit Master text styles</a:t>
             </a:r>
           </a:p>
           <a:p>
             <a:pPr lvl="1"/>
             <a:r>
-              <a:rPr lang="zh-TW" altLang="en-US"/>
-              <a:t>第二層</a:t>
+              <a:rPr lang="en-US" dirty="0"/>
+              <a:t>Second level</a:t>
             </a:r>
           </a:p>
           <a:p>
             <a:pPr lvl="2"/>
             <a:r>
-              <a:rPr lang="zh-TW" altLang="en-US"/>
-              <a:t>第三層</a:t>
+              <a:rPr lang="en-US" dirty="0"/>
+              <a:t>Third level</a:t>
             </a:r>
           </a:p>
           <a:p>
             <a:pPr lvl="3"/>
             <a:r>
-              <a:rPr lang="zh-TW" altLang="en-US"/>
-              <a:t>第四層</a:t>
+              <a:rPr lang="en-US" dirty="0"/>
+              <a:t>Fourth level</a:t>
             </a:r>
           </a:p>
           <a:p>
             <a:pPr lvl="4"/>
             <a:r>
-              <a:rPr lang="zh-TW" altLang="en-US"/>
-              <a:t>第五層</a:t>
-            </a:r>
-          </a:p>
-        </p:txBody>
-      </p:sp>
-      <p:sp>
-        <p:nvSpPr>
-          <p:cNvPr id="4" name="日期版面配置區 3">
-            <a:extLst>
-              <a:ext uri="{FF2B5EF4-FFF2-40B4-BE49-F238E27FC236}">
-                <a16:creationId xmlns:a16="http://schemas.microsoft.com/office/drawing/2014/main" id="{60AFD716-8B99-4230-B55F-C8B88ECBB171}"/>
-              </a:ext>
-            </a:extLst>
-          </p:cNvPr>
+              <a:rPr lang="en-US" dirty="0"/>
+              <a:t>Fifth level</a:t>
+            </a:r>
+          </a:p>
+        </p:txBody>
+      </p:sp>
+      <p:sp>
+        <p:nvSpPr>
+          <p:cNvPr id="4" name="Date Placeholder 3"/>
           <p:cNvSpPr>
             <a:spLocks noGrp="1"/>
           </p:cNvSpPr>
@@ -450,23 +497,17 @@
           <a:bodyPr/>
           <a:lstStyle/>
           <a:p>
-            <a:fld id="{C3C90D7E-32D6-4894-AE08-7BBB3E610FC9}" type="datetimeFigureOut">
-              <a:rPr lang="zh-TW" altLang="en-US" smtClean="0"/>
-              <a:t>2024/9/16</a:t>
+            <a:fld id="{3A97CE23-3B6A-482C-9BEA-F32A9EB44C40}" type="datetimeFigureOut">
+              <a:rPr lang="en-US" dirty="0"/>
+              <a:t>10/23/2024</a:t>
             </a:fld>
-            <a:endParaRPr lang="zh-TW" altLang="en-US"/>
-          </a:p>
-        </p:txBody>
-      </p:sp>
-      <p:sp>
-        <p:nvSpPr>
-          <p:cNvPr id="5" name="頁尾版面配置區 4">
-            <a:extLst>
-              <a:ext uri="{FF2B5EF4-FFF2-40B4-BE49-F238E27FC236}">
-                <a16:creationId xmlns:a16="http://schemas.microsoft.com/office/drawing/2014/main" id="{EA374743-76D9-4BF8-A60C-2F50B2636A8A}"/>
-              </a:ext>
-            </a:extLst>
-          </p:cNvPr>
+            <a:endParaRPr lang="en-US" dirty="0"/>
+          </a:p>
+        </p:txBody>
+      </p:sp>
+      <p:sp>
+        <p:nvSpPr>
+          <p:cNvPr id="5" name="Footer Placeholder 4"/>
           <p:cNvSpPr>
             <a:spLocks noGrp="1"/>
           </p:cNvSpPr>
@@ -479,19 +520,13 @@
           <a:bodyPr/>
           <a:lstStyle/>
           <a:p>
-            <a:endParaRPr lang="zh-TW" altLang="en-US"/>
-          </a:p>
-        </p:txBody>
-      </p:sp>
-      <p:sp>
-        <p:nvSpPr>
-          <p:cNvPr id="6" name="投影片編號版面配置區 5">
-            <a:extLst>
-              <a:ext uri="{FF2B5EF4-FFF2-40B4-BE49-F238E27FC236}">
-                <a16:creationId xmlns:a16="http://schemas.microsoft.com/office/drawing/2014/main" id="{00454594-6C11-4013-A666-A151E960EC9B}"/>
-              </a:ext>
-            </a:extLst>
-          </p:cNvPr>
+            <a:endParaRPr lang="en-US" dirty="0"/>
+          </a:p>
+        </p:txBody>
+      </p:sp>
+      <p:sp>
+        <p:nvSpPr>
+          <p:cNvPr id="6" name="Slide Number Placeholder 5"/>
           <p:cNvSpPr>
             <a:spLocks noGrp="1"/>
           </p:cNvSpPr>
@@ -504,18 +539,59 @@
           <a:bodyPr/>
           <a:lstStyle/>
           <a:p>
-            <a:fld id="{E31EC408-072F-4346-BD0A-D6AA5788A305}" type="slidenum">
-              <a:rPr lang="zh-TW" altLang="en-US" smtClean="0"/>
+            <a:fld id="{4FAB73BC-B049-4115-A692-8D63A059BFB8}" type="slidenum">
+              <a:rPr lang="en-US" dirty="0"/>
               <a:t>‹#›</a:t>
             </a:fld>
-            <a:endParaRPr lang="zh-TW" altLang="en-US"/>
-          </a:p>
-        </p:txBody>
+            <a:endParaRPr lang="en-US" dirty="0"/>
+          </a:p>
+        </p:txBody>
+      </p:sp>
+      <p:sp>
+        <p:nvSpPr>
+          <p:cNvPr id="7" name="Rectangle 6"/>
+          <p:cNvSpPr/>
+          <p:nvPr/>
+        </p:nvSpPr>
+        <p:spPr>
+          <a:xfrm>
+            <a:off x="0" y="0"/>
+            <a:ext cx="457200" cy="6858000"/>
+          </a:xfrm>
+          <a:prstGeom prst="rect">
+            <a:avLst/>
+          </a:prstGeom>
+          <a:solidFill>
+            <a:schemeClr val="tx2">
+              <a:lumMod val="60000"/>
+              <a:lumOff val="40000"/>
+            </a:schemeClr>
+          </a:solidFill>
+          <a:ln>
+            <a:noFill/>
+          </a:ln>
+        </p:spPr>
+        <p:style>
+          <a:lnRef idx="2">
+            <a:schemeClr val="accent1">
+              <a:shade val="50000"/>
+            </a:schemeClr>
+          </a:lnRef>
+          <a:fillRef idx="1">
+            <a:schemeClr val="accent1"/>
+          </a:fillRef>
+          <a:effectRef idx="0">
+            <a:schemeClr val="accent1"/>
+          </a:effectRef>
+          <a:fontRef idx="minor">
+            <a:schemeClr val="lt1"/>
+          </a:fontRef>
+        </p:style>
       </p:sp>
     </p:spTree>
     <p:extLst>
       <p:ext uri="{BB962C8B-B14F-4D97-AF65-F5344CB8AC3E}">
-        <p14:creationId xmlns:p14="http://schemas.microsoft.com/office/powerpoint/2010/main" val="188953001"/>
+        <p14:creationId xmlns:p14="http://schemas.microsoft.com/office/powerpoint/2010/main" val="330630626"/>
       </p:ext>
     </p:extLst>
   </p:cSld>
@@ -527,7 +603,7 @@
 
 <file path=ppt/slideLayouts/slideLayout11.xml><?xml version="1.0" encoding="utf-8"?>
 <p:sldLayout xmlns:a="http://schemas.openxmlformats.org/drawingml/2006/main" xmlns:r="http://schemas.openxmlformats.org/officeDocument/2006/relationships" xmlns:p="http://schemas.openxmlformats.org/presentationml/2006/main" type="vertTitleAndTx" preserve="1">
-  <p:cSld name="直排標題及文字">
+  <p:cSld name="Vertical Title and Text">
     <p:spTree>
       <p:nvGrpSpPr>
         <p:cNvPr id="1" name=""/>
@@ -544,13 +620,7 @@
       </p:grpSpPr>
       <p:sp>
         <p:nvSpPr>
-          <p:cNvPr id="2" name="直排標題 1">
-            <a:extLst>
-              <a:ext uri="{FF2B5EF4-FFF2-40B4-BE49-F238E27FC236}">
-                <a16:creationId xmlns:a16="http://schemas.microsoft.com/office/drawing/2014/main" id="{70F760AC-E708-4605-85E2-7D0F424B3E29}"/>
-              </a:ext>
-            </a:extLst>
-          </p:cNvPr>
+          <p:cNvPr id="2" name="Vertical Title 1"/>
           <p:cNvSpPr>
             <a:spLocks noGrp="1"/>
           </p:cNvSpPr>
@@ -560,8 +630,8 @@
         </p:nvSpPr>
         <p:spPr>
           <a:xfrm>
-            <a:off x="8724900" y="365125"/>
-            <a:ext cx="2628900" cy="5811838"/>
+            <a:off x="8648700" y="381000"/>
+            <a:ext cx="2476500" cy="5897562"/>
           </a:xfrm>
         </p:spPr>
         <p:txBody>
@@ -569,21 +639,15 @@
           <a:lstStyle/>
           <a:p>
             <a:r>
-              <a:rPr lang="zh-TW" altLang="en-US"/>
-              <a:t>按一下以編輯母片標題樣式</a:t>
-            </a:r>
-          </a:p>
-        </p:txBody>
-      </p:sp>
-      <p:sp>
-        <p:nvSpPr>
-          <p:cNvPr id="3" name="直排文字版面配置區 2">
-            <a:extLst>
-              <a:ext uri="{FF2B5EF4-FFF2-40B4-BE49-F238E27FC236}">
-                <a16:creationId xmlns:a16="http://schemas.microsoft.com/office/drawing/2014/main" id="{84BECF48-F3B6-4D47-82A8-C6AE92EDC2F0}"/>
-              </a:ext>
-            </a:extLst>
-          </p:cNvPr>
+              <a:rPr lang="en-US" dirty="0"/>
+              <a:t>Click to edit Master title style</a:t>
+            </a:r>
+          </a:p>
+        </p:txBody>
+      </p:sp>
+      <p:sp>
+        <p:nvSpPr>
+          <p:cNvPr id="3" name="Vertical Text Placeholder 2"/>
           <p:cNvSpPr>
             <a:spLocks noGrp="1"/>
           </p:cNvSpPr>
@@ -593,8 +657,8 @@
         </p:nvSpPr>
         <p:spPr>
           <a:xfrm>
-            <a:off x="838200" y="365125"/>
-            <a:ext cx="7734300" cy="5811838"/>
+            <a:off x="762000" y="381000"/>
+            <a:ext cx="7734300" cy="5897562"/>
           </a:xfrm>
         </p:spPr>
         <p:txBody>
@@ -603,49 +667,43 @@
           <a:p>
             <a:pPr lvl="0"/>
             <a:r>
-              <a:rPr lang="zh-TW" altLang="en-US"/>
-              <a:t>按一下以編輯母片文字樣式</a:t>
+              <a:rPr lang="en-US" dirty="0"/>
+              <a:t>Click to edit Master text styles</a:t>
             </a:r>
           </a:p>
           <a:p>
             <a:pPr lvl="1"/>
             <a:r>
-              <a:rPr lang="zh-TW" altLang="en-US"/>
-              <a:t>第二層</a:t>
+              <a:rPr lang="en-US" dirty="0"/>
+              <a:t>Second level</a:t>
             </a:r>
           </a:p>
           <a:p>
             <a:pPr lvl="2"/>
             <a:r>
-              <a:rPr lang="zh-TW" altLang="en-US"/>
-              <a:t>第三層</a:t>
+              <a:rPr lang="en-US" dirty="0"/>
+              <a:t>Third level</a:t>
             </a:r>
           </a:p>
           <a:p>
             <a:pPr lvl="3"/>
             <a:r>
-              <a:rPr lang="zh-TW" altLang="en-US"/>
-              <a:t>第四層</a:t>
+              <a:rPr lang="en-US" dirty="0"/>
+              <a:t>Fourth level</a:t>
             </a:r>
           </a:p>
           <a:p>
             <a:pPr lvl="4"/>
             <a:r>
-              <a:rPr lang="zh-TW" altLang="en-US"/>
-              <a:t>第五層</a:t>
-            </a:r>
-          </a:p>
-        </p:txBody>
-      </p:sp>
-      <p:sp>
-        <p:nvSpPr>
-          <p:cNvPr id="4" name="日期版面配置區 3">
-            <a:extLst>
-              <a:ext uri="{FF2B5EF4-FFF2-40B4-BE49-F238E27FC236}">
-                <a16:creationId xmlns:a16="http://schemas.microsoft.com/office/drawing/2014/main" id="{215DE52A-093E-4116-A2FE-F61BA999B89F}"/>
-              </a:ext>
-            </a:extLst>
-          </p:cNvPr>
+              <a:rPr lang="en-US" dirty="0"/>
+              <a:t>Fifth level</a:t>
+            </a:r>
+          </a:p>
+        </p:txBody>
+      </p:sp>
+      <p:sp>
+        <p:nvSpPr>
+          <p:cNvPr id="4" name="Date Placeholder 3"/>
           <p:cNvSpPr>
             <a:spLocks noGrp="1"/>
           </p:cNvSpPr>
@@ -658,23 +716,17 @@
           <a:bodyPr/>
           <a:lstStyle/>
           <a:p>
-            <a:fld id="{C3C90D7E-32D6-4894-AE08-7BBB3E610FC9}" type="datetimeFigureOut">
-              <a:rPr lang="zh-TW" altLang="en-US" smtClean="0"/>
-              <a:t>2024/9/16</a:t>
+            <a:fld id="{0639C8FD-9717-4D78-9D01-4CBD0AC8CAE0}" type="datetimeFigureOut">
+              <a:rPr lang="en-US" dirty="0"/>
+              <a:t>10/23/2024</a:t>
             </a:fld>
-            <a:endParaRPr lang="zh-TW" altLang="en-US"/>
-          </a:p>
-        </p:txBody>
-      </p:sp>
-      <p:sp>
-        <p:nvSpPr>
-          <p:cNvPr id="5" name="頁尾版面配置區 4">
-            <a:extLst>
-              <a:ext uri="{FF2B5EF4-FFF2-40B4-BE49-F238E27FC236}">
-                <a16:creationId xmlns:a16="http://schemas.microsoft.com/office/drawing/2014/main" id="{34553FE1-A5D9-4070-AA9C-378F491D4677}"/>
-              </a:ext>
-            </a:extLst>
-          </p:cNvPr>
+            <a:endParaRPr lang="en-US" dirty="0"/>
+          </a:p>
+        </p:txBody>
+      </p:sp>
+      <p:sp>
+        <p:nvSpPr>
+          <p:cNvPr id="5" name="Footer Placeholder 4"/>
           <p:cNvSpPr>
             <a:spLocks noGrp="1"/>
           </p:cNvSpPr>
@@ -687,19 +739,13 @@
           <a:bodyPr/>
           <a:lstStyle/>
           <a:p>
-            <a:endParaRPr lang="zh-TW" altLang="en-US"/>
-          </a:p>
-        </p:txBody>
-      </p:sp>
-      <p:sp>
-        <p:nvSpPr>
-          <p:cNvPr id="6" name="投影片編號版面配置區 5">
-            <a:extLst>
-              <a:ext uri="{FF2B5EF4-FFF2-40B4-BE49-F238E27FC236}">
-                <a16:creationId xmlns:a16="http://schemas.microsoft.com/office/drawing/2014/main" id="{928EFDDC-5B11-4543-8144-518625EDA57F}"/>
-              </a:ext>
-            </a:extLst>
-          </p:cNvPr>
+            <a:endParaRPr lang="en-US" dirty="0"/>
+          </a:p>
+        </p:txBody>
+      </p:sp>
+      <p:sp>
+        <p:nvSpPr>
+          <p:cNvPr id="6" name="Slide Number Placeholder 5"/>
           <p:cNvSpPr>
             <a:spLocks noGrp="1"/>
           </p:cNvSpPr>
@@ -712,18 +758,59 @@
           <a:bodyPr/>
           <a:lstStyle/>
           <a:p>
-            <a:fld id="{E31EC408-072F-4346-BD0A-D6AA5788A305}" type="slidenum">
-              <a:rPr lang="zh-TW" altLang="en-US" smtClean="0"/>
+            <a:fld id="{4FAB73BC-B049-4115-A692-8D63A059BFB8}" type="slidenum">
+              <a:rPr lang="en-US" dirty="0"/>
               <a:t>‹#›</a:t>
             </a:fld>
-            <a:endParaRPr lang="zh-TW" altLang="en-US"/>
-          </a:p>
-        </p:txBody>
+            <a:endParaRPr lang="en-US" dirty="0"/>
+          </a:p>
+        </p:txBody>
+      </p:sp>
+      <p:sp>
+        <p:nvSpPr>
+          <p:cNvPr id="7" name="Rectangle 6"/>
+          <p:cNvSpPr/>
+          <p:nvPr/>
+        </p:nvSpPr>
+        <p:spPr>
+          <a:xfrm>
+            <a:off x="0" y="0"/>
+            <a:ext cx="457200" cy="6858000"/>
+          </a:xfrm>
+          <a:prstGeom prst="rect">
+            <a:avLst/>
+          </a:prstGeom>
+          <a:solidFill>
+            <a:schemeClr val="tx2">
+              <a:lumMod val="60000"/>
+              <a:lumOff val="40000"/>
+            </a:schemeClr>
+          </a:solidFill>
+          <a:ln>
+            <a:noFill/>
+          </a:ln>
+        </p:spPr>
+        <p:style>
+          <a:lnRef idx="2">
+            <a:schemeClr val="accent1">
+              <a:shade val="50000"/>
+            </a:schemeClr>
+          </a:lnRef>
+          <a:fillRef idx="1">
+            <a:schemeClr val="accent1"/>
+          </a:fillRef>
+          <a:effectRef idx="0">
+            <a:schemeClr val="accent1"/>
+          </a:effectRef>
+          <a:fontRef idx="minor">
+            <a:schemeClr val="lt1"/>
+          </a:fontRef>
+        </p:style>
       </p:sp>
     </p:spTree>
     <p:extLst>
       <p:ext uri="{BB962C8B-B14F-4D97-AF65-F5344CB8AC3E}">
-        <p14:creationId xmlns:p14="http://schemas.microsoft.com/office/powerpoint/2010/main" val="2483123943"/>
+        <p14:creationId xmlns:p14="http://schemas.microsoft.com/office/powerpoint/2010/main" val="2369282710"/>
       </p:ext>
     </p:extLst>
   </p:cSld>
@@ -735,7 +822,7 @@
 
 <file path=ppt/slideLayouts/slideLayout2.xml><?xml version="1.0" encoding="utf-8"?>
 <p:sldLayout xmlns:a="http://schemas.openxmlformats.org/drawingml/2006/main" xmlns:r="http://schemas.openxmlformats.org/officeDocument/2006/relationships" xmlns:p="http://schemas.openxmlformats.org/presentationml/2006/main" type="obj" preserve="1">
-  <p:cSld name="標題及內容">
+  <p:cSld name="Title and Content">
     <p:spTree>
       <p:nvGrpSpPr>
         <p:cNvPr id="1" name=""/>
@@ -752,13 +839,7 @@
       </p:grpSpPr>
       <p:sp>
         <p:nvSpPr>
-          <p:cNvPr id="2" name="標題 1">
-            <a:extLst>
-              <a:ext uri="{FF2B5EF4-FFF2-40B4-BE49-F238E27FC236}">
-                <a16:creationId xmlns:a16="http://schemas.microsoft.com/office/drawing/2014/main" id="{A1BFCF4C-FB58-444C-B754-A594851E4C7B}"/>
-              </a:ext>
-            </a:extLst>
-          </p:cNvPr>
+          <p:cNvPr id="2" name="Title 1"/>
           <p:cNvSpPr>
             <a:spLocks noGrp="1"/>
           </p:cNvSpPr>
@@ -772,21 +853,15 @@
           <a:lstStyle/>
           <a:p>
             <a:r>
-              <a:rPr lang="zh-TW" altLang="en-US"/>
-              <a:t>按一下以編輯母片標題樣式</a:t>
-            </a:r>
-          </a:p>
-        </p:txBody>
-      </p:sp>
-      <p:sp>
-        <p:nvSpPr>
-          <p:cNvPr id="3" name="內容版面配置區 2">
-            <a:extLst>
-              <a:ext uri="{FF2B5EF4-FFF2-40B4-BE49-F238E27FC236}">
-                <a16:creationId xmlns:a16="http://schemas.microsoft.com/office/drawing/2014/main" id="{987C475D-648F-4511-A6FE-04B04F755F93}"/>
-              </a:ext>
-            </a:extLst>
-          </p:cNvPr>
+              <a:rPr lang="en-US" dirty="0"/>
+              <a:t>Click to edit Master title style</a:t>
+            </a:r>
+          </a:p>
+        </p:txBody>
+      </p:sp>
+      <p:sp>
+        <p:nvSpPr>
+          <p:cNvPr id="3" name="Content Placeholder 2"/>
           <p:cNvSpPr>
             <a:spLocks noGrp="1"/>
           </p:cNvSpPr>
@@ -801,49 +876,43 @@
           <a:p>
             <a:pPr lvl="0"/>
             <a:r>
-              <a:rPr lang="zh-TW" altLang="en-US"/>
-              <a:t>按一下以編輯母片文字樣式</a:t>
+              <a:rPr lang="en-US" dirty="0"/>
+              <a:t>Click to edit Master text styles</a:t>
             </a:r>
           </a:p>
           <a:p>
             <a:pPr lvl="1"/>
             <a:r>
-              <a:rPr lang="zh-TW" altLang="en-US"/>
-              <a:t>第二層</a:t>
+              <a:rPr lang="en-US" dirty="0"/>
+              <a:t>Second level</a:t>
             </a:r>
           </a:p>
           <a:p>
             <a:pPr lvl="2"/>
             <a:r>
-              <a:rPr lang="zh-TW" altLang="en-US"/>
-              <a:t>第三層</a:t>
+              <a:rPr lang="en-US" dirty="0"/>
+              <a:t>Third level</a:t>
             </a:r>
           </a:p>
           <a:p>
             <a:pPr lvl="3"/>
             <a:r>
-              <a:rPr lang="zh-TW" altLang="en-US"/>
-              <a:t>第四層</a:t>
+              <a:rPr lang="en-US" dirty="0"/>
+              <a:t>Fourth level</a:t>
             </a:r>
           </a:p>
           <a:p>
             <a:pPr lvl="4"/>
             <a:r>
-              <a:rPr lang="zh-TW" altLang="en-US"/>
-              <a:t>第五層</a:t>
-            </a:r>
-          </a:p>
-        </p:txBody>
-      </p:sp>
-      <p:sp>
-        <p:nvSpPr>
-          <p:cNvPr id="4" name="日期版面配置區 3">
-            <a:extLst>
-              <a:ext uri="{FF2B5EF4-FFF2-40B4-BE49-F238E27FC236}">
-                <a16:creationId xmlns:a16="http://schemas.microsoft.com/office/drawing/2014/main" id="{F511FCF8-D8F7-4914-920F-D63F2D97F713}"/>
-              </a:ext>
-            </a:extLst>
-          </p:cNvPr>
+              <a:rPr lang="en-US" dirty="0"/>
+              <a:t>Fifth level</a:t>
+            </a:r>
+          </a:p>
+        </p:txBody>
+      </p:sp>
+      <p:sp>
+        <p:nvSpPr>
+          <p:cNvPr id="4" name="Date Placeholder 3"/>
           <p:cNvSpPr>
             <a:spLocks noGrp="1"/>
           </p:cNvSpPr>
@@ -856,23 +925,17 @@
           <a:bodyPr/>
           <a:lstStyle/>
           <a:p>
-            <a:fld id="{C3C90D7E-32D6-4894-AE08-7BBB3E610FC9}" type="datetimeFigureOut">
-              <a:rPr lang="zh-TW" altLang="en-US" smtClean="0"/>
-              <a:t>2024/9/16</a:t>
+            <a:fld id="{B082BD47-5F5E-4508-9DFC-0021F20B392D}" type="datetimeFigureOut">
+              <a:rPr lang="en-US" dirty="0"/>
+              <a:t>10/23/2024</a:t>
             </a:fld>
-            <a:endParaRPr lang="zh-TW" altLang="en-US"/>
-          </a:p>
-        </p:txBody>
-      </p:sp>
-      <p:sp>
-        <p:nvSpPr>
-          <p:cNvPr id="5" name="頁尾版面配置區 4">
-            <a:extLst>
-              <a:ext uri="{FF2B5EF4-FFF2-40B4-BE49-F238E27FC236}">
-                <a16:creationId xmlns:a16="http://schemas.microsoft.com/office/drawing/2014/main" id="{7E1D3E8F-338D-4B4D-B411-5282866FF95D}"/>
-              </a:ext>
-            </a:extLst>
-          </p:cNvPr>
+            <a:endParaRPr lang="en-US" dirty="0"/>
+          </a:p>
+        </p:txBody>
+      </p:sp>
+      <p:sp>
+        <p:nvSpPr>
+          <p:cNvPr id="5" name="Footer Placeholder 4"/>
           <p:cNvSpPr>
             <a:spLocks noGrp="1"/>
           </p:cNvSpPr>
@@ -885,19 +948,13 @@
           <a:bodyPr/>
           <a:lstStyle/>
           <a:p>
-            <a:endParaRPr lang="zh-TW" altLang="en-US"/>
-          </a:p>
-        </p:txBody>
-      </p:sp>
-      <p:sp>
-        <p:nvSpPr>
-          <p:cNvPr id="6" name="投影片編號版面配置區 5">
-            <a:extLst>
-              <a:ext uri="{FF2B5EF4-FFF2-40B4-BE49-F238E27FC236}">
-                <a16:creationId xmlns:a16="http://schemas.microsoft.com/office/drawing/2014/main" id="{F7DF3AD5-06B6-42D8-AEDF-66CCE6582524}"/>
-              </a:ext>
-            </a:extLst>
-          </p:cNvPr>
+            <a:endParaRPr lang="en-US" dirty="0"/>
+          </a:p>
+        </p:txBody>
+      </p:sp>
+      <p:sp>
+        <p:nvSpPr>
+          <p:cNvPr id="6" name="Slide Number Placeholder 5"/>
           <p:cNvSpPr>
             <a:spLocks noGrp="1"/>
           </p:cNvSpPr>
@@ -910,18 +967,59 @@
           <a:bodyPr/>
           <a:lstStyle/>
           <a:p>
-            <a:fld id="{E31EC408-072F-4346-BD0A-D6AA5788A305}" type="slidenum">
-              <a:rPr lang="zh-TW" altLang="en-US" smtClean="0"/>
+            <a:fld id="{4FAB73BC-B049-4115-A692-8D63A059BFB8}" type="slidenum">
+              <a:rPr lang="en-US" dirty="0"/>
               <a:t>‹#›</a:t>
             </a:fld>
-            <a:endParaRPr lang="zh-TW" altLang="en-US"/>
-          </a:p>
-        </p:txBody>
+            <a:endParaRPr lang="en-US" dirty="0"/>
+          </a:p>
+        </p:txBody>
+      </p:sp>
+      <p:sp>
+        <p:nvSpPr>
+          <p:cNvPr id="8" name="Rectangle 7"/>
+          <p:cNvSpPr/>
+          <p:nvPr/>
+        </p:nvSpPr>
+        <p:spPr>
+          <a:xfrm>
+            <a:off x="0" y="0"/>
+            <a:ext cx="457200" cy="6858000"/>
+          </a:xfrm>
+          <a:prstGeom prst="rect">
+            <a:avLst/>
+          </a:prstGeom>
+          <a:solidFill>
+            <a:schemeClr val="tx2">
+              <a:lumMod val="60000"/>
+              <a:lumOff val="40000"/>
+            </a:schemeClr>
+          </a:solidFill>
+          <a:ln>
+            <a:noFill/>
+          </a:ln>
+        </p:spPr>
+        <p:style>
+          <a:lnRef idx="2">
+            <a:schemeClr val="accent1">
+              <a:shade val="50000"/>
+            </a:schemeClr>
+          </a:lnRef>
+          <a:fillRef idx="1">
+            <a:schemeClr val="accent1"/>
+          </a:fillRef>
+          <a:effectRef idx="0">
+            <a:schemeClr val="accent1"/>
+          </a:effectRef>
+          <a:fontRef idx="minor">
+            <a:schemeClr val="lt1"/>
+          </a:fontRef>
+        </p:style>
       </p:sp>
     </p:spTree>
     <p:extLst>
       <p:ext uri="{BB962C8B-B14F-4D97-AF65-F5344CB8AC3E}">
-        <p14:creationId xmlns:p14="http://schemas.microsoft.com/office/powerpoint/2010/main" val="4198509733"/>
+        <p14:creationId xmlns:p14="http://schemas.microsoft.com/office/powerpoint/2010/main" val="1378097261"/>
       </p:ext>
     </p:extLst>
   </p:cSld>
@@ -933,7 +1031,7 @@
 
 <file path=ppt/slideLayouts/slideLayout3.xml><?xml version="1.0" encoding="utf-8"?>
 <p:sldLayout xmlns:a="http://schemas.openxmlformats.org/drawingml/2006/main" xmlns:r="http://schemas.openxmlformats.org/officeDocument/2006/relationships" xmlns:p="http://schemas.openxmlformats.org/presentationml/2006/main" type="secHead" preserve="1">
-  <p:cSld name="章節標題">
+  <p:cSld name="Section Header">
     <p:spTree>
       <p:nvGrpSpPr>
         <p:cNvPr id="1" name=""/>
@@ -950,13 +1048,7 @@
       </p:grpSpPr>
       <p:sp>
         <p:nvSpPr>
-          <p:cNvPr id="2" name="標題 1">
-            <a:extLst>
-              <a:ext uri="{FF2B5EF4-FFF2-40B4-BE49-F238E27FC236}">
-                <a16:creationId xmlns:a16="http://schemas.microsoft.com/office/drawing/2014/main" id="{5986B870-2B24-4658-9AEB-3C92E8E40B41}"/>
-              </a:ext>
-            </a:extLst>
-          </p:cNvPr>
+          <p:cNvPr id="2" name="Title 1"/>
           <p:cNvSpPr>
             <a:spLocks noGrp="1"/>
           </p:cNvSpPr>
@@ -966,34 +1058,33 @@
         </p:nvSpPr>
         <p:spPr>
           <a:xfrm>
-            <a:off x="831850" y="1709738"/>
-            <a:ext cx="10515600" cy="2852737"/>
-          </a:xfrm>
-        </p:spPr>
-        <p:txBody>
-          <a:bodyPr anchor="b"/>
+            <a:off x="1261872" y="758952"/>
+            <a:ext cx="9418320" cy="4041648"/>
+          </a:xfrm>
+        </p:spPr>
+        <p:txBody>
+          <a:bodyPr anchor="b">
+            <a:normAutofit/>
+          </a:bodyPr>
           <a:lstStyle>
             <a:lvl1pPr>
-              <a:defRPr sz="6000"/>
+              <a:lnSpc>
+                <a:spcPct val="85000"/>
+              </a:lnSpc>
+              <a:defRPr sz="7200" b="1"/>
             </a:lvl1pPr>
           </a:lstStyle>
           <a:p>
             <a:r>
-              <a:rPr lang="zh-TW" altLang="en-US"/>
-              <a:t>按一下以編輯母片標題樣式</a:t>
-            </a:r>
-          </a:p>
-        </p:txBody>
-      </p:sp>
-      <p:sp>
-        <p:nvSpPr>
-          <p:cNvPr id="3" name="文字版面配置區 2">
-            <a:extLst>
-              <a:ext uri="{FF2B5EF4-FFF2-40B4-BE49-F238E27FC236}">
-                <a16:creationId xmlns:a16="http://schemas.microsoft.com/office/drawing/2014/main" id="{90235018-E757-4630-8511-F466B919268F}"/>
-              </a:ext>
-            </a:extLst>
-          </p:cNvPr>
+              <a:rPr lang="en-US" dirty="0"/>
+              <a:t>Click to edit Master title style</a:t>
+            </a:r>
+          </a:p>
+        </p:txBody>
+      </p:sp>
+      <p:sp>
+        <p:nvSpPr>
+          <p:cNvPr id="3" name="Text Placeholder 2"/>
           <p:cNvSpPr>
             <a:spLocks noGrp="1"/>
           </p:cNvSpPr>
@@ -1003,122 +1094,119 @@
         </p:nvSpPr>
         <p:spPr>
           <a:xfrm>
-            <a:off x="831850" y="4589463"/>
-            <a:ext cx="10515600" cy="1500187"/>
-          </a:xfrm>
-        </p:spPr>
-        <p:txBody>
-          <a:bodyPr/>
+            <a:off x="1261872" y="4800600"/>
+            <a:ext cx="9418320" cy="1691640"/>
+          </a:xfrm>
+        </p:spPr>
+        <p:txBody>
+          <a:bodyPr anchor="t">
+            <a:normAutofit/>
+          </a:bodyPr>
           <a:lstStyle>
             <a:lvl1pPr marL="0" indent="0">
               <a:buNone/>
-              <a:defRPr sz="2400">
+              <a:defRPr sz="2200" spc="30" baseline="0">
+                <a:solidFill>
+                  <a:schemeClr val="tx1">
+                    <a:lumMod val="50000"/>
+                    <a:lumOff val="50000"/>
+                  </a:schemeClr>
+                </a:solidFill>
+              </a:defRPr>
+            </a:lvl1pPr>
+            <a:lvl2pPr marL="457200" indent="0">
+              <a:buNone/>
+              <a:defRPr sz="1800">
                 <a:solidFill>
                   <a:schemeClr val="tx1">
                     <a:tint val="75000"/>
                   </a:schemeClr>
                 </a:solidFill>
               </a:defRPr>
-            </a:lvl1pPr>
-            <a:lvl2pPr marL="457200" indent="0">
+            </a:lvl2pPr>
+            <a:lvl3pPr marL="914400" indent="0">
               <a:buNone/>
-              <a:defRPr sz="2000">
+              <a:defRPr sz="1600">
                 <a:solidFill>
                   <a:schemeClr val="tx1">
                     <a:tint val="75000"/>
                   </a:schemeClr>
                 </a:solidFill>
               </a:defRPr>
-            </a:lvl2pPr>
-            <a:lvl3pPr marL="914400" indent="0">
+            </a:lvl3pPr>
+            <a:lvl4pPr marL="1371600" indent="0">
               <a:buNone/>
-              <a:defRPr sz="1800">
+              <a:defRPr sz="1400">
                 <a:solidFill>
                   <a:schemeClr val="tx1">
                     <a:tint val="75000"/>
                   </a:schemeClr>
                 </a:solidFill>
               </a:defRPr>
-            </a:lvl3pPr>
-            <a:lvl4pPr marL="1371600" indent="0">
+            </a:lvl4pPr>
+            <a:lvl5pPr marL="1828800" indent="0">
               <a:buNone/>
-              <a:defRPr sz="1600">
+              <a:defRPr sz="1400">
                 <a:solidFill>
                   <a:schemeClr val="tx1">
                     <a:tint val="75000"/>
                   </a:schemeClr>
                 </a:solidFill>
               </a:defRPr>
-            </a:lvl4pPr>
-            <a:lvl5pPr marL="1828800" indent="0">
+            </a:lvl5pPr>
+            <a:lvl6pPr marL="2286000" indent="0">
               <a:buNone/>
-              <a:defRPr sz="1600">
+              <a:defRPr sz="1400">
                 <a:solidFill>
                   <a:schemeClr val="tx1">
                     <a:tint val="75000"/>
                   </a:schemeClr>
                 </a:solidFill>
               </a:defRPr>
-            </a:lvl5pPr>
-            <a:lvl6pPr marL="2286000" indent="0">
+            </a:lvl6pPr>
+            <a:lvl7pPr marL="2743200" indent="0">
               <a:buNone/>
-              <a:defRPr sz="1600">
+              <a:defRPr sz="1400">
                 <a:solidFill>
                   <a:schemeClr val="tx1">
                     <a:tint val="75000"/>
                   </a:schemeClr>
                 </a:solidFill>
               </a:defRPr>
-            </a:lvl6pPr>
-            <a:lvl7pPr marL="2743200" indent="0">
+            </a:lvl7pPr>
+            <a:lvl8pPr marL="3200400" indent="0">
               <a:buNone/>
-              <a:defRPr sz="1600">
+              <a:defRPr sz="1400">
                 <a:solidFill>
                   <a:schemeClr val="tx1">
                     <a:tint val="75000"/>
                   </a:schemeClr>
                 </a:solidFill>
               </a:defRPr>
-            </a:lvl7pPr>
-            <a:lvl8pPr marL="3200400" indent="0">
+            </a:lvl8pPr>
+            <a:lvl9pPr marL="3657600" indent="0">
               <a:buNone/>
-              <a:defRPr sz="1600">
+              <a:defRPr sz="1400">
                 <a:solidFill>
                   <a:schemeClr val="tx1">
                     <a:tint val="75000"/>
                   </a:schemeClr>
                 </a:solidFill>
               </a:defRPr>
-            </a:lvl8pPr>
-            <a:lvl9pPr marL="3657600" indent="0">
-              <a:buNone/>
-              <a:defRPr sz="1600">
-                <a:solidFill>
-                  <a:schemeClr val="tx1">
-                    <a:tint val="75000"/>
-                  </a:schemeClr>
-                </a:solidFill>
-              </a:defRPr>
             </a:lvl9pPr>
           </a:lstStyle>
           <a:p>
             <a:pPr lvl="0"/>
             <a:r>
-              <a:rPr lang="zh-TW" altLang="en-US"/>
-              <a:t>按一下以編輯母片文字樣式</a:t>
-            </a:r>
-          </a:p>
-        </p:txBody>
-      </p:sp>
-      <p:sp>
-        <p:nvSpPr>
-          <p:cNvPr id="4" name="日期版面配置區 3">
-            <a:extLst>
-              <a:ext uri="{FF2B5EF4-FFF2-40B4-BE49-F238E27FC236}">
-                <a16:creationId xmlns:a16="http://schemas.microsoft.com/office/drawing/2014/main" id="{37546C76-CF19-433D-9070-0A54A149F1B2}"/>
-              </a:ext>
-            </a:extLst>
-          </p:cNvPr>
+              <a:rPr lang="en-US" dirty="0"/>
+              <a:t>Click to edit Master text styles</a:t>
+            </a:r>
+          </a:p>
+        </p:txBody>
+      </p:sp>
+      <p:sp>
+        <p:nvSpPr>
+          <p:cNvPr id="4" name="Date Placeholder 3"/>
           <p:cNvSpPr>
             <a:spLocks noGrp="1"/>
           </p:cNvSpPr>
@@ -1131,23 +1219,17 @@
           <a:bodyPr/>
           <a:lstStyle/>
           <a:p>
-            <a:fld id="{C3C90D7E-32D6-4894-AE08-7BBB3E610FC9}" type="datetimeFigureOut">
-              <a:rPr lang="zh-TW" altLang="en-US" smtClean="0"/>
-              <a:t>2024/9/16</a:t>
+            <a:fld id="{07BB23E3-326B-4424-9A50-2CBB9CA4B2E5}" type="datetimeFigureOut">
+              <a:rPr lang="en-US" dirty="0"/>
+              <a:t>10/23/2024</a:t>
             </a:fld>
-            <a:endParaRPr lang="zh-TW" altLang="en-US"/>
-          </a:p>
-        </p:txBody>
-      </p:sp>
-      <p:sp>
-        <p:nvSpPr>
-          <p:cNvPr id="5" name="頁尾版面配置區 4">
-            <a:extLst>
-              <a:ext uri="{FF2B5EF4-FFF2-40B4-BE49-F238E27FC236}">
-                <a16:creationId xmlns:a16="http://schemas.microsoft.com/office/drawing/2014/main" id="{9C9DC25F-827C-4564-AD0E-7FD815D53AF7}"/>
-              </a:ext>
-            </a:extLst>
-          </p:cNvPr>
+            <a:endParaRPr lang="en-US" dirty="0"/>
+          </a:p>
+        </p:txBody>
+      </p:sp>
+      <p:sp>
+        <p:nvSpPr>
+          <p:cNvPr id="5" name="Footer Placeholder 4"/>
           <p:cNvSpPr>
             <a:spLocks noGrp="1"/>
           </p:cNvSpPr>
@@ -1160,19 +1242,13 @@
           <a:bodyPr/>
           <a:lstStyle/>
           <a:p>
-            <a:endParaRPr lang="zh-TW" altLang="en-US"/>
-          </a:p>
-        </p:txBody>
-      </p:sp>
-      <p:sp>
-        <p:nvSpPr>
-          <p:cNvPr id="6" name="投影片編號版面配置區 5">
-            <a:extLst>
-              <a:ext uri="{FF2B5EF4-FFF2-40B4-BE49-F238E27FC236}">
-                <a16:creationId xmlns:a16="http://schemas.microsoft.com/office/drawing/2014/main" id="{8C0653A6-68AA-4213-8D62-EAF9243D6998}"/>
-              </a:ext>
-            </a:extLst>
-          </p:cNvPr>
+            <a:endParaRPr lang="en-US" dirty="0"/>
+          </a:p>
+        </p:txBody>
+      </p:sp>
+      <p:sp>
+        <p:nvSpPr>
+          <p:cNvPr id="6" name="Slide Number Placeholder 5"/>
           <p:cNvSpPr>
             <a:spLocks noGrp="1"/>
           </p:cNvSpPr>
@@ -1185,18 +1261,59 @@
           <a:bodyPr/>
           <a:lstStyle/>
           <a:p>
-            <a:fld id="{E31EC408-072F-4346-BD0A-D6AA5788A305}" type="slidenum">
-              <a:rPr lang="zh-TW" altLang="en-US" smtClean="0"/>
+            <a:fld id="{4FAB73BC-B049-4115-A692-8D63A059BFB8}" type="slidenum">
+              <a:rPr lang="en-US" dirty="0"/>
               <a:t>‹#›</a:t>
             </a:fld>
-            <a:endParaRPr lang="zh-TW" altLang="en-US"/>
-          </a:p>
-        </p:txBody>
+            <a:endParaRPr lang="en-US" dirty="0"/>
+          </a:p>
+        </p:txBody>
+      </p:sp>
+      <p:sp>
+        <p:nvSpPr>
+          <p:cNvPr id="8" name="Rectangle 7"/>
+          <p:cNvSpPr/>
+          <p:nvPr/>
+        </p:nvSpPr>
+        <p:spPr>
+          <a:xfrm>
+            <a:off x="0" y="0"/>
+            <a:ext cx="457200" cy="6858000"/>
+          </a:xfrm>
+          <a:prstGeom prst="rect">
+            <a:avLst/>
+          </a:prstGeom>
+          <a:solidFill>
+            <a:schemeClr val="tx2">
+              <a:lumMod val="60000"/>
+              <a:lumOff val="40000"/>
+            </a:schemeClr>
+          </a:solidFill>
+          <a:ln>
+            <a:noFill/>
+          </a:ln>
+        </p:spPr>
+        <p:style>
+          <a:lnRef idx="2">
+            <a:schemeClr val="accent1">
+              <a:shade val="50000"/>
+            </a:schemeClr>
+          </a:lnRef>
+          <a:fillRef idx="1">
+            <a:schemeClr val="accent1"/>
+          </a:fillRef>
+          <a:effectRef idx="0">
+            <a:schemeClr val="accent1"/>
+          </a:effectRef>
+          <a:fontRef idx="minor">
+            <a:schemeClr val="lt1"/>
+          </a:fontRef>
+        </p:style>
       </p:sp>
     </p:spTree>
     <p:extLst>
       <p:ext uri="{BB962C8B-B14F-4D97-AF65-F5344CB8AC3E}">
-        <p14:creationId xmlns:p14="http://schemas.microsoft.com/office/powerpoint/2010/main" val="3126775509"/>
+        <p14:creationId xmlns:p14="http://schemas.microsoft.com/office/powerpoint/2010/main" val="1500220996"/>
       </p:ext>
     </p:extLst>
   </p:cSld>
@@ -1208,7 +1325,7 @@
 
 <file path=ppt/slideLayouts/slideLayout4.xml><?xml version="1.0" encoding="utf-8"?>
 <p:sldLayout xmlns:a="http://schemas.openxmlformats.org/drawingml/2006/main" xmlns:r="http://schemas.openxmlformats.org/officeDocument/2006/relationships" xmlns:p="http://schemas.openxmlformats.org/presentationml/2006/main" type="twoObj" preserve="1">
-  <p:cSld name="兩個內容">
+  <p:cSld name="Two Content">
     <p:spTree>
       <p:nvGrpSpPr>
         <p:cNvPr id="1" name=""/>
@@ -1225,13 +1342,7 @@
       </p:grpSpPr>
       <p:sp>
         <p:nvSpPr>
-          <p:cNvPr id="2" name="標題 1">
-            <a:extLst>
-              <a:ext uri="{FF2B5EF4-FFF2-40B4-BE49-F238E27FC236}">
-                <a16:creationId xmlns:a16="http://schemas.microsoft.com/office/drawing/2014/main" id="{F8A74D77-9E6E-4FD1-97AD-0ADC1228B6AF}"/>
-              </a:ext>
-            </a:extLst>
-          </p:cNvPr>
+          <p:cNvPr id="2" name="Title 1"/>
           <p:cNvSpPr>
             <a:spLocks noGrp="1"/>
           </p:cNvSpPr>
@@ -1245,21 +1356,15 @@
           <a:lstStyle/>
           <a:p>
             <a:r>
-              <a:rPr lang="zh-TW" altLang="en-US"/>
-              <a:t>按一下以編輯母片標題樣式</a:t>
-            </a:r>
-          </a:p>
-        </p:txBody>
-      </p:sp>
-      <p:sp>
-        <p:nvSpPr>
-          <p:cNvPr id="3" name="內容版面配置區 2">
-            <a:extLst>
-              <a:ext uri="{FF2B5EF4-FFF2-40B4-BE49-F238E27FC236}">
-                <a16:creationId xmlns:a16="http://schemas.microsoft.com/office/drawing/2014/main" id="{9FDE4E9B-689C-4373-B281-9636BE211982}"/>
-              </a:ext>
-            </a:extLst>
-          </p:cNvPr>
+              <a:rPr lang="en-US" dirty="0"/>
+              <a:t>Click to edit Master title style</a:t>
+            </a:r>
+          </a:p>
+        </p:txBody>
+      </p:sp>
+      <p:sp>
+        <p:nvSpPr>
+          <p:cNvPr id="3" name="Content Placeholder 2"/>
           <p:cNvSpPr>
             <a:spLocks noGrp="1"/>
           </p:cNvSpPr>
@@ -1269,59 +1374,81 @@
         </p:nvSpPr>
         <p:spPr>
           <a:xfrm>
-            <a:off x="838200" y="1825625"/>
-            <a:ext cx="5181600" cy="4351338"/>
+            <a:off x="1261872" y="1828800"/>
+            <a:ext cx="4480560" cy="4351337"/>
           </a:xfrm>
         </p:spPr>
         <p:txBody>
           <a:bodyPr/>
-          <a:lstStyle/>
+          <a:lstStyle>
+            <a:lvl1pPr>
+              <a:defRPr sz="2000"/>
+            </a:lvl1pPr>
+            <a:lvl2pPr>
+              <a:defRPr sz="1800"/>
+            </a:lvl2pPr>
+            <a:lvl3pPr>
+              <a:defRPr sz="1600"/>
+            </a:lvl3pPr>
+            <a:lvl4pPr>
+              <a:defRPr sz="1400"/>
+            </a:lvl4pPr>
+            <a:lvl5pPr>
+              <a:defRPr sz="1400"/>
+            </a:lvl5pPr>
+            <a:lvl6pPr>
+              <a:defRPr sz="1400"/>
+            </a:lvl6pPr>
+            <a:lvl7pPr>
+              <a:defRPr sz="1400"/>
+            </a:lvl7pPr>
+            <a:lvl8pPr>
+              <a:defRPr sz="1400"/>
+            </a:lvl8pPr>
+            <a:lvl9pPr>
+              <a:defRPr sz="1400"/>
+            </a:lvl9pPr>
+          </a:lstStyle>
           <a:p>
             <a:pPr lvl="0"/>
             <a:r>
-              <a:rPr lang="zh-TW" altLang="en-US"/>
-              <a:t>按一下以編輯母片文字樣式</a:t>
+              <a:rPr lang="en-US" dirty="0"/>
+              <a:t>Click to edit Master text styles</a:t>
             </a:r>
           </a:p>
           <a:p>
             <a:pPr lvl="1"/>
             <a:r>
-              <a:rPr lang="zh-TW" altLang="en-US"/>
-              <a:t>第二層</a:t>
+              <a:rPr lang="en-US" dirty="0"/>
+              <a:t>Second level</a:t>
             </a:r>
           </a:p>
           <a:p>
             <a:pPr lvl="2"/>
             <a:r>
-              <a:rPr lang="zh-TW" altLang="en-US"/>
-              <a:t>第三層</a:t>
+              <a:rPr lang="en-US" dirty="0"/>
+              <a:t>Third level</a:t>
             </a:r>
           </a:p>
           <a:p>
             <a:pPr lvl="3"/>
             <a:r>
-              <a:rPr lang="zh-TW" altLang="en-US"/>
-              <a:t>第四層</a:t>
+              <a:rPr lang="en-US" dirty="0"/>
+              <a:t>Fourth level</a:t>
             </a:r>
           </a:p>
           <a:p>
             <a:pPr lvl="4"/>
             <a:r>
-              <a:rPr lang="zh-TW" altLang="en-US"/>
-              <a:t>第五層</a:t>
-            </a:r>
-          </a:p>
-        </p:txBody>
-      </p:sp>
-      <p:sp>
-        <p:nvSpPr>
-          <p:cNvPr id="4" name="內容版面配置區 3">
-            <a:extLst>
-              <a:ext uri="{FF2B5EF4-FFF2-40B4-BE49-F238E27FC236}">
-                <a16:creationId xmlns:a16="http://schemas.microsoft.com/office/drawing/2014/main" id="{CD25EC10-0BDA-4ECA-AB8E-059AC3378E22}"/>
-              </a:ext>
-            </a:extLst>
-          </p:cNvPr>
+              <a:rPr lang="en-US" dirty="0"/>
+              <a:t>Fifth level</a:t>
+            </a:r>
+          </a:p>
+        </p:txBody>
+      </p:sp>
+      <p:sp>
+        <p:nvSpPr>
+          <p:cNvPr id="4" name="Content Placeholder 3"/>
           <p:cNvSpPr>
             <a:spLocks noGrp="1"/>
           </p:cNvSpPr>
@@ -1331,59 +1458,81 @@
         </p:nvSpPr>
         <p:spPr>
           <a:xfrm>
-            <a:off x="6172200" y="1825625"/>
-            <a:ext cx="5181600" cy="4351338"/>
+            <a:off x="6126480" y="1828800"/>
+            <a:ext cx="4480560" cy="4351337"/>
           </a:xfrm>
         </p:spPr>
         <p:txBody>
           <a:bodyPr/>
-          <a:lstStyle/>
+          <a:lstStyle>
+            <a:lvl1pPr>
+              <a:defRPr sz="2000"/>
+            </a:lvl1pPr>
+            <a:lvl2pPr>
+              <a:defRPr sz="1800"/>
+            </a:lvl2pPr>
+            <a:lvl3pPr>
+              <a:defRPr sz="1600"/>
+            </a:lvl3pPr>
+            <a:lvl4pPr>
+              <a:defRPr sz="1400"/>
+            </a:lvl4pPr>
+            <a:lvl5pPr>
+              <a:defRPr sz="1400"/>
+            </a:lvl5pPr>
+            <a:lvl6pPr>
+              <a:defRPr sz="1400"/>
+            </a:lvl6pPr>
+            <a:lvl7pPr>
+              <a:defRPr sz="1400"/>
+            </a:lvl7pPr>
+            <a:lvl8pPr>
+              <a:defRPr sz="1400"/>
+            </a:lvl8pPr>
+            <a:lvl9pPr>
+              <a:defRPr sz="1400"/>
+            </a:lvl9pPr>
+          </a:lstStyle>
           <a:p>
             <a:pPr lvl="0"/>
             <a:r>
-              <a:rPr lang="zh-TW" altLang="en-US"/>
-              <a:t>按一下以編輯母片文字樣式</a:t>
+              <a:rPr lang="en-US" dirty="0"/>
+              <a:t>Click to edit Master text styles</a:t>
             </a:r>
           </a:p>
           <a:p>
             <a:pPr lvl="1"/>
             <a:r>
-              <a:rPr lang="zh-TW" altLang="en-US"/>
-              <a:t>第二層</a:t>
+              <a:rPr lang="en-US" dirty="0"/>
+              <a:t>Second level</a:t>
             </a:r>
           </a:p>
           <a:p>
             <a:pPr lvl="2"/>
             <a:r>
-              <a:rPr lang="zh-TW" altLang="en-US"/>
-              <a:t>第三層</a:t>
+              <a:rPr lang="en-US" dirty="0"/>
+              <a:t>Third level</a:t>
             </a:r>
           </a:p>
           <a:p>
             <a:pPr lvl="3"/>
             <a:r>
-              <a:rPr lang="zh-TW" altLang="en-US"/>
-              <a:t>第四層</a:t>
+              <a:rPr lang="en-US" dirty="0"/>
+              <a:t>Fourth level</a:t>
             </a:r>
           </a:p>
           <a:p>
             <a:pPr lvl="4"/>
             <a:r>
-              <a:rPr lang="zh-TW" altLang="en-US"/>
-              <a:t>第五層</a:t>
-            </a:r>
-          </a:p>
-        </p:txBody>
-      </p:sp>
-      <p:sp>
-        <p:nvSpPr>
-          <p:cNvPr id="5" name="日期版面配置區 4">
-            <a:extLst>
-              <a:ext uri="{FF2B5EF4-FFF2-40B4-BE49-F238E27FC236}">
-                <a16:creationId xmlns:a16="http://schemas.microsoft.com/office/drawing/2014/main" id="{63DAF127-0983-4C38-869C-C0A513FA9147}"/>
-              </a:ext>
-            </a:extLst>
-          </p:cNvPr>
+              <a:rPr lang="en-US" dirty="0"/>
+              <a:t>Fifth level</a:t>
+            </a:r>
+          </a:p>
+        </p:txBody>
+      </p:sp>
+      <p:sp>
+        <p:nvSpPr>
+          <p:cNvPr id="5" name="Date Placeholder 4"/>
           <p:cNvSpPr>
             <a:spLocks noGrp="1"/>
           </p:cNvSpPr>
@@ -1396,23 +1545,17 @@
           <a:bodyPr/>
           <a:lstStyle/>
           <a:p>
-            <a:fld id="{C3C90D7E-32D6-4894-AE08-7BBB3E610FC9}" type="datetimeFigureOut">
-              <a:rPr lang="zh-TW" altLang="en-US" smtClean="0"/>
-              <a:t>2024/9/16</a:t>
+            <a:fld id="{FAA09F6F-C437-48B6-80BB-8E50899C06AF}" type="datetimeFigureOut">
+              <a:rPr lang="en-US" dirty="0"/>
+              <a:t>10/23/2024</a:t>
             </a:fld>
-            <a:endParaRPr lang="zh-TW" altLang="en-US"/>
-          </a:p>
-        </p:txBody>
-      </p:sp>
-      <p:sp>
-        <p:nvSpPr>
-          <p:cNvPr id="6" name="頁尾版面配置區 5">
-            <a:extLst>
-              <a:ext uri="{FF2B5EF4-FFF2-40B4-BE49-F238E27FC236}">
-                <a16:creationId xmlns:a16="http://schemas.microsoft.com/office/drawing/2014/main" id="{E014CBA6-CCE3-4CF4-8E13-D895EDBD8F25}"/>
-              </a:ext>
-            </a:extLst>
-          </p:cNvPr>
+            <a:endParaRPr lang="en-US" dirty="0"/>
+          </a:p>
+        </p:txBody>
+      </p:sp>
+      <p:sp>
+        <p:nvSpPr>
+          <p:cNvPr id="6" name="Footer Placeholder 5"/>
           <p:cNvSpPr>
             <a:spLocks noGrp="1"/>
           </p:cNvSpPr>
@@ -1425,19 +1568,13 @@
           <a:bodyPr/>
           <a:lstStyle/>
           <a:p>
-            <a:endParaRPr lang="zh-TW" altLang="en-US"/>
-          </a:p>
-        </p:txBody>
-      </p:sp>
-      <p:sp>
-        <p:nvSpPr>
-          <p:cNvPr id="7" name="投影片編號版面配置區 6">
-            <a:extLst>
-              <a:ext uri="{FF2B5EF4-FFF2-40B4-BE49-F238E27FC236}">
-                <a16:creationId xmlns:a16="http://schemas.microsoft.com/office/drawing/2014/main" id="{5CEAA8E5-79B3-445E-B8C3-29BD56CE6D7A}"/>
-              </a:ext>
-            </a:extLst>
-          </p:cNvPr>
+            <a:endParaRPr lang="en-US" dirty="0"/>
+          </a:p>
+        </p:txBody>
+      </p:sp>
+      <p:sp>
+        <p:nvSpPr>
+          <p:cNvPr id="7" name="Slide Number Placeholder 6"/>
           <p:cNvSpPr>
             <a:spLocks noGrp="1"/>
           </p:cNvSpPr>
@@ -1450,18 +1587,59 @@
           <a:bodyPr/>
           <a:lstStyle/>
           <a:p>
-            <a:fld id="{E31EC408-072F-4346-BD0A-D6AA5788A305}" type="slidenum">
-              <a:rPr lang="zh-TW" altLang="en-US" smtClean="0"/>
+            <a:fld id="{4FAB73BC-B049-4115-A692-8D63A059BFB8}" type="slidenum">
+              <a:rPr lang="en-US" dirty="0"/>
               <a:t>‹#›</a:t>
             </a:fld>
-            <a:endParaRPr lang="zh-TW" altLang="en-US"/>
-          </a:p>
-        </p:txBody>
+            <a:endParaRPr lang="en-US" dirty="0"/>
+          </a:p>
+        </p:txBody>
+      </p:sp>
+      <p:sp>
+        <p:nvSpPr>
+          <p:cNvPr id="8" name="Rectangle 7"/>
+          <p:cNvSpPr/>
+          <p:nvPr/>
+        </p:nvSpPr>
+        <p:spPr>
+          <a:xfrm>
+            <a:off x="0" y="0"/>
+            <a:ext cx="457200" cy="6858000"/>
+          </a:xfrm>
+          <a:prstGeom prst="rect">
+            <a:avLst/>
+          </a:prstGeom>
+          <a:solidFill>
+            <a:schemeClr val="tx2">
+              <a:lumMod val="60000"/>
+              <a:lumOff val="40000"/>
+            </a:schemeClr>
+          </a:solidFill>
+          <a:ln>
+            <a:noFill/>
+          </a:ln>
+        </p:spPr>
+        <p:style>
+          <a:lnRef idx="2">
+            <a:schemeClr val="accent1">
+              <a:shade val="50000"/>
+            </a:schemeClr>
+          </a:lnRef>
+          <a:fillRef idx="1">
+            <a:schemeClr val="accent1"/>
+          </a:fillRef>
+          <a:effectRef idx="0">
+            <a:schemeClr val="accent1"/>
+          </a:effectRef>
+          <a:fontRef idx="minor">
+            <a:schemeClr val="lt1"/>
+          </a:fontRef>
+        </p:style>
       </p:sp>
     </p:spTree>
     <p:extLst>
       <p:ext uri="{BB962C8B-B14F-4D97-AF65-F5344CB8AC3E}">
-        <p14:creationId xmlns:p14="http://schemas.microsoft.com/office/powerpoint/2010/main" val="3858213488"/>
+        <p14:creationId xmlns:p14="http://schemas.microsoft.com/office/powerpoint/2010/main" val="11311288"/>
       </p:ext>
     </p:extLst>
   </p:cSld>
@@ -1473,7 +1651,7 @@
 
 <file path=ppt/slideLayouts/slideLayout5.xml><?xml version="1.0" encoding="utf-8"?>
 <p:sldLayout xmlns:a="http://schemas.openxmlformats.org/drawingml/2006/main" xmlns:r="http://schemas.openxmlformats.org/officeDocument/2006/relationships" xmlns:p="http://schemas.openxmlformats.org/presentationml/2006/main" type="twoTxTwoObj" preserve="1">
-  <p:cSld name="比較">
+  <p:cSld name="Comparison">
     <p:spTree>
       <p:nvGrpSpPr>
         <p:cNvPr id="1" name=""/>
@@ -1490,13 +1668,7 @@
       </p:grpSpPr>
       <p:sp>
         <p:nvSpPr>
-          <p:cNvPr id="2" name="標題 1">
-            <a:extLst>
-              <a:ext uri="{FF2B5EF4-FFF2-40B4-BE49-F238E27FC236}">
-                <a16:creationId xmlns:a16="http://schemas.microsoft.com/office/drawing/2014/main" id="{A00F76B6-8DEC-4A74-A06A-BA0146321CD8}"/>
-              </a:ext>
-            </a:extLst>
-          </p:cNvPr>
+          <p:cNvPr id="10" name="Title 9"/>
           <p:cNvSpPr>
             <a:spLocks noGrp="1"/>
           </p:cNvSpPr>
@@ -1504,32 +1676,21 @@
             <p:ph type="title"/>
           </p:nvPr>
         </p:nvSpPr>
-        <p:spPr>
-          <a:xfrm>
-            <a:off x="839788" y="365125"/>
-            <a:ext cx="10515600" cy="1325563"/>
-          </a:xfrm>
-        </p:spPr>
+        <p:spPr/>
         <p:txBody>
           <a:bodyPr/>
           <a:lstStyle/>
           <a:p>
             <a:r>
-              <a:rPr lang="zh-TW" altLang="en-US"/>
-              <a:t>按一下以編輯母片標題樣式</a:t>
-            </a:r>
-          </a:p>
-        </p:txBody>
-      </p:sp>
-      <p:sp>
-        <p:nvSpPr>
-          <p:cNvPr id="3" name="文字版面配置區 2">
-            <a:extLst>
-              <a:ext uri="{FF2B5EF4-FFF2-40B4-BE49-F238E27FC236}">
-                <a16:creationId xmlns:a16="http://schemas.microsoft.com/office/drawing/2014/main" id="{EF00F5C5-99A7-4F16-855A-F170362659F7}"/>
-              </a:ext>
-            </a:extLst>
-          </p:cNvPr>
+              <a:rPr lang="en-US" dirty="0"/>
+              <a:t>Click to edit Master title style</a:t>
+            </a:r>
+          </a:p>
+        </p:txBody>
+      </p:sp>
+      <p:sp>
+        <p:nvSpPr>
+          <p:cNvPr id="3" name="Text Placeholder 2"/>
           <p:cNvSpPr>
             <a:spLocks noGrp="1"/>
           </p:cNvSpPr>
@@ -1539,16 +1700,25 @@
         </p:nvSpPr>
         <p:spPr>
           <a:xfrm>
-            <a:off x="839788" y="1681163"/>
-            <a:ext cx="5157787" cy="823912"/>
-          </a:xfrm>
-        </p:spPr>
-        <p:txBody>
-          <a:bodyPr anchor="b"/>
+            <a:off x="1261872" y="1713655"/>
+            <a:ext cx="4480560" cy="731520"/>
+          </a:xfrm>
+        </p:spPr>
+        <p:txBody>
+          <a:bodyPr anchor="b">
+            <a:normAutofit/>
+          </a:bodyPr>
           <a:lstStyle>
             <a:lvl1pPr marL="0" indent="0">
+              <a:spcBef>
+                <a:spcPts val="0"/>
+              </a:spcBef>
               <a:buNone/>
-              <a:defRPr sz="2400" b="1"/>
+              <a:defRPr sz="2000" b="0">
+                <a:solidFill>
+                  <a:schemeClr val="tx2"/>
+                </a:solidFill>
+              </a:defRPr>
             </a:lvl1pPr>
             <a:lvl2pPr marL="457200" indent="0">
               <a:buNone/>
@@ -1586,21 +1756,15 @@
           <a:p>
             <a:pPr lvl="0"/>
             <a:r>
-              <a:rPr lang="zh-TW" altLang="en-US"/>
-              <a:t>按一下以編輯母片文字樣式</a:t>
-            </a:r>
-          </a:p>
-        </p:txBody>
-      </p:sp>
-      <p:sp>
-        <p:nvSpPr>
-          <p:cNvPr id="4" name="內容版面配置區 3">
-            <a:extLst>
-              <a:ext uri="{FF2B5EF4-FFF2-40B4-BE49-F238E27FC236}">
-                <a16:creationId xmlns:a16="http://schemas.microsoft.com/office/drawing/2014/main" id="{6722BEB2-C9B4-4C14-8234-D17E84349984}"/>
-              </a:ext>
-            </a:extLst>
-          </p:cNvPr>
+              <a:rPr lang="en-US" dirty="0"/>
+              <a:t>Click to edit Master text styles</a:t>
+            </a:r>
+          </a:p>
+        </p:txBody>
+      </p:sp>
+      <p:sp>
+        <p:nvSpPr>
+          <p:cNvPr id="4" name="Content Placeholder 3"/>
           <p:cNvSpPr>
             <a:spLocks noGrp="1"/>
           </p:cNvSpPr>
@@ -1610,59 +1774,81 @@
         </p:nvSpPr>
         <p:spPr>
           <a:xfrm>
-            <a:off x="839788" y="2505075"/>
-            <a:ext cx="5157787" cy="3684588"/>
+            <a:off x="1261872" y="2507550"/>
+            <a:ext cx="4480560" cy="3664650"/>
           </a:xfrm>
         </p:spPr>
         <p:txBody>
           <a:bodyPr/>
-          <a:lstStyle/>
+          <a:lstStyle>
+            <a:lvl1pPr>
+              <a:defRPr sz="1800"/>
+            </a:lvl1pPr>
+            <a:lvl2pPr>
+              <a:defRPr sz="1600"/>
+            </a:lvl2pPr>
+            <a:lvl3pPr>
+              <a:defRPr sz="1400"/>
+            </a:lvl3pPr>
+            <a:lvl4pPr>
+              <a:defRPr sz="1400"/>
+            </a:lvl4pPr>
+            <a:lvl5pPr>
+              <a:defRPr sz="1400"/>
+            </a:lvl5pPr>
+            <a:lvl6pPr>
+              <a:defRPr sz="1400"/>
+            </a:lvl6pPr>
+            <a:lvl7pPr>
+              <a:defRPr sz="1400"/>
+            </a:lvl7pPr>
+            <a:lvl8pPr>
+              <a:defRPr sz="1400"/>
+            </a:lvl8pPr>
+            <a:lvl9pPr>
+              <a:defRPr sz="1400"/>
+            </a:lvl9pPr>
+          </a:lstStyle>
           <a:p>
             <a:pPr lvl="0"/>
             <a:r>
-              <a:rPr lang="zh-TW" altLang="en-US"/>
-              <a:t>按一下以編輯母片文字樣式</a:t>
+              <a:rPr lang="en-US" dirty="0"/>
+              <a:t>Click to edit Master text styles</a:t>
             </a:r>
           </a:p>
           <a:p>
             <a:pPr lvl="1"/>
             <a:r>
-              <a:rPr lang="zh-TW" altLang="en-US"/>
-              <a:t>第二層</a:t>
+              <a:rPr lang="en-US" dirty="0"/>
+              <a:t>Second level</a:t>
             </a:r>
           </a:p>
           <a:p>
             <a:pPr lvl="2"/>
             <a:r>
-              <a:rPr lang="zh-TW" altLang="en-US"/>
-              <a:t>第三層</a:t>
+              <a:rPr lang="en-US" dirty="0"/>
+              <a:t>Third level</a:t>
             </a:r>
           </a:p>
           <a:p>
             <a:pPr lvl="3"/>
             <a:r>
-              <a:rPr lang="zh-TW" altLang="en-US"/>
-              <a:t>第四層</a:t>
+              <a:rPr lang="en-US" dirty="0"/>
+              <a:t>Fourth level</a:t>
             </a:r>
           </a:p>
           <a:p>
             <a:pPr lvl="4"/>
             <a:r>
-              <a:rPr lang="zh-TW" altLang="en-US"/>
-              <a:t>第五層</a:t>
-            </a:r>
-          </a:p>
-        </p:txBody>
-      </p:sp>
-      <p:sp>
-        <p:nvSpPr>
-          <p:cNvPr id="5" name="文字版面配置區 4">
-            <a:extLst>
-              <a:ext uri="{FF2B5EF4-FFF2-40B4-BE49-F238E27FC236}">
-                <a16:creationId xmlns:a16="http://schemas.microsoft.com/office/drawing/2014/main" id="{E4A41162-A0AC-4211-940F-4B92208F9B0E}"/>
-              </a:ext>
-            </a:extLst>
-          </p:cNvPr>
+              <a:rPr lang="en-US" dirty="0"/>
+              <a:t>Fifth level</a:t>
+            </a:r>
+          </a:p>
+        </p:txBody>
+      </p:sp>
+      <p:sp>
+        <p:nvSpPr>
+          <p:cNvPr id="5" name="Text Placeholder 4"/>
           <p:cNvSpPr>
             <a:spLocks noGrp="1"/>
           </p:cNvSpPr>
@@ -1672,16 +1858,31 @@
         </p:nvSpPr>
         <p:spPr>
           <a:xfrm>
-            <a:off x="6172200" y="1681163"/>
-            <a:ext cx="5183188" cy="823912"/>
-          </a:xfrm>
-        </p:spPr>
-        <p:txBody>
-          <a:bodyPr anchor="b"/>
+            <a:off x="6126480" y="1713655"/>
+            <a:ext cx="4480560" cy="731520"/>
+          </a:xfrm>
+        </p:spPr>
+        <p:txBody>
+          <a:bodyPr anchor="b">
+            <a:normAutofit/>
+          </a:bodyPr>
           <a:lstStyle>
             <a:lvl1pPr marL="0" indent="0">
+              <a:lnSpc>
+                <a:spcPct val="95000"/>
+              </a:lnSpc>
+              <a:spcBef>
+                <a:spcPts val="0"/>
+              </a:spcBef>
               <a:buNone/>
-              <a:defRPr sz="2400" b="1"/>
+              <a:defRPr lang="en-US" sz="2000" b="0" kern="1200" dirty="0">
+                <a:solidFill>
+                  <a:schemeClr val="tx2"/>
+                </a:solidFill>
+                <a:latin typeface="+mn-lt"/>
+                <a:ea typeface="+mn-ea"/>
+                <a:cs typeface="+mn-cs"/>
+              </a:defRPr>
             </a:lvl1pPr>
             <a:lvl2pPr marL="457200" indent="0">
               <a:buNone/>
@@ -1717,23 +1918,26 @@
             </a:lvl9pPr>
           </a:lstStyle>
           <a:p>
-            <a:pPr lvl="0"/>
-            <a:r>
-              <a:rPr lang="zh-TW" altLang="en-US"/>
-              <a:t>按一下以編輯母片文字樣式</a:t>
-            </a:r>
-          </a:p>
-        </p:txBody>
-      </p:sp>
-      <p:sp>
-        <p:nvSpPr>
-          <p:cNvPr id="6" name="內容版面配置區 5">
-            <a:extLst>
-              <a:ext uri="{FF2B5EF4-FFF2-40B4-BE49-F238E27FC236}">
-                <a16:creationId xmlns:a16="http://schemas.microsoft.com/office/drawing/2014/main" id="{E8EA159A-F9D7-4F58-A7C3-6E5B65E42266}"/>
-              </a:ext>
-            </a:extLst>
-          </p:cNvPr>
+            <a:pPr marL="0" lvl="0" indent="0" algn="l" defTabSz="914400" rtl="0" eaLnBrk="1" latinLnBrk="0" hangingPunct="1">
+              <a:lnSpc>
+                <a:spcPct val="90000"/>
+              </a:lnSpc>
+              <a:spcBef>
+                <a:spcPts val="2000"/>
+              </a:spcBef>
+              <a:buFontTx/>
+              <a:buNone/>
+            </a:pPr>
+            <a:r>
+              <a:rPr lang="en-US" dirty="0"/>
+              <a:t>Click to edit Master text styles</a:t>
+            </a:r>
+          </a:p>
+        </p:txBody>
+      </p:sp>
+      <p:sp>
+        <p:nvSpPr>
+          <p:cNvPr id="6" name="Content Placeholder 5"/>
           <p:cNvSpPr>
             <a:spLocks noGrp="1"/>
           </p:cNvSpPr>
@@ -1743,59 +1947,81 @@
         </p:nvSpPr>
         <p:spPr>
           <a:xfrm>
-            <a:off x="6172200" y="2505075"/>
-            <a:ext cx="5183188" cy="3684588"/>
+            <a:off x="6126480" y="2507550"/>
+            <a:ext cx="4480560" cy="3664650"/>
           </a:xfrm>
         </p:spPr>
         <p:txBody>
           <a:bodyPr/>
-          <a:lstStyle/>
+          <a:lstStyle>
+            <a:lvl1pPr>
+              <a:defRPr sz="1800"/>
+            </a:lvl1pPr>
+            <a:lvl2pPr>
+              <a:defRPr sz="1600"/>
+            </a:lvl2pPr>
+            <a:lvl3pPr>
+              <a:defRPr sz="1400"/>
+            </a:lvl3pPr>
+            <a:lvl4pPr>
+              <a:defRPr sz="1400"/>
+            </a:lvl4pPr>
+            <a:lvl5pPr>
+              <a:defRPr sz="1400"/>
+            </a:lvl5pPr>
+            <a:lvl6pPr>
+              <a:defRPr sz="1400"/>
+            </a:lvl6pPr>
+            <a:lvl7pPr>
+              <a:defRPr sz="1400"/>
+            </a:lvl7pPr>
+            <a:lvl8pPr>
+              <a:defRPr sz="1400"/>
+            </a:lvl8pPr>
+            <a:lvl9pPr>
+              <a:defRPr sz="1400"/>
+            </a:lvl9pPr>
+          </a:lstStyle>
           <a:p>
             <a:pPr lvl="0"/>
             <a:r>
-              <a:rPr lang="zh-TW" altLang="en-US"/>
-              <a:t>按一下以編輯母片文字樣式</a:t>
+              <a:rPr lang="en-US" dirty="0"/>
+              <a:t>Click to edit Master text styles</a:t>
             </a:r>
           </a:p>
           <a:p>
             <a:pPr lvl="1"/>
             <a:r>
-              <a:rPr lang="zh-TW" altLang="en-US"/>
-              <a:t>第二層</a:t>
+              <a:rPr lang="en-US" dirty="0"/>
+              <a:t>Second level</a:t>
             </a:r>
           </a:p>
           <a:p>
             <a:pPr lvl="2"/>
             <a:r>
-              <a:rPr lang="zh-TW" altLang="en-US"/>
-              <a:t>第三層</a:t>
+              <a:rPr lang="en-US" dirty="0"/>
+              <a:t>Third level</a:t>
             </a:r>
           </a:p>
           <a:p>
             <a:pPr lvl="3"/>
             <a:r>
-              <a:rPr lang="zh-TW" altLang="en-US"/>
-              <a:t>第四層</a:t>
+              <a:rPr lang="en-US" dirty="0"/>
+              <a:t>Fourth level</a:t>
             </a:r>
           </a:p>
           <a:p>
             <a:pPr lvl="4"/>
             <a:r>
-              <a:rPr lang="zh-TW" altLang="en-US"/>
-              <a:t>第五層</a:t>
-            </a:r>
-          </a:p>
-        </p:txBody>
-      </p:sp>
-      <p:sp>
-        <p:nvSpPr>
-          <p:cNvPr id="7" name="日期版面配置區 6">
-            <a:extLst>
-              <a:ext uri="{FF2B5EF4-FFF2-40B4-BE49-F238E27FC236}">
-                <a16:creationId xmlns:a16="http://schemas.microsoft.com/office/drawing/2014/main" id="{AE973E80-9141-48B7-A9D7-605A4541768F}"/>
-              </a:ext>
-            </a:extLst>
-          </p:cNvPr>
+              <a:rPr lang="en-US" dirty="0"/>
+              <a:t>Fifth level</a:t>
+            </a:r>
+          </a:p>
+        </p:txBody>
+      </p:sp>
+      <p:sp>
+        <p:nvSpPr>
+          <p:cNvPr id="7" name="Date Placeholder 6"/>
           <p:cNvSpPr>
             <a:spLocks noGrp="1"/>
           </p:cNvSpPr>
@@ -1808,23 +2034,17 @@
           <a:bodyPr/>
           <a:lstStyle/>
           <a:p>
-            <a:fld id="{C3C90D7E-32D6-4894-AE08-7BBB3E610FC9}" type="datetimeFigureOut">
-              <a:rPr lang="zh-TW" altLang="en-US" smtClean="0"/>
-              <a:t>2024/9/16</a:t>
+            <a:fld id="{1A776D14-B85F-4865-804C-5734F9C85CDD}" type="datetimeFigureOut">
+              <a:rPr lang="en-US" dirty="0"/>
+              <a:t>10/23/2024</a:t>
             </a:fld>
-            <a:endParaRPr lang="zh-TW" altLang="en-US"/>
-          </a:p>
-        </p:txBody>
-      </p:sp>
-      <p:sp>
-        <p:nvSpPr>
-          <p:cNvPr id="8" name="頁尾版面配置區 7">
-            <a:extLst>
-              <a:ext uri="{FF2B5EF4-FFF2-40B4-BE49-F238E27FC236}">
-                <a16:creationId xmlns:a16="http://schemas.microsoft.com/office/drawing/2014/main" id="{6520B07A-79F8-43E7-8013-632DD2AED223}"/>
-              </a:ext>
-            </a:extLst>
-          </p:cNvPr>
+            <a:endParaRPr lang="en-US" dirty="0"/>
+          </a:p>
+        </p:txBody>
+      </p:sp>
+      <p:sp>
+        <p:nvSpPr>
+          <p:cNvPr id="8" name="Footer Placeholder 7"/>
           <p:cNvSpPr>
             <a:spLocks noGrp="1"/>
           </p:cNvSpPr>
@@ -1837,19 +2057,13 @@
           <a:bodyPr/>
           <a:lstStyle/>
           <a:p>
-            <a:endParaRPr lang="zh-TW" altLang="en-US"/>
-          </a:p>
-        </p:txBody>
-      </p:sp>
-      <p:sp>
-        <p:nvSpPr>
-          <p:cNvPr id="9" name="投影片編號版面配置區 8">
-            <a:extLst>
-              <a:ext uri="{FF2B5EF4-FFF2-40B4-BE49-F238E27FC236}">
-                <a16:creationId xmlns:a16="http://schemas.microsoft.com/office/drawing/2014/main" id="{3B997D8F-4F1C-4DE6-A82C-3E0C38ACAE96}"/>
-              </a:ext>
-            </a:extLst>
-          </p:cNvPr>
+            <a:endParaRPr lang="en-US" dirty="0"/>
+          </a:p>
+        </p:txBody>
+      </p:sp>
+      <p:sp>
+        <p:nvSpPr>
+          <p:cNvPr id="9" name="Slide Number Placeholder 8"/>
           <p:cNvSpPr>
             <a:spLocks noGrp="1"/>
           </p:cNvSpPr>
@@ -1862,18 +2076,59 @@
           <a:bodyPr/>
           <a:lstStyle/>
           <a:p>
-            <a:fld id="{E31EC408-072F-4346-BD0A-D6AA5788A305}" type="slidenum">
-              <a:rPr lang="zh-TW" altLang="en-US" smtClean="0"/>
+            <a:fld id="{4FAB73BC-B049-4115-A692-8D63A059BFB8}" type="slidenum">
+              <a:rPr lang="en-US" dirty="0"/>
               <a:t>‹#›</a:t>
             </a:fld>
-            <a:endParaRPr lang="zh-TW" altLang="en-US"/>
-          </a:p>
-        </p:txBody>
+            <a:endParaRPr lang="en-US" dirty="0"/>
+          </a:p>
+        </p:txBody>
+      </p:sp>
+      <p:sp>
+        <p:nvSpPr>
+          <p:cNvPr id="11" name="Rectangle 10"/>
+          <p:cNvSpPr/>
+          <p:nvPr/>
+        </p:nvSpPr>
+        <p:spPr>
+          <a:xfrm>
+            <a:off x="0" y="0"/>
+            <a:ext cx="457200" cy="6858000"/>
+          </a:xfrm>
+          <a:prstGeom prst="rect">
+            <a:avLst/>
+          </a:prstGeom>
+          <a:solidFill>
+            <a:schemeClr val="tx2">
+              <a:lumMod val="60000"/>
+              <a:lumOff val="40000"/>
+            </a:schemeClr>
+          </a:solidFill>
+          <a:ln>
+            <a:noFill/>
+          </a:ln>
+        </p:spPr>
+        <p:style>
+          <a:lnRef idx="2">
+            <a:schemeClr val="accent1">
+              <a:shade val="50000"/>
+            </a:schemeClr>
+          </a:lnRef>
+          <a:fillRef idx="1">
+            <a:schemeClr val="accent1"/>
+          </a:fillRef>
+          <a:effectRef idx="0">
+            <a:schemeClr val="accent1"/>
+          </a:effectRef>
+          <a:fontRef idx="minor">
+            <a:schemeClr val="lt1"/>
+          </a:fontRef>
+        </p:style>
       </p:sp>
     </p:spTree>
     <p:extLst>
       <p:ext uri="{BB962C8B-B14F-4D97-AF65-F5344CB8AC3E}">
-        <p14:creationId xmlns:p14="http://schemas.microsoft.com/office/powerpoint/2010/main" val="3379995638"/>
+        <p14:creationId xmlns:p14="http://schemas.microsoft.com/office/powerpoint/2010/main" val="784949422"/>
       </p:ext>
     </p:extLst>
   </p:cSld>
@@ -1885,7 +2140,7 @@
 
 <file path=ppt/slideLayouts/slideLayout6.xml><?xml version="1.0" encoding="utf-8"?>
 <p:sldLayout xmlns:a="http://schemas.openxmlformats.org/drawingml/2006/main" xmlns:r="http://schemas.openxmlformats.org/officeDocument/2006/relationships" xmlns:p="http://schemas.openxmlformats.org/presentationml/2006/main" type="titleOnly" preserve="1">
-  <p:cSld name="只有標題">
+  <p:cSld name="Title Only">
     <p:spTree>
       <p:nvGrpSpPr>
         <p:cNvPr id="1" name=""/>
@@ -1902,13 +2157,7 @@
       </p:grpSpPr>
       <p:sp>
         <p:nvSpPr>
-          <p:cNvPr id="2" name="標題 1">
-            <a:extLst>
-              <a:ext uri="{FF2B5EF4-FFF2-40B4-BE49-F238E27FC236}">
-                <a16:creationId xmlns:a16="http://schemas.microsoft.com/office/drawing/2014/main" id="{6CE04611-FD10-429D-89AA-73C259B64293}"/>
-              </a:ext>
-            </a:extLst>
-          </p:cNvPr>
+          <p:cNvPr id="6" name="Title 5"/>
           <p:cNvSpPr>
             <a:spLocks noGrp="1"/>
           </p:cNvSpPr>
@@ -1922,21 +2171,15 @@
           <a:lstStyle/>
           <a:p>
             <a:r>
-              <a:rPr lang="zh-TW" altLang="en-US"/>
-              <a:t>按一下以編輯母片標題樣式</a:t>
-            </a:r>
-          </a:p>
-        </p:txBody>
-      </p:sp>
-      <p:sp>
-        <p:nvSpPr>
-          <p:cNvPr id="3" name="日期版面配置區 2">
-            <a:extLst>
-              <a:ext uri="{FF2B5EF4-FFF2-40B4-BE49-F238E27FC236}">
-                <a16:creationId xmlns:a16="http://schemas.microsoft.com/office/drawing/2014/main" id="{2D9009F3-A280-4DA8-ACC4-187DE2172BCA}"/>
-              </a:ext>
-            </a:extLst>
-          </p:cNvPr>
+              <a:rPr lang="en-US" dirty="0"/>
+              <a:t>Click to edit Master title style</a:t>
+            </a:r>
+          </a:p>
+        </p:txBody>
+      </p:sp>
+      <p:sp>
+        <p:nvSpPr>
+          <p:cNvPr id="3" name="Date Placeholder 2"/>
           <p:cNvSpPr>
             <a:spLocks noGrp="1"/>
           </p:cNvSpPr>
@@ -1949,23 +2192,17 @@
           <a:bodyPr/>
           <a:lstStyle/>
           <a:p>
-            <a:fld id="{C3C90D7E-32D6-4894-AE08-7BBB3E610FC9}" type="datetimeFigureOut">
-              <a:rPr lang="zh-TW" altLang="en-US" smtClean="0"/>
-              <a:t>2024/9/16</a:t>
+            <a:fld id="{A8956C38-6601-4688-9146-5E61D8B04598}" type="datetimeFigureOut">
+              <a:rPr lang="en-US" dirty="0"/>
+              <a:t>10/23/2024</a:t>
             </a:fld>
-            <a:endParaRPr lang="zh-TW" altLang="en-US"/>
-          </a:p>
-        </p:txBody>
-      </p:sp>
-      <p:sp>
-        <p:nvSpPr>
-          <p:cNvPr id="4" name="頁尾版面配置區 3">
-            <a:extLst>
-              <a:ext uri="{FF2B5EF4-FFF2-40B4-BE49-F238E27FC236}">
-                <a16:creationId xmlns:a16="http://schemas.microsoft.com/office/drawing/2014/main" id="{F8FD791E-F627-4DDB-AD69-F7639FDD1767}"/>
-              </a:ext>
-            </a:extLst>
-          </p:cNvPr>
+            <a:endParaRPr lang="en-US" dirty="0"/>
+          </a:p>
+        </p:txBody>
+      </p:sp>
+      <p:sp>
+        <p:nvSpPr>
+          <p:cNvPr id="4" name="Footer Placeholder 3"/>
           <p:cNvSpPr>
             <a:spLocks noGrp="1"/>
           </p:cNvSpPr>
@@ -1978,19 +2215,13 @@
           <a:bodyPr/>
           <a:lstStyle/>
           <a:p>
-            <a:endParaRPr lang="zh-TW" altLang="en-US"/>
-          </a:p>
-        </p:txBody>
-      </p:sp>
-      <p:sp>
-        <p:nvSpPr>
-          <p:cNvPr id="5" name="投影片編號版面配置區 4">
-            <a:extLst>
-              <a:ext uri="{FF2B5EF4-FFF2-40B4-BE49-F238E27FC236}">
-                <a16:creationId xmlns:a16="http://schemas.microsoft.com/office/drawing/2014/main" id="{CE9C3C73-9A1B-4A20-B40C-BF8E0726E9AE}"/>
-              </a:ext>
-            </a:extLst>
-          </p:cNvPr>
+            <a:endParaRPr lang="en-US" dirty="0"/>
+          </a:p>
+        </p:txBody>
+      </p:sp>
+      <p:sp>
+        <p:nvSpPr>
+          <p:cNvPr id="5" name="Slide Number Placeholder 4"/>
           <p:cNvSpPr>
             <a:spLocks noGrp="1"/>
           </p:cNvSpPr>
@@ -2003,18 +2234,59 @@
           <a:bodyPr/>
           <a:lstStyle/>
           <a:p>
-            <a:fld id="{E31EC408-072F-4346-BD0A-D6AA5788A305}" type="slidenum">
-              <a:rPr lang="zh-TW" altLang="en-US" smtClean="0"/>
+            <a:fld id="{4FAB73BC-B049-4115-A692-8D63A059BFB8}" type="slidenum">
+              <a:rPr lang="en-US" dirty="0"/>
               <a:t>‹#›</a:t>
             </a:fld>
-            <a:endParaRPr lang="zh-TW" altLang="en-US"/>
-          </a:p>
-        </p:txBody>
+            <a:endParaRPr lang="en-US" dirty="0"/>
+          </a:p>
+        </p:txBody>
+      </p:sp>
+      <p:sp>
+        <p:nvSpPr>
+          <p:cNvPr id="7" name="Rectangle 6"/>
+          <p:cNvSpPr/>
+          <p:nvPr/>
+        </p:nvSpPr>
+        <p:spPr>
+          <a:xfrm>
+            <a:off x="0" y="0"/>
+            <a:ext cx="457200" cy="6858000"/>
+          </a:xfrm>
+          <a:prstGeom prst="rect">
+            <a:avLst/>
+          </a:prstGeom>
+          <a:solidFill>
+            <a:schemeClr val="tx2">
+              <a:lumMod val="60000"/>
+              <a:lumOff val="40000"/>
+            </a:schemeClr>
+          </a:solidFill>
+          <a:ln>
+            <a:noFill/>
+          </a:ln>
+        </p:spPr>
+        <p:style>
+          <a:lnRef idx="2">
+            <a:schemeClr val="accent1">
+              <a:shade val="50000"/>
+            </a:schemeClr>
+          </a:lnRef>
+          <a:fillRef idx="1">
+            <a:schemeClr val="accent1"/>
+          </a:fillRef>
+          <a:effectRef idx="0">
+            <a:schemeClr val="accent1"/>
+          </a:effectRef>
+          <a:fontRef idx="minor">
+            <a:schemeClr val="lt1"/>
+          </a:fontRef>
+        </p:style>
       </p:sp>
     </p:spTree>
     <p:extLst>
       <p:ext uri="{BB962C8B-B14F-4D97-AF65-F5344CB8AC3E}">
-        <p14:creationId xmlns:p14="http://schemas.microsoft.com/office/powerpoint/2010/main" val="3116621787"/>
+        <p14:creationId xmlns:p14="http://schemas.microsoft.com/office/powerpoint/2010/main" val="940319076"/>
       </p:ext>
     </p:extLst>
   </p:cSld>
@@ -2026,7 +2298,7 @@
 
 <file path=ppt/slideLayouts/slideLayout7.xml><?xml version="1.0" encoding="utf-8"?>
 <p:sldLayout xmlns:a="http://schemas.openxmlformats.org/drawingml/2006/main" xmlns:r="http://schemas.openxmlformats.org/officeDocument/2006/relationships" xmlns:p="http://schemas.openxmlformats.org/presentationml/2006/main" type="blank" preserve="1">
-  <p:cSld name="空白">
+  <p:cSld name="Blank">
     <p:spTree>
       <p:nvGrpSpPr>
         <p:cNvPr id="1" name=""/>
@@ -2043,13 +2315,7 @@
       </p:grpSpPr>
       <p:sp>
         <p:nvSpPr>
-          <p:cNvPr id="2" name="日期版面配置區 1">
-            <a:extLst>
-              <a:ext uri="{FF2B5EF4-FFF2-40B4-BE49-F238E27FC236}">
-                <a16:creationId xmlns:a16="http://schemas.microsoft.com/office/drawing/2014/main" id="{1E1D8EED-F2A7-4221-9887-0DBB62EB3F80}"/>
-              </a:ext>
-            </a:extLst>
-          </p:cNvPr>
+          <p:cNvPr id="2" name="Date Placeholder 1"/>
           <p:cNvSpPr>
             <a:spLocks noGrp="1"/>
           </p:cNvSpPr>
@@ -2062,23 +2328,17 @@
           <a:bodyPr/>
           <a:lstStyle/>
           <a:p>
-            <a:fld id="{C3C90D7E-32D6-4894-AE08-7BBB3E610FC9}" type="datetimeFigureOut">
-              <a:rPr lang="zh-TW" altLang="en-US" smtClean="0"/>
-              <a:t>2024/9/16</a:t>
+            <a:fld id="{3046061E-CDAE-49E3-92CB-288B639C3B6F}" type="datetimeFigureOut">
+              <a:rPr lang="en-US" dirty="0"/>
+              <a:t>10/23/2024</a:t>
             </a:fld>
-            <a:endParaRPr lang="zh-TW" altLang="en-US"/>
-          </a:p>
-        </p:txBody>
-      </p:sp>
-      <p:sp>
-        <p:nvSpPr>
-          <p:cNvPr id="3" name="頁尾版面配置區 2">
-            <a:extLst>
-              <a:ext uri="{FF2B5EF4-FFF2-40B4-BE49-F238E27FC236}">
-                <a16:creationId xmlns:a16="http://schemas.microsoft.com/office/drawing/2014/main" id="{10593B39-DC86-45A7-85EF-B4DB9C28DC80}"/>
-              </a:ext>
-            </a:extLst>
-          </p:cNvPr>
+            <a:endParaRPr lang="en-US" dirty="0"/>
+          </a:p>
+        </p:txBody>
+      </p:sp>
+      <p:sp>
+        <p:nvSpPr>
+          <p:cNvPr id="3" name="Footer Placeholder 2"/>
           <p:cNvSpPr>
             <a:spLocks noGrp="1"/>
           </p:cNvSpPr>
@@ -2091,19 +2351,13 @@
           <a:bodyPr/>
           <a:lstStyle/>
           <a:p>
-            <a:endParaRPr lang="zh-TW" altLang="en-US"/>
-          </a:p>
-        </p:txBody>
-      </p:sp>
-      <p:sp>
-        <p:nvSpPr>
-          <p:cNvPr id="4" name="投影片編號版面配置區 3">
-            <a:extLst>
-              <a:ext uri="{FF2B5EF4-FFF2-40B4-BE49-F238E27FC236}">
-                <a16:creationId xmlns:a16="http://schemas.microsoft.com/office/drawing/2014/main" id="{3D9056B2-6966-4CAF-94D1-2295A737E168}"/>
-              </a:ext>
-            </a:extLst>
-          </p:cNvPr>
+            <a:endParaRPr lang="en-US" dirty="0"/>
+          </a:p>
+        </p:txBody>
+      </p:sp>
+      <p:sp>
+        <p:nvSpPr>
+          <p:cNvPr id="4" name="Slide Number Placeholder 3"/>
           <p:cNvSpPr>
             <a:spLocks noGrp="1"/>
           </p:cNvSpPr>
@@ -2116,18 +2370,59 @@
           <a:bodyPr/>
           <a:lstStyle/>
           <a:p>
-            <a:fld id="{E31EC408-072F-4346-BD0A-D6AA5788A305}" type="slidenum">
-              <a:rPr lang="zh-TW" altLang="en-US" smtClean="0"/>
+            <a:fld id="{4FAB73BC-B049-4115-A692-8D63A059BFB8}" type="slidenum">
+              <a:rPr lang="en-US" dirty="0"/>
               <a:t>‹#›</a:t>
             </a:fld>
-            <a:endParaRPr lang="zh-TW" altLang="en-US"/>
-          </a:p>
-        </p:txBody>
+            <a:endParaRPr lang="en-US" dirty="0"/>
+          </a:p>
+        </p:txBody>
+      </p:sp>
+      <p:sp>
+        <p:nvSpPr>
+          <p:cNvPr id="5" name="Rectangle 4"/>
+          <p:cNvSpPr/>
+          <p:nvPr/>
+        </p:nvSpPr>
+        <p:spPr>
+          <a:xfrm>
+            <a:off x="0" y="0"/>
+            <a:ext cx="457200" cy="6858000"/>
+          </a:xfrm>
+          <a:prstGeom prst="rect">
+            <a:avLst/>
+          </a:prstGeom>
+          <a:solidFill>
+            <a:schemeClr val="tx2">
+              <a:lumMod val="60000"/>
+              <a:lumOff val="40000"/>
+            </a:schemeClr>
+          </a:solidFill>
+          <a:ln>
+            <a:noFill/>
+          </a:ln>
+        </p:spPr>
+        <p:style>
+          <a:lnRef idx="2">
+            <a:schemeClr val="accent1">
+              <a:shade val="50000"/>
+            </a:schemeClr>
+          </a:lnRef>
+          <a:fillRef idx="1">
+            <a:schemeClr val="accent1"/>
+          </a:fillRef>
+          <a:effectRef idx="0">
+            <a:schemeClr val="accent1"/>
+          </a:effectRef>
+          <a:fontRef idx="minor">
+            <a:schemeClr val="lt1"/>
+          </a:fontRef>
+        </p:style>
       </p:sp>
     </p:spTree>
     <p:extLst>
       <p:ext uri="{BB962C8B-B14F-4D97-AF65-F5344CB8AC3E}">
-        <p14:creationId xmlns:p14="http://schemas.microsoft.com/office/powerpoint/2010/main" val="3887241942"/>
+        <p14:creationId xmlns:p14="http://schemas.microsoft.com/office/powerpoint/2010/main" val="873915497"/>
       </p:ext>
     </p:extLst>
   </p:cSld>
@@ -2139,7 +2434,7 @@
 
 <file path=ppt/slideLayouts/slideLayout8.xml><?xml version="1.0" encoding="utf-8"?>
 <p:sldLayout xmlns:a="http://schemas.openxmlformats.org/drawingml/2006/main" xmlns:r="http://schemas.openxmlformats.org/officeDocument/2006/relationships" xmlns:p="http://schemas.openxmlformats.org/presentationml/2006/main" type="objTx" preserve="1">
-  <p:cSld name="含輔助字幕的內容">
+  <p:cSld name="Content with Caption">
     <p:spTree>
       <p:nvGrpSpPr>
         <p:cNvPr id="1" name=""/>
@@ -2156,13 +2451,7 @@
       </p:grpSpPr>
       <p:sp>
         <p:nvSpPr>
-          <p:cNvPr id="2" name="標題 1">
-            <a:extLst>
-              <a:ext uri="{FF2B5EF4-FFF2-40B4-BE49-F238E27FC236}">
-                <a16:creationId xmlns:a16="http://schemas.microsoft.com/office/drawing/2014/main" id="{5C3076DF-D16B-4600-9550-96C6A8DD7F1A}"/>
-              </a:ext>
-            </a:extLst>
-          </p:cNvPr>
+          <p:cNvPr id="2" name="Title 1"/>
           <p:cNvSpPr>
             <a:spLocks noGrp="1"/>
           </p:cNvSpPr>
@@ -2172,34 +2461,30 @@
         </p:nvSpPr>
         <p:spPr>
           <a:xfrm>
-            <a:off x="839788" y="457200"/>
-            <a:ext cx="3932237" cy="1600200"/>
-          </a:xfrm>
-        </p:spPr>
-        <p:txBody>
-          <a:bodyPr anchor="b"/>
+            <a:off x="841248" y="457200"/>
+            <a:ext cx="3200400" cy="1600197"/>
+          </a:xfrm>
+        </p:spPr>
+        <p:txBody>
+          <a:bodyPr anchor="b">
+            <a:normAutofit/>
+          </a:bodyPr>
           <a:lstStyle>
             <a:lvl1pPr>
-              <a:defRPr sz="3200"/>
+              <a:defRPr sz="2800" b="1" baseline="0"/>
             </a:lvl1pPr>
           </a:lstStyle>
           <a:p>
             <a:r>
-              <a:rPr lang="zh-TW" altLang="en-US"/>
-              <a:t>按一下以編輯母片標題樣式</a:t>
-            </a:r>
-          </a:p>
-        </p:txBody>
-      </p:sp>
-      <p:sp>
-        <p:nvSpPr>
-          <p:cNvPr id="3" name="內容版面配置區 2">
-            <a:extLst>
-              <a:ext uri="{FF2B5EF4-FFF2-40B4-BE49-F238E27FC236}">
-                <a16:creationId xmlns:a16="http://schemas.microsoft.com/office/drawing/2014/main" id="{9CD3D667-FDE5-4F5D-9495-588EC18912CE}"/>
-              </a:ext>
-            </a:extLst>
-          </p:cNvPr>
+              <a:rPr lang="en-US" dirty="0"/>
+              <a:t>Click to edit Master title style</a:t>
+            </a:r>
+          </a:p>
+        </p:txBody>
+      </p:sp>
+      <p:sp>
+        <p:nvSpPr>
+          <p:cNvPr id="3" name="Content Placeholder 2"/>
           <p:cNvSpPr>
             <a:spLocks noGrp="1"/>
           </p:cNvSpPr>
@@ -2209,87 +2494,81 @@
         </p:nvSpPr>
         <p:spPr>
           <a:xfrm>
-            <a:off x="5183188" y="987425"/>
-            <a:ext cx="6172200" cy="4873625"/>
+            <a:off x="4504267" y="685800"/>
+            <a:ext cx="6079066" cy="5486400"/>
           </a:xfrm>
         </p:spPr>
         <p:txBody>
           <a:bodyPr/>
           <a:lstStyle>
             <a:lvl1pPr>
-              <a:defRPr sz="3200"/>
+              <a:defRPr sz="2000"/>
             </a:lvl1pPr>
             <a:lvl2pPr>
-              <a:defRPr sz="2800"/>
+              <a:defRPr sz="1800"/>
             </a:lvl2pPr>
             <a:lvl3pPr>
-              <a:defRPr sz="2400"/>
+              <a:defRPr sz="1600"/>
             </a:lvl3pPr>
             <a:lvl4pPr>
-              <a:defRPr sz="2000"/>
+              <a:defRPr sz="1400"/>
             </a:lvl4pPr>
             <a:lvl5pPr>
-              <a:defRPr sz="2000"/>
+              <a:defRPr sz="1400"/>
             </a:lvl5pPr>
             <a:lvl6pPr>
-              <a:defRPr sz="2000"/>
+              <a:defRPr sz="1400"/>
             </a:lvl6pPr>
             <a:lvl7pPr>
-              <a:defRPr sz="2000"/>
+              <a:defRPr sz="1400"/>
             </a:lvl7pPr>
             <a:lvl8pPr>
-              <a:defRPr sz="2000"/>
+              <a:defRPr sz="1400"/>
             </a:lvl8pPr>
             <a:lvl9pPr>
-              <a:defRPr sz="2000"/>
+              <a:defRPr sz="1400"/>
             </a:lvl9pPr>
           </a:lstStyle>
           <a:p>
             <a:pPr lvl="0"/>
             <a:r>
-              <a:rPr lang="zh-TW" altLang="en-US"/>
-              <a:t>按一下以編輯母片文字樣式</a:t>
+              <a:rPr lang="en-US" dirty="0"/>
+              <a:t>Click to edit Master text styles</a:t>
             </a:r>
           </a:p>
           <a:p>
             <a:pPr lvl="1"/>
             <a:r>
-              <a:rPr lang="zh-TW" altLang="en-US"/>
-              <a:t>第二層</a:t>
+              <a:rPr lang="en-US" dirty="0"/>
+              <a:t>Second level</a:t>
             </a:r>
           </a:p>
           <a:p>
             <a:pPr lvl="2"/>
             <a:r>
-              <a:rPr lang="zh-TW" altLang="en-US"/>
-              <a:t>第三層</a:t>
+              <a:rPr lang="en-US" dirty="0"/>
+              <a:t>Third level</a:t>
             </a:r>
           </a:p>
           <a:p>
             <a:pPr lvl="3"/>
             <a:r>
-              <a:rPr lang="zh-TW" altLang="en-US"/>
-              <a:t>第四層</a:t>
+              <a:rPr lang="en-US" dirty="0"/>
+              <a:t>Fourth level</a:t>
             </a:r>
           </a:p>
           <a:p>
             <a:pPr lvl="4"/>
             <a:r>
-              <a:rPr lang="zh-TW" altLang="en-US"/>
-              <a:t>第五層</a:t>
-            </a:r>
-          </a:p>
-        </p:txBody>
-      </p:sp>
-      <p:sp>
-        <p:nvSpPr>
-          <p:cNvPr id="4" name="文字版面配置區 3">
-            <a:extLst>
-              <a:ext uri="{FF2B5EF4-FFF2-40B4-BE49-F238E27FC236}">
-                <a16:creationId xmlns:a16="http://schemas.microsoft.com/office/drawing/2014/main" id="{22F511E7-BEEF-4F51-BA0E-52C1908D5608}"/>
-              </a:ext>
-            </a:extLst>
-          </p:cNvPr>
+              <a:rPr lang="en-US" dirty="0"/>
+              <a:t>Fifth level</a:t>
+            </a:r>
+          </a:p>
+        </p:txBody>
+      </p:sp>
+      <p:sp>
+        <p:nvSpPr>
+          <p:cNvPr id="4" name="Text Placeholder 3"/>
           <p:cNvSpPr>
             <a:spLocks noGrp="1"/>
           </p:cNvSpPr>
@@ -2299,68 +2578,70 @@
         </p:nvSpPr>
         <p:spPr>
           <a:xfrm>
-            <a:off x="839788" y="2057400"/>
-            <a:ext cx="3932237" cy="3811588"/>
-          </a:xfrm>
-        </p:spPr>
-        <p:txBody>
-          <a:bodyPr/>
+            <a:off x="841248" y="2099734"/>
+            <a:ext cx="3200400" cy="3810001"/>
+          </a:xfrm>
+        </p:spPr>
+        <p:txBody>
+          <a:bodyPr>
+            <a:normAutofit/>
+          </a:bodyPr>
           <a:lstStyle>
             <a:lvl1pPr marL="0" indent="0">
+              <a:lnSpc>
+                <a:spcPct val="114000"/>
+              </a:lnSpc>
+              <a:spcBef>
+                <a:spcPts val="800"/>
+              </a:spcBef>
               <a:buNone/>
-              <a:defRPr sz="1600"/>
+              <a:defRPr sz="1400"/>
             </a:lvl1pPr>
             <a:lvl2pPr marL="457200" indent="0">
               <a:buNone/>
-              <a:defRPr sz="1400"/>
+              <a:defRPr sz="1200"/>
             </a:lvl2pPr>
             <a:lvl3pPr marL="914400" indent="0">
               <a:buNone/>
-              <a:defRPr sz="1200"/>
+              <a:defRPr sz="1000"/>
             </a:lvl3pPr>
             <a:lvl4pPr marL="1371600" indent="0">
               <a:buNone/>
-              <a:defRPr sz="1000"/>
+              <a:defRPr sz="900"/>
             </a:lvl4pPr>
             <a:lvl5pPr marL="1828800" indent="0">
               <a:buNone/>
-              <a:defRPr sz="1000"/>
+              <a:defRPr sz="900"/>
             </a:lvl5pPr>
             <a:lvl6pPr marL="2286000" indent="0">
               <a:buNone/>
-              <a:defRPr sz="1000"/>
+              <a:defRPr sz="900"/>
             </a:lvl6pPr>
             <a:lvl7pPr marL="2743200" indent="0">
               <a:buNone/>
-              <a:defRPr sz="1000"/>
+              <a:defRPr sz="900"/>
             </a:lvl7pPr>
             <a:lvl8pPr marL="3200400" indent="0">
               <a:buNone/>
-              <a:defRPr sz="1000"/>
+              <a:defRPr sz="900"/>
             </a:lvl8pPr>
             <a:lvl9pPr marL="3657600" indent="0">
               <a:buNone/>
-              <a:defRPr sz="1000"/>
+              <a:defRPr sz="900"/>
             </a:lvl9pPr>
           </a:lstStyle>
           <a:p>
             <a:pPr lvl="0"/>
             <a:r>
-              <a:rPr lang="zh-TW" altLang="en-US"/>
-              <a:t>按一下以編輯母片文字樣式</a:t>
-            </a:r>
-          </a:p>
-        </p:txBody>
-      </p:sp>
-      <p:sp>
-        <p:nvSpPr>
-          <p:cNvPr id="5" name="日期版面配置區 4">
-            <a:extLst>
-              <a:ext uri="{FF2B5EF4-FFF2-40B4-BE49-F238E27FC236}">
-                <a16:creationId xmlns:a16="http://schemas.microsoft.com/office/drawing/2014/main" id="{88060697-A92E-4178-A790-FCBB90D70573}"/>
-              </a:ext>
-            </a:extLst>
-          </p:cNvPr>
+              <a:rPr lang="en-US" dirty="0"/>
+              <a:t>Click to edit Master text styles</a:t>
+            </a:r>
+          </a:p>
+        </p:txBody>
+      </p:sp>
+      <p:sp>
+        <p:nvSpPr>
+          <p:cNvPr id="5" name="Date Placeholder 4"/>
           <p:cNvSpPr>
             <a:spLocks noGrp="1"/>
           </p:cNvSpPr>
@@ -2373,23 +2654,17 @@
           <a:bodyPr/>
           <a:lstStyle/>
           <a:p>
-            <a:fld id="{C3C90D7E-32D6-4894-AE08-7BBB3E610FC9}" type="datetimeFigureOut">
-              <a:rPr lang="zh-TW" altLang="en-US" smtClean="0"/>
-              <a:t>2024/9/16</a:t>
+            <a:fld id="{A35E9851-4767-4B63-B36B-F772D06043F2}" type="datetimeFigureOut">
+              <a:rPr lang="en-US" dirty="0"/>
+              <a:t>10/23/2024</a:t>
             </a:fld>
-            <a:endParaRPr lang="zh-TW" altLang="en-US"/>
-          </a:p>
-        </p:txBody>
-      </p:sp>
-      <p:sp>
-        <p:nvSpPr>
-          <p:cNvPr id="6" name="頁尾版面配置區 5">
-            <a:extLst>
-              <a:ext uri="{FF2B5EF4-FFF2-40B4-BE49-F238E27FC236}">
-                <a16:creationId xmlns:a16="http://schemas.microsoft.com/office/drawing/2014/main" id="{2A8E3F57-A99A-4C4C-BF14-EE42AB99CE78}"/>
-              </a:ext>
-            </a:extLst>
-          </p:cNvPr>
+            <a:endParaRPr lang="en-US" dirty="0"/>
+          </a:p>
+        </p:txBody>
+      </p:sp>
+      <p:sp>
+        <p:nvSpPr>
+          <p:cNvPr id="6" name="Footer Placeholder 5"/>
           <p:cNvSpPr>
             <a:spLocks noGrp="1"/>
           </p:cNvSpPr>
@@ -2402,19 +2677,13 @@
           <a:bodyPr/>
           <a:lstStyle/>
           <a:p>
-            <a:endParaRPr lang="zh-TW" altLang="en-US"/>
-          </a:p>
-        </p:txBody>
-      </p:sp>
-      <p:sp>
-        <p:nvSpPr>
-          <p:cNvPr id="7" name="投影片編號版面配置區 6">
-            <a:extLst>
-              <a:ext uri="{FF2B5EF4-FFF2-40B4-BE49-F238E27FC236}">
-                <a16:creationId xmlns:a16="http://schemas.microsoft.com/office/drawing/2014/main" id="{39234440-6924-48D7-AC1A-200D5946BCA9}"/>
-              </a:ext>
-            </a:extLst>
-          </p:cNvPr>
+            <a:endParaRPr lang="en-US" dirty="0"/>
+          </a:p>
+        </p:txBody>
+      </p:sp>
+      <p:sp>
+        <p:nvSpPr>
+          <p:cNvPr id="7" name="Slide Number Placeholder 6"/>
           <p:cNvSpPr>
             <a:spLocks noGrp="1"/>
           </p:cNvSpPr>
@@ -2427,18 +2696,18 @@
           <a:bodyPr/>
           <a:lstStyle/>
           <a:p>
-            <a:fld id="{E31EC408-072F-4346-BD0A-D6AA5788A305}" type="slidenum">
-              <a:rPr lang="zh-TW" altLang="en-US" smtClean="0"/>
+            <a:fld id="{4FAB73BC-B049-4115-A692-8D63A059BFB8}" type="slidenum">
+              <a:rPr lang="en-US" dirty="0"/>
               <a:t>‹#›</a:t>
             </a:fld>
-            <a:endParaRPr lang="zh-TW" altLang="en-US"/>
+            <a:endParaRPr lang="en-US" dirty="0"/>
           </a:p>
         </p:txBody>
       </p:sp>
     </p:spTree>
     <p:extLst>
       <p:ext uri="{BB962C8B-B14F-4D97-AF65-F5344CB8AC3E}">
-        <p14:creationId xmlns:p14="http://schemas.microsoft.com/office/powerpoint/2010/main" val="2036183199"/>
+        <p14:creationId xmlns:p14="http://schemas.microsoft.com/office/powerpoint/2010/main" val="4019680062"/>
       </p:ext>
     </p:extLst>
   </p:cSld>
@@ -2450,7 +2719,7 @@
 
 <file path=ppt/slideLayouts/slideLayout9.xml><?xml version="1.0" encoding="utf-8"?>
 <p:sldLayout xmlns:a="http://schemas.openxmlformats.org/drawingml/2006/main" xmlns:r="http://schemas.openxmlformats.org/officeDocument/2006/relationships" xmlns:p="http://schemas.openxmlformats.org/presentationml/2006/main" type="picTx" preserve="1">
-  <p:cSld name="含輔助字幕的圖片">
+  <p:cSld name="Picture with Caption">
     <p:spTree>
       <p:nvGrpSpPr>
         <p:cNvPr id="1" name=""/>
@@ -2467,13 +2736,45 @@
       </p:grpSpPr>
       <p:sp>
         <p:nvSpPr>
-          <p:cNvPr id="2" name="標題 1">
-            <a:extLst>
-              <a:ext uri="{FF2B5EF4-FFF2-40B4-BE49-F238E27FC236}">
-                <a16:creationId xmlns:a16="http://schemas.microsoft.com/office/drawing/2014/main" id="{B2E81694-0B93-4D65-9DA3-21597478A96C}"/>
-              </a:ext>
-            </a:extLst>
-          </p:cNvPr>
+          <p:cNvPr id="8" name="Rectangle 7"/>
+          <p:cNvSpPr/>
+          <p:nvPr/>
+        </p:nvSpPr>
+        <p:spPr>
+          <a:xfrm>
+            <a:off x="0" y="5105400"/>
+            <a:ext cx="11292840" cy="1752600"/>
+          </a:xfrm>
+          <a:prstGeom prst="rect">
+            <a:avLst/>
+          </a:prstGeom>
+          <a:solidFill>
+            <a:schemeClr val="tx2"/>
+          </a:solidFill>
+          <a:ln>
+            <a:noFill/>
+          </a:ln>
+        </p:spPr>
+        <p:style>
+          <a:lnRef idx="2">
+            <a:schemeClr val="accent1">
+              <a:shade val="50000"/>
+            </a:schemeClr>
+          </a:lnRef>
+          <a:fillRef idx="1">
+            <a:schemeClr val="accent1"/>
+          </a:fillRef>
+          <a:effectRef idx="0">
+            <a:schemeClr val="accent1"/>
+          </a:effectRef>
+          <a:fontRef idx="minor">
+            <a:schemeClr val="lt1"/>
+          </a:fontRef>
+        </p:style>
+      </p:sp>
+      <p:sp>
+        <p:nvSpPr>
+          <p:cNvPr id="2" name="Title 1"/>
           <p:cNvSpPr>
             <a:spLocks noGrp="1"/>
           </p:cNvSpPr>
@@ -2483,36 +2784,36 @@
         </p:nvSpPr>
         <p:spPr>
           <a:xfrm>
-            <a:off x="839788" y="457200"/>
-            <a:ext cx="3932237" cy="1600200"/>
-          </a:xfrm>
-        </p:spPr>
-        <p:txBody>
-          <a:bodyPr anchor="b"/>
+            <a:off x="914400" y="5257800"/>
+            <a:ext cx="9982200" cy="914400"/>
+          </a:xfrm>
+        </p:spPr>
+        <p:txBody>
+          <a:bodyPr anchor="b">
+            <a:normAutofit/>
+          </a:bodyPr>
           <a:lstStyle>
             <a:lvl1pPr>
-              <a:defRPr sz="3200"/>
+              <a:defRPr sz="2800" b="1">
+                <a:solidFill>
+                  <a:schemeClr val="bg1"/>
+                </a:solidFill>
+              </a:defRPr>
             </a:lvl1pPr>
           </a:lstStyle>
           <a:p>
             <a:r>
-              <a:rPr lang="zh-TW" altLang="en-US"/>
-              <a:t>按一下以編輯母片標題樣式</a:t>
-            </a:r>
-          </a:p>
-        </p:txBody>
-      </p:sp>
-      <p:sp>
-        <p:nvSpPr>
-          <p:cNvPr id="3" name="圖片版面配置區 2">
-            <a:extLst>
-              <a:ext uri="{FF2B5EF4-FFF2-40B4-BE49-F238E27FC236}">
-                <a16:creationId xmlns:a16="http://schemas.microsoft.com/office/drawing/2014/main" id="{23E4D718-8CB0-4334-BB8A-FB8B57D7CDC6}"/>
-              </a:ext>
-            </a:extLst>
-          </p:cNvPr>
-          <p:cNvSpPr>
-            <a:spLocks noGrp="1"/>
+              <a:rPr lang="en-US" dirty="0"/>
+              <a:t>Click to edit Master title style</a:t>
+            </a:r>
+          </a:p>
+        </p:txBody>
+      </p:sp>
+      <p:sp>
+        <p:nvSpPr>
+          <p:cNvPr id="3" name="Picture Placeholder 2"/>
+          <p:cNvSpPr>
+            <a:spLocks noGrp="1" noChangeAspect="1"/>
           </p:cNvSpPr>
           <p:nvPr>
             <p:ph type="pic" idx="1"/>
@@ -2520,12 +2821,12 @@
         </p:nvSpPr>
         <p:spPr>
           <a:xfrm>
-            <a:off x="5183188" y="987425"/>
-            <a:ext cx="6172200" cy="4873625"/>
-          </a:xfrm>
-        </p:spPr>
-        <p:txBody>
-          <a:bodyPr/>
+            <a:off x="0" y="0"/>
+            <a:ext cx="11292840" cy="5128923"/>
+          </a:xfrm>
+        </p:spPr>
+        <p:txBody>
+          <a:bodyPr anchor="t"/>
           <a:lstStyle>
             <a:lvl1pPr marL="0" indent="0">
               <a:buNone/>
@@ -2565,19 +2866,13 @@
             </a:lvl9pPr>
           </a:lstStyle>
           <a:p>
-            <a:endParaRPr lang="zh-TW" altLang="en-US"/>
-          </a:p>
-        </p:txBody>
-      </p:sp>
-      <p:sp>
-        <p:nvSpPr>
-          <p:cNvPr id="4" name="文字版面配置區 3">
-            <a:extLst>
-              <a:ext uri="{FF2B5EF4-FFF2-40B4-BE49-F238E27FC236}">
-                <a16:creationId xmlns:a16="http://schemas.microsoft.com/office/drawing/2014/main" id="{0DC47463-53E7-4FE3-B60B-1657D11127BD}"/>
-              </a:ext>
-            </a:extLst>
-          </p:cNvPr>
+            <a:endParaRPr lang="en-US" dirty="0"/>
+          </a:p>
+        </p:txBody>
+      </p:sp>
+      <p:sp>
+        <p:nvSpPr>
+          <p:cNvPr id="4" name="Text Placeholder 3"/>
           <p:cNvSpPr>
             <a:spLocks noGrp="1"/>
           </p:cNvSpPr>
@@ -2587,68 +2882,76 @@
         </p:nvSpPr>
         <p:spPr>
           <a:xfrm>
-            <a:off x="839788" y="2057400"/>
-            <a:ext cx="3932237" cy="3811588"/>
-          </a:xfrm>
-        </p:spPr>
-        <p:txBody>
-          <a:bodyPr/>
+            <a:off x="914400" y="6108589"/>
+            <a:ext cx="9982200" cy="597011"/>
+          </a:xfrm>
+        </p:spPr>
+        <p:txBody>
+          <a:bodyPr>
+            <a:normAutofit/>
+          </a:bodyPr>
           <a:lstStyle>
             <a:lvl1pPr marL="0" indent="0">
+              <a:lnSpc>
+                <a:spcPct val="100000"/>
+              </a:lnSpc>
+              <a:spcBef>
+                <a:spcPts val="800"/>
+              </a:spcBef>
               <a:buNone/>
-              <a:defRPr sz="1600"/>
+              <a:defRPr sz="1400" baseline="0">
+                <a:solidFill>
+                  <a:schemeClr val="bg1">
+                    <a:lumMod val="75000"/>
+                  </a:schemeClr>
+                </a:solidFill>
+              </a:defRPr>
             </a:lvl1pPr>
             <a:lvl2pPr marL="457200" indent="0">
               <a:buNone/>
-              <a:defRPr sz="1400"/>
+              <a:defRPr sz="1200"/>
             </a:lvl2pPr>
             <a:lvl3pPr marL="914400" indent="0">
               <a:buNone/>
-              <a:defRPr sz="1200"/>
+              <a:defRPr sz="1000"/>
             </a:lvl3pPr>
             <a:lvl4pPr marL="1371600" indent="0">
               <a:buNone/>
-              <a:defRPr sz="1000"/>
+              <a:defRPr sz="900"/>
             </a:lvl4pPr>
             <a:lvl5pPr marL="1828800" indent="0">
               <a:buNone/>
-              <a:defRPr sz="1000"/>
+              <a:defRPr sz="900"/>
             </a:lvl5pPr>
             <a:lvl6pPr marL="2286000" indent="0">
               <a:buNone/>
-              <a:defRPr sz="1000"/>
+              <a:defRPr sz="900"/>
             </a:lvl6pPr>
             <a:lvl7pPr marL="2743200" indent="0">
               <a:buNone/>
-              <a:defRPr sz="1000"/>
+              <a:defRPr sz="900"/>
             </a:lvl7pPr>
             <a:lvl8pPr marL="3200400" indent="0">
               <a:buNone/>
-              <a:defRPr sz="1000"/>
+              <a:defRPr sz="900"/>
             </a:lvl8pPr>
             <a:lvl9pPr marL="3657600" indent="0">
               <a:buNone/>
-              <a:defRPr sz="1000"/>
+              <a:defRPr sz="900"/>
             </a:lvl9pPr>
           </a:lstStyle>
           <a:p>
             <a:pPr lvl="0"/>
             <a:r>
-              <a:rPr lang="zh-TW" altLang="en-US"/>
-              <a:t>按一下以編輯母片文字樣式</a:t>
-            </a:r>
-          </a:p>
-        </p:txBody>
-      </p:sp>
-      <p:sp>
-        <p:nvSpPr>
-          <p:cNvPr id="5" name="日期版面配置區 4">
-            <a:extLst>
-              <a:ext uri="{FF2B5EF4-FFF2-40B4-BE49-F238E27FC236}">
-                <a16:creationId xmlns:a16="http://schemas.microsoft.com/office/drawing/2014/main" id="{28875DC5-6AFF-40C0-8C77-F81A0A3E1B0F}"/>
-              </a:ext>
-            </a:extLst>
-          </p:cNvPr>
+              <a:rPr lang="en-US" dirty="0"/>
+              <a:t>Click to edit Master text styles</a:t>
+            </a:r>
+          </a:p>
+        </p:txBody>
+      </p:sp>
+      <p:sp>
+        <p:nvSpPr>
+          <p:cNvPr id="5" name="Date Placeholder 4"/>
           <p:cNvSpPr>
             <a:spLocks noGrp="1"/>
           </p:cNvSpPr>
@@ -2661,23 +2964,17 @@
           <a:bodyPr/>
           <a:lstStyle/>
           <a:p>
-            <a:fld id="{C3C90D7E-32D6-4894-AE08-7BBB3E610FC9}" type="datetimeFigureOut">
-              <a:rPr lang="zh-TW" altLang="en-US" smtClean="0"/>
-              <a:t>2024/9/16</a:t>
+            <a:fld id="{7309A586-BE94-448D-BAE3-D5D323B9149F}" type="datetimeFigureOut">
+              <a:rPr lang="en-US" dirty="0"/>
+              <a:t>10/23/2024</a:t>
             </a:fld>
-            <a:endParaRPr lang="zh-TW" altLang="en-US"/>
-          </a:p>
-        </p:txBody>
-      </p:sp>
-      <p:sp>
-        <p:nvSpPr>
-          <p:cNvPr id="6" name="頁尾版面配置區 5">
-            <a:extLst>
-              <a:ext uri="{FF2B5EF4-FFF2-40B4-BE49-F238E27FC236}">
-                <a16:creationId xmlns:a16="http://schemas.microsoft.com/office/drawing/2014/main" id="{24F8A973-6D07-4F0C-97A0-280FEFC238E0}"/>
-              </a:ext>
-            </a:extLst>
-          </p:cNvPr>
+            <a:endParaRPr lang="en-US" dirty="0"/>
+          </a:p>
+        </p:txBody>
+      </p:sp>
+      <p:sp>
+        <p:nvSpPr>
+          <p:cNvPr id="6" name="Footer Placeholder 5"/>
           <p:cNvSpPr>
             <a:spLocks noGrp="1"/>
           </p:cNvSpPr>
@@ -2690,19 +2987,13 @@
           <a:bodyPr/>
           <a:lstStyle/>
           <a:p>
-            <a:endParaRPr lang="zh-TW" altLang="en-US"/>
-          </a:p>
-        </p:txBody>
-      </p:sp>
-      <p:sp>
-        <p:nvSpPr>
-          <p:cNvPr id="7" name="投影片編號版面配置區 6">
-            <a:extLst>
-              <a:ext uri="{FF2B5EF4-FFF2-40B4-BE49-F238E27FC236}">
-                <a16:creationId xmlns:a16="http://schemas.microsoft.com/office/drawing/2014/main" id="{DB60BB1E-F41B-40F0-929B-5208374980BF}"/>
-              </a:ext>
-            </a:extLst>
-          </p:cNvPr>
+            <a:endParaRPr lang="en-US" dirty="0"/>
+          </a:p>
+        </p:txBody>
+      </p:sp>
+      <p:sp>
+        <p:nvSpPr>
+          <p:cNvPr id="7" name="Slide Number Placeholder 6"/>
           <p:cNvSpPr>
             <a:spLocks noGrp="1"/>
           </p:cNvSpPr>
@@ -2715,18 +3006,18 @@
           <a:bodyPr/>
           <a:lstStyle/>
           <a:p>
-            <a:fld id="{E31EC408-072F-4346-BD0A-D6AA5788A305}" type="slidenum">
-              <a:rPr lang="zh-TW" altLang="en-US" smtClean="0"/>
+            <a:fld id="{4FAB73BC-B049-4115-A692-8D63A059BFB8}" type="slidenum">
+              <a:rPr lang="en-US" dirty="0"/>
               <a:t>‹#›</a:t>
             </a:fld>
-            <a:endParaRPr lang="zh-TW" altLang="en-US"/>
+            <a:endParaRPr lang="en-US" dirty="0"/>
           </a:p>
         </p:txBody>
       </p:sp>
     </p:spTree>
     <p:extLst>
       <p:ext uri="{BB962C8B-B14F-4D97-AF65-F5344CB8AC3E}">
-        <p14:creationId xmlns:p14="http://schemas.microsoft.com/office/powerpoint/2010/main" val="3148270851"/>
+        <p14:creationId xmlns:p14="http://schemas.microsoft.com/office/powerpoint/2010/main" val="3546289602"/>
       </p:ext>
     </p:extLst>
   </p:cSld>
@@ -2760,13 +3051,45 @@
       </p:grpSpPr>
       <p:sp>
         <p:nvSpPr>
-          <p:cNvPr id="2" name="標題版面配置區 1">
-            <a:extLst>
-              <a:ext uri="{FF2B5EF4-FFF2-40B4-BE49-F238E27FC236}">
-                <a16:creationId xmlns:a16="http://schemas.microsoft.com/office/drawing/2014/main" id="{B8575AAC-624C-4B52-ABD4-699B1E35D2CF}"/>
-              </a:ext>
-            </a:extLst>
-          </p:cNvPr>
+          <p:cNvPr id="7" name="Rectangle 6"/>
+          <p:cNvSpPr/>
+          <p:nvPr/>
+        </p:nvSpPr>
+        <p:spPr>
+          <a:xfrm>
+            <a:off x="11292840" y="0"/>
+            <a:ext cx="914400" cy="6858000"/>
+          </a:xfrm>
+          <a:prstGeom prst="rect">
+            <a:avLst/>
+          </a:prstGeom>
+          <a:solidFill>
+            <a:schemeClr val="accent1"/>
+          </a:solidFill>
+          <a:ln>
+            <a:noFill/>
+          </a:ln>
+        </p:spPr>
+        <p:style>
+          <a:lnRef idx="2">
+            <a:schemeClr val="accent1">
+              <a:shade val="50000"/>
+            </a:schemeClr>
+          </a:lnRef>
+          <a:fillRef idx="1">
+            <a:schemeClr val="accent1"/>
+          </a:fillRef>
+          <a:effectRef idx="0">
+            <a:schemeClr val="accent1"/>
+          </a:effectRef>
+          <a:fontRef idx="minor">
+            <a:schemeClr val="lt1"/>
+          </a:fontRef>
+        </p:style>
+      </p:sp>
+      <p:sp>
+        <p:nvSpPr>
+          <p:cNvPr id="2" name="Title Placeholder 1"/>
           <p:cNvSpPr>
             <a:spLocks noGrp="1"/>
           </p:cNvSpPr>
@@ -2776,35 +3099,29 @@
         </p:nvSpPr>
         <p:spPr>
           <a:xfrm>
-            <a:off x="838200" y="365125"/>
-            <a:ext cx="10515600" cy="1325563"/>
+            <a:off x="1261872" y="294198"/>
+            <a:ext cx="9692640" cy="1397124"/>
           </a:xfrm>
           <a:prstGeom prst="rect">
             <a:avLst/>
           </a:prstGeom>
         </p:spPr>
         <p:txBody>
-          <a:bodyPr vert="horz" lIns="91440" tIns="45720" rIns="91440" bIns="45720" rtlCol="0" anchor="ctr">
+          <a:bodyPr vert="horz" lIns="91440" tIns="27432" rIns="91440" bIns="45720" rtlCol="0" anchor="b">
             <a:normAutofit/>
           </a:bodyPr>
           <a:lstStyle/>
           <a:p>
             <a:r>
-              <a:rPr lang="zh-TW" altLang="en-US"/>
-              <a:t>按一下以編輯母片標題樣式</a:t>
-            </a:r>
-          </a:p>
-        </p:txBody>
-      </p:sp>
-      <p:sp>
-        <p:nvSpPr>
-          <p:cNvPr id="3" name="文字版面配置區 2">
-            <a:extLst>
-              <a:ext uri="{FF2B5EF4-FFF2-40B4-BE49-F238E27FC236}">
-                <a16:creationId xmlns:a16="http://schemas.microsoft.com/office/drawing/2014/main" id="{76722991-C57D-471F-8271-C419A1CFB074}"/>
-              </a:ext>
-            </a:extLst>
-          </p:cNvPr>
+              <a:rPr lang="en-US" dirty="0"/>
+              <a:t>Click to edit Master title style</a:t>
+            </a:r>
+          </a:p>
+        </p:txBody>
+      </p:sp>
+      <p:sp>
+        <p:nvSpPr>
+          <p:cNvPr id="3" name="Text Placeholder 2"/>
           <p:cNvSpPr>
             <a:spLocks noGrp="1"/>
           </p:cNvSpPr>
@@ -2814,8 +3131,8 @@
         </p:nvSpPr>
         <p:spPr>
           <a:xfrm>
-            <a:off x="838200" y="1825625"/>
-            <a:ext cx="10515600" cy="4351338"/>
+            <a:off x="1261872" y="1828800"/>
+            <a:ext cx="8595360" cy="4351337"/>
           </a:xfrm>
           <a:prstGeom prst="rect">
             <a:avLst/>
@@ -2829,49 +3146,43 @@
           <a:p>
             <a:pPr lvl="0"/>
             <a:r>
-              <a:rPr lang="zh-TW" altLang="en-US"/>
-              <a:t>按一下以編輯母片文字樣式</a:t>
+              <a:rPr lang="en-US" dirty="0"/>
+              <a:t>Click to edit Master text styles</a:t>
             </a:r>
           </a:p>
           <a:p>
             <a:pPr lvl="1"/>
             <a:r>
-              <a:rPr lang="zh-TW" altLang="en-US"/>
-              <a:t>第二層</a:t>
+              <a:rPr lang="en-US" dirty="0"/>
+              <a:t>Second level</a:t>
             </a:r>
           </a:p>
           <a:p>
             <a:pPr lvl="2"/>
             <a:r>
-              <a:rPr lang="zh-TW" altLang="en-US"/>
-              <a:t>第三層</a:t>
+              <a:rPr lang="en-US" dirty="0"/>
+              <a:t>Third level</a:t>
             </a:r>
           </a:p>
           <a:p>
             <a:pPr lvl="3"/>
             <a:r>
-              <a:rPr lang="zh-TW" altLang="en-US"/>
-              <a:t>第四層</a:t>
+              <a:rPr lang="en-US" dirty="0"/>
+              <a:t>Fourth level</a:t>
             </a:r>
           </a:p>
           <a:p>
             <a:pPr lvl="4"/>
             <a:r>
-              <a:rPr lang="zh-TW" altLang="en-US"/>
-              <a:t>第五層</a:t>
-            </a:r>
-          </a:p>
-        </p:txBody>
-      </p:sp>
-      <p:sp>
-        <p:nvSpPr>
-          <p:cNvPr id="4" name="日期版面配置區 3">
-            <a:extLst>
-              <a:ext uri="{FF2B5EF4-FFF2-40B4-BE49-F238E27FC236}">
-                <a16:creationId xmlns:a16="http://schemas.microsoft.com/office/drawing/2014/main" id="{85C839DD-8CBF-4E23-A0C7-7C039E950BB8}"/>
-              </a:ext>
-            </a:extLst>
-          </p:cNvPr>
+              <a:rPr lang="en-US" dirty="0"/>
+              <a:t>Fifth level</a:t>
+            </a:r>
+          </a:p>
+        </p:txBody>
+      </p:sp>
+      <p:sp>
+        <p:nvSpPr>
+          <p:cNvPr id="4" name="Date Placeholder 3"/>
           <p:cNvSpPr>
             <a:spLocks noGrp="1"/>
           </p:cNvSpPr>
@@ -2880,9 +3191,9 @@
           </p:nvPr>
         </p:nvSpPr>
         <p:spPr>
-          <a:xfrm>
-            <a:off x="838200" y="6356350"/>
-            <a:ext cx="2743200" cy="365125"/>
+          <a:xfrm rot="16200000">
+            <a:off x="10797542" y="998537"/>
+            <a:ext cx="1904999" cy="365125"/>
           </a:xfrm>
           <a:prstGeom prst="rect">
             <a:avLst/>
@@ -2891,34 +3202,29 @@
         <p:txBody>
           <a:bodyPr vert="horz" lIns="91440" tIns="45720" rIns="91440" bIns="45720" rtlCol="0" anchor="ctr"/>
           <a:lstStyle>
-            <a:lvl1pPr algn="l">
-              <a:defRPr sz="1200">
-                <a:solidFill>
-                  <a:schemeClr val="tx1">
-                    <a:tint val="75000"/>
+            <a:lvl1pPr algn="r">
+              <a:defRPr sz="1050" b="0">
+                <a:solidFill>
+                  <a:schemeClr val="accent1">
+                    <a:lumMod val="40000"/>
+                    <a:lumOff val="60000"/>
                   </a:schemeClr>
                 </a:solidFill>
               </a:defRPr>
             </a:lvl1pPr>
           </a:lstStyle>
           <a:p>
-            <a:fld id="{C3C90D7E-32D6-4894-AE08-7BBB3E610FC9}" type="datetimeFigureOut">
-              <a:rPr lang="zh-TW" altLang="en-US" smtClean="0"/>
-              <a:t>2024/9/16</a:t>
+            <a:fld id="{ADDEAF24-54CC-4408-99B3-A70A172EFF44}" type="datetimeFigureOut">
+              <a:rPr lang="en-US" dirty="0"/>
+              <a:t>10/23/2024</a:t>
             </a:fld>
-            <a:endParaRPr lang="zh-TW" altLang="en-US"/>
-          </a:p>
-        </p:txBody>
-      </p:sp>
-      <p:sp>
-        <p:nvSpPr>
-          <p:cNvPr id="5" name="頁尾版面配置區 4">
-            <a:extLst>
-              <a:ext uri="{FF2B5EF4-FFF2-40B4-BE49-F238E27FC236}">
-                <a16:creationId xmlns:a16="http://schemas.microsoft.com/office/drawing/2014/main" id="{12802D8A-77D4-418C-8190-43B6ADED2131}"/>
-              </a:ext>
-            </a:extLst>
-          </p:cNvPr>
+            <a:endParaRPr lang="en-US" dirty="0"/>
+          </a:p>
+        </p:txBody>
+      </p:sp>
+      <p:sp>
+        <p:nvSpPr>
+          <p:cNvPr id="5" name="Footer Placeholder 4"/>
           <p:cNvSpPr>
             <a:spLocks noGrp="1"/>
           </p:cNvSpPr>
@@ -2927,9 +3233,9 @@
           </p:nvPr>
         </p:nvSpPr>
         <p:spPr>
-          <a:xfrm>
-            <a:off x="4038600" y="6356350"/>
-            <a:ext cx="4114800" cy="365125"/>
+          <a:xfrm rot="16200000">
+            <a:off x="9959341" y="4046537"/>
+            <a:ext cx="3581400" cy="365125"/>
           </a:xfrm>
           <a:prstGeom prst="rect">
             <a:avLst/>
@@ -2938,30 +3244,25 @@
         <p:txBody>
           <a:bodyPr vert="horz" lIns="91440" tIns="45720" rIns="91440" bIns="45720" rtlCol="0" anchor="ctr"/>
           <a:lstStyle>
-            <a:lvl1pPr algn="ctr">
-              <a:defRPr sz="1200">
-                <a:solidFill>
-                  <a:schemeClr val="tx1">
-                    <a:tint val="75000"/>
+            <a:lvl1pPr algn="l">
+              <a:defRPr sz="1050">
+                <a:solidFill>
+                  <a:schemeClr val="accent1">
+                    <a:lumMod val="40000"/>
+                    <a:lumOff val="60000"/>
                   </a:schemeClr>
                 </a:solidFill>
               </a:defRPr>
             </a:lvl1pPr>
           </a:lstStyle>
           <a:p>
-            <a:endParaRPr lang="zh-TW" altLang="en-US"/>
-          </a:p>
-        </p:txBody>
-      </p:sp>
-      <p:sp>
-        <p:nvSpPr>
-          <p:cNvPr id="6" name="投影片編號版面配置區 5">
-            <a:extLst>
-              <a:ext uri="{FF2B5EF4-FFF2-40B4-BE49-F238E27FC236}">
-                <a16:creationId xmlns:a16="http://schemas.microsoft.com/office/drawing/2014/main" id="{7072B55E-2BE2-4AF4-AFF8-2A716F492F1C}"/>
-              </a:ext>
-            </a:extLst>
-          </p:cNvPr>
+            <a:endParaRPr lang="en-US" dirty="0"/>
+          </a:p>
+        </p:txBody>
+      </p:sp>
+      <p:sp>
+        <p:nvSpPr>
+          <p:cNvPr id="6" name="Slide Number Placeholder 5"/>
           <p:cNvSpPr>
             <a:spLocks noGrp="1"/>
           </p:cNvSpPr>
@@ -2971,56 +3272,62 @@
         </p:nvSpPr>
         <p:spPr>
           <a:xfrm>
-            <a:off x="8610600" y="6356350"/>
-            <a:ext cx="2743200" cy="365125"/>
+            <a:off x="11292840" y="6172200"/>
+            <a:ext cx="914400" cy="593725"/>
           </a:xfrm>
           <a:prstGeom prst="rect">
             <a:avLst/>
           </a:prstGeom>
         </p:spPr>
         <p:txBody>
-          <a:bodyPr vert="horz" lIns="91440" tIns="45720" rIns="91440" bIns="45720" rtlCol="0" anchor="ctr"/>
+          <a:bodyPr vert="horz" lIns="45720" tIns="45720" rIns="45720" bIns="45720" rtlCol="0" anchor="ctr">
+            <a:normAutofit/>
+          </a:bodyPr>
           <a:lstStyle>
-            <a:lvl1pPr algn="r">
-              <a:defRPr sz="1200">
-                <a:solidFill>
-                  <a:schemeClr val="tx1">
-                    <a:tint val="75000"/>
+            <a:lvl1pPr algn="ctr">
+              <a:defRPr sz="3600">
+                <a:solidFill>
+                  <a:schemeClr val="accent1">
+                    <a:lumMod val="60000"/>
+                    <a:lumOff val="40000"/>
                   </a:schemeClr>
                 </a:solidFill>
+                <a:latin typeface="+mj-lt"/>
               </a:defRPr>
             </a:lvl1pPr>
           </a:lstStyle>
           <a:p>
-            <a:fld id="{E31EC408-072F-4346-BD0A-D6AA5788A305}" type="slidenum">
-              <a:rPr lang="zh-TW" altLang="en-US" smtClean="0"/>
+            <a:fld id="{4FAB73BC-B049-4115-A692-8D63A059BFB8}" type="slidenum">
+              <a:rPr lang="en-US" dirty="0"/>
+              <a:pPr/>
               <a:t>‹#›</a:t>
             </a:fld>
-            <a:endParaRPr lang="zh-TW" altLang="en-US"/>
+            <a:endParaRPr lang="en-US" dirty="0"/>
           </a:p>
         </p:txBody>
       </p:sp>
     </p:spTree>
     <p:extLst>
       <p:ext uri="{BB962C8B-B14F-4D97-AF65-F5344CB8AC3E}">
-        <p14:creationId xmlns:p14="http://schemas.microsoft.com/office/powerpoint/2010/main" val="2016052060"/>
+        <p14:creationId xmlns:p14="http://schemas.microsoft.com/office/powerpoint/2010/main" val="1569750737"/>
       </p:ext>
     </p:extLst>
   </p:cSld>
   <p:clrMap bg1="lt1" tx1="dk1" bg2="lt2" tx2="dk2" accent1="accent1" accent2="accent2" accent3="accent3" accent4="accent4" accent5="accent5" accent6="accent6" hlink="hlink" folHlink="folHlink"/>
   <p:sldLayoutIdLst>
-    <p:sldLayoutId id="2147483649" r:id="rId1"/>
-    <p:sldLayoutId id="2147483650" r:id="rId2"/>
-    <p:sldLayoutId id="2147483651" r:id="rId3"/>
-    <p:sldLayoutId id="2147483652" r:id="rId4"/>
-    <p:sldLayoutId id="2147483653" r:id="rId5"/>
-    <p:sldLayoutId id="2147483654" r:id="rId6"/>
-    <p:sldLayoutId id="2147483655" r:id="rId7"/>
-    <p:sldLayoutId id="2147483656" r:id="rId8"/>
-    <p:sldLayoutId id="2147483657" r:id="rId9"/>
-    <p:sldLayoutId id="2147483658" r:id="rId10"/>
-    <p:sldLayoutId id="2147483659" r:id="rId11"/>
+    <p:sldLayoutId id="2147483715" r:id="rId1"/>
+    <p:sldLayoutId id="2147483716" r:id="rId2"/>
+    <p:sldLayoutId id="2147483717" r:id="rId3"/>
+    <p:sldLayoutId id="2147483718" r:id="rId4"/>
+    <p:sldLayoutId id="2147483719" r:id="rId5"/>
+    <p:sldLayoutId id="2147483720" r:id="rId6"/>
+    <p:sldLayoutId id="2147483721" r:id="rId7"/>
+    <p:sldLayoutId id="2147483722" r:id="rId8"/>
+    <p:sldLayoutId id="2147483723" r:id="rId9"/>
+    <p:sldLayoutId id="2147483724" r:id="rId10"/>
+    <p:sldLayoutId id="2147483725" r:id="rId11"/>
   </p:sldLayoutIdLst>
+  <p:hf sldNum="0" hdr="0" ftr="0" dt="0"/>
   <p:txStyles>
     <p:titleStyle>
       <a:lvl1pPr algn="l" defTabSz="914400" rtl="0" eaLnBrk="1" latinLnBrk="0" hangingPunct="1">
@@ -3031,9 +3338,9 @@
           <a:spcPct val="0"/>
         </a:spcBef>
         <a:buNone/>
-        <a:defRPr sz="4400" kern="1200">
+        <a:defRPr sz="4400" b="1" kern="1200" spc="-50" baseline="0">
           <a:solidFill>
-            <a:schemeClr val="tx1"/>
+            <a:schemeClr val="accent1"/>
           </a:solidFill>
           <a:latin typeface="+mj-lt"/>
           <a:ea typeface="+mj-ea"/>
@@ -3042,162 +3349,244 @@
       </a:lvl1pPr>
     </p:titleStyle>
     <p:bodyStyle>
-      <a:lvl1pPr marL="228600" indent="-228600" algn="l" defTabSz="914400" rtl="0" eaLnBrk="1" latinLnBrk="0" hangingPunct="1">
+      <a:lvl1pPr marL="182880" indent="-182880" algn="l" defTabSz="914400" rtl="0" eaLnBrk="1" latinLnBrk="0" hangingPunct="1">
         <a:lnSpc>
-          <a:spcPct val="90000"/>
+          <a:spcPct val="95000"/>
         </a:lnSpc>
         <a:spcBef>
-          <a:spcPts val="1000"/>
+          <a:spcPts val="1400"/>
         </a:spcBef>
-        <a:buFont typeface="Arial" panose="020B0604020202020204" pitchFamily="34" charset="0"/>
+        <a:spcAft>
+          <a:spcPts val="200"/>
+        </a:spcAft>
+        <a:buClr>
+          <a:schemeClr val="accent1"/>
+        </a:buClr>
+        <a:buSzPct val="80000"/>
+        <a:buFont typeface="Arial" pitchFamily="34" charset="0"/>
         <a:buChar char="•"/>
-        <a:defRPr sz="2800" kern="1200">
+        <a:defRPr sz="2000" kern="1200" spc="10" baseline="0">
           <a:solidFill>
-            <a:schemeClr val="tx1"/>
+            <a:schemeClr val="tx1">
+              <a:lumMod val="65000"/>
+              <a:lumOff val="35000"/>
+            </a:schemeClr>
           </a:solidFill>
           <a:latin typeface="+mn-lt"/>
           <a:ea typeface="+mn-ea"/>
           <a:cs typeface="+mn-cs"/>
         </a:defRPr>
       </a:lvl1pPr>
-      <a:lvl2pPr marL="685800" indent="-228600" algn="l" defTabSz="914400" rtl="0" eaLnBrk="1" latinLnBrk="0" hangingPunct="1">
+      <a:lvl2pPr marL="457200" indent="-182880" algn="l" defTabSz="914400" rtl="0" eaLnBrk="1" latinLnBrk="0" hangingPunct="1">
         <a:lnSpc>
           <a:spcPct val="90000"/>
         </a:lnSpc>
         <a:spcBef>
-          <a:spcPts val="500"/>
+          <a:spcPts val="300"/>
         </a:spcBef>
-        <a:buFont typeface="Arial" panose="020B0604020202020204" pitchFamily="34" charset="0"/>
-        <a:buChar char="•"/>
-        <a:defRPr sz="2400" kern="1200">
+        <a:spcAft>
+          <a:spcPts val="300"/>
+        </a:spcAft>
+        <a:buClr>
+          <a:schemeClr val="accent1"/>
+        </a:buClr>
+        <a:buFont typeface="Wingdings 2" pitchFamily="18" charset="2"/>
+        <a:buChar char=""/>
+        <a:defRPr sz="1800" kern="1200">
           <a:solidFill>
-            <a:schemeClr val="tx1"/>
+            <a:schemeClr val="tx1">
+              <a:lumMod val="65000"/>
+              <a:lumOff val="35000"/>
+            </a:schemeClr>
           </a:solidFill>
           <a:latin typeface="+mn-lt"/>
           <a:ea typeface="+mn-ea"/>
           <a:cs typeface="+mn-cs"/>
         </a:defRPr>
       </a:lvl2pPr>
-      <a:lvl3pPr marL="1143000" indent="-228600" algn="l" defTabSz="914400" rtl="0" eaLnBrk="1" latinLnBrk="0" hangingPunct="1">
+      <a:lvl3pPr marL="731520" indent="-182880" algn="l" defTabSz="914400" rtl="0" eaLnBrk="1" latinLnBrk="0" hangingPunct="1">
         <a:lnSpc>
           <a:spcPct val="90000"/>
         </a:lnSpc>
         <a:spcBef>
-          <a:spcPts val="500"/>
+          <a:spcPts val="300"/>
         </a:spcBef>
-        <a:buFont typeface="Arial" panose="020B0604020202020204" pitchFamily="34" charset="0"/>
-        <a:buChar char="•"/>
-        <a:defRPr sz="2000" kern="1200">
+        <a:spcAft>
+          <a:spcPts val="300"/>
+        </a:spcAft>
+        <a:buClr>
+          <a:schemeClr val="accent1"/>
+        </a:buClr>
+        <a:buFont typeface="Wingdings 2" pitchFamily="18" charset="2"/>
+        <a:buChar char=""/>
+        <a:defRPr sz="1600" kern="1200">
           <a:solidFill>
-            <a:schemeClr val="tx1"/>
+            <a:schemeClr val="tx1">
+              <a:lumMod val="65000"/>
+              <a:lumOff val="35000"/>
+            </a:schemeClr>
           </a:solidFill>
           <a:latin typeface="+mn-lt"/>
           <a:ea typeface="+mn-ea"/>
           <a:cs typeface="+mn-cs"/>
         </a:defRPr>
       </a:lvl3pPr>
-      <a:lvl4pPr marL="1600200" indent="-228600" algn="l" defTabSz="914400" rtl="0" eaLnBrk="1" latinLnBrk="0" hangingPunct="1">
+      <a:lvl4pPr marL="1005840" indent="-182880" algn="l" defTabSz="914400" rtl="0" eaLnBrk="1" latinLnBrk="0" hangingPunct="1">
         <a:lnSpc>
           <a:spcPct val="90000"/>
         </a:lnSpc>
         <a:spcBef>
-          <a:spcPts val="500"/>
+          <a:spcPts val="300"/>
         </a:spcBef>
-        <a:buFont typeface="Arial" panose="020B0604020202020204" pitchFamily="34" charset="0"/>
-        <a:buChar char="•"/>
-        <a:defRPr sz="1800" kern="1200">
+        <a:spcAft>
+          <a:spcPts val="300"/>
+        </a:spcAft>
+        <a:buClr>
+          <a:schemeClr val="accent1"/>
+        </a:buClr>
+        <a:buFont typeface="Wingdings 2" pitchFamily="18" charset="2"/>
+        <a:buChar char=""/>
+        <a:defRPr sz="1400" kern="1200">
           <a:solidFill>
-            <a:schemeClr val="tx1"/>
+            <a:schemeClr val="tx1">
+              <a:lumMod val="65000"/>
+              <a:lumOff val="35000"/>
+            </a:schemeClr>
           </a:solidFill>
           <a:latin typeface="+mn-lt"/>
           <a:ea typeface="+mn-ea"/>
           <a:cs typeface="+mn-cs"/>
         </a:defRPr>
       </a:lvl4pPr>
-      <a:lvl5pPr marL="2057400" indent="-228600" algn="l" defTabSz="914400" rtl="0" eaLnBrk="1" latinLnBrk="0" hangingPunct="1">
+      <a:lvl5pPr marL="1280160" indent="-182880" algn="l" defTabSz="914400" rtl="0" eaLnBrk="1" latinLnBrk="0" hangingPunct="1">
         <a:lnSpc>
           <a:spcPct val="90000"/>
         </a:lnSpc>
         <a:spcBef>
-          <a:spcPts val="500"/>
+          <a:spcPts val="300"/>
         </a:spcBef>
-        <a:buFont typeface="Arial" panose="020B0604020202020204" pitchFamily="34" charset="0"/>
-        <a:buChar char="•"/>
-        <a:defRPr sz="1800" kern="1200">
+        <a:spcAft>
+          <a:spcPts val="300"/>
+        </a:spcAft>
+        <a:buClr>
+          <a:schemeClr val="accent1"/>
+        </a:buClr>
+        <a:buFont typeface="Wingdings 2" pitchFamily="18" charset="2"/>
+        <a:buChar char=""/>
+        <a:defRPr sz="1400" kern="1200">
           <a:solidFill>
-            <a:schemeClr val="tx1"/>
+            <a:schemeClr val="tx1">
+              <a:lumMod val="65000"/>
+              <a:lumOff val="35000"/>
+            </a:schemeClr>
           </a:solidFill>
           <a:latin typeface="+mn-lt"/>
           <a:ea typeface="+mn-ea"/>
           <a:cs typeface="+mn-cs"/>
         </a:defRPr>
       </a:lvl5pPr>
-      <a:lvl6pPr marL="2514600" indent="-228600" algn="l" defTabSz="914400" rtl="0" eaLnBrk="1" latinLnBrk="0" hangingPunct="1">
+      <a:lvl6pPr marL="1600000" indent="-228600" algn="l" defTabSz="914400" rtl="0" eaLnBrk="1" latinLnBrk="0" hangingPunct="1">
         <a:lnSpc>
           <a:spcPct val="90000"/>
         </a:lnSpc>
         <a:spcBef>
-          <a:spcPts val="500"/>
+          <a:spcPts val="300"/>
         </a:spcBef>
-        <a:buFont typeface="Arial" panose="020B0604020202020204" pitchFamily="34" charset="0"/>
-        <a:buChar char="•"/>
-        <a:defRPr sz="1800" kern="1200">
+        <a:spcAft>
+          <a:spcPts val="300"/>
+        </a:spcAft>
+        <a:buClr>
+          <a:schemeClr val="accent1"/>
+        </a:buClr>
+        <a:buFont typeface="Wingdings 2" pitchFamily="18" charset="2"/>
+        <a:buChar char=""/>
+        <a:defRPr sz="1400" kern="1200">
           <a:solidFill>
-            <a:schemeClr val="tx1"/>
+            <a:schemeClr val="tx1">
+              <a:lumMod val="65000"/>
+              <a:lumOff val="35000"/>
+            </a:schemeClr>
           </a:solidFill>
           <a:latin typeface="+mn-lt"/>
           <a:ea typeface="+mn-ea"/>
           <a:cs typeface="+mn-cs"/>
         </a:defRPr>
       </a:lvl6pPr>
-      <a:lvl7pPr marL="2971800" indent="-228600" algn="l" defTabSz="914400" rtl="0" eaLnBrk="1" latinLnBrk="0" hangingPunct="1">
+      <a:lvl7pPr marL="1900000" indent="-228600" algn="l" defTabSz="914400" rtl="0" eaLnBrk="1" latinLnBrk="0" hangingPunct="1">
         <a:lnSpc>
           <a:spcPct val="90000"/>
         </a:lnSpc>
         <a:spcBef>
-          <a:spcPts val="500"/>
+          <a:spcPts val="300"/>
         </a:spcBef>
-        <a:buFont typeface="Arial" panose="020B0604020202020204" pitchFamily="34" charset="0"/>
-        <a:buChar char="•"/>
-        <a:defRPr sz="1800" kern="1200">
+        <a:spcAft>
+          <a:spcPts val="300"/>
+        </a:spcAft>
+        <a:buClr>
+          <a:schemeClr val="accent1"/>
+        </a:buClr>
+        <a:buFont typeface="Wingdings 2" pitchFamily="18" charset="2"/>
+        <a:buChar char=""/>
+        <a:defRPr sz="1400" kern="1200">
           <a:solidFill>
-            <a:schemeClr val="tx1"/>
+            <a:schemeClr val="tx1">
+              <a:lumMod val="65000"/>
+              <a:lumOff val="35000"/>
+            </a:schemeClr>
           </a:solidFill>
           <a:latin typeface="+mn-lt"/>
           <a:ea typeface="+mn-ea"/>
           <a:cs typeface="+mn-cs"/>
         </a:defRPr>
       </a:lvl7pPr>
-      <a:lvl8pPr marL="3429000" indent="-228600" algn="l" defTabSz="914400" rtl="0" eaLnBrk="1" latinLnBrk="0" hangingPunct="1">
+      <a:lvl8pPr marL="2200000" indent="-228600" algn="l" defTabSz="914400" rtl="0" eaLnBrk="1" latinLnBrk="0" hangingPunct="1">
         <a:lnSpc>
           <a:spcPct val="90000"/>
         </a:lnSpc>
         <a:spcBef>
-          <a:spcPts val="500"/>
+          <a:spcPts val="300"/>
         </a:spcBef>
-        <a:buFont typeface="Arial" panose="020B0604020202020204" pitchFamily="34" charset="0"/>
-        <a:buChar char="•"/>
-        <a:defRPr sz="1800" kern="1200">
+        <a:spcAft>
+          <a:spcPts val="300"/>
+        </a:spcAft>
+        <a:buClr>
+          <a:schemeClr val="accent1"/>
+        </a:buClr>
+        <a:buFont typeface="Wingdings 2" pitchFamily="18" charset="2"/>
+        <a:buChar char=""/>
+        <a:defRPr sz="1400" kern="1200">
           <a:solidFill>
-            <a:schemeClr val="tx1"/>
+            <a:schemeClr val="tx1">
+              <a:lumMod val="65000"/>
+              <a:lumOff val="35000"/>
+            </a:schemeClr>
           </a:solidFill>
           <a:latin typeface="+mn-lt"/>
           <a:ea typeface="+mn-ea"/>
           <a:cs typeface="+mn-cs"/>
         </a:defRPr>
       </a:lvl8pPr>
-      <a:lvl9pPr marL="3886200" indent="-228600" algn="l" defTabSz="914400" rtl="0" eaLnBrk="1" latinLnBrk="0" hangingPunct="1">
+      <a:lvl9pPr marL="2500000" indent="-228600" algn="l" defTabSz="914400" rtl="0" eaLnBrk="1" latinLnBrk="0" hangingPunct="1">
         <a:lnSpc>
           <a:spcPct val="90000"/>
         </a:lnSpc>
         <a:spcBef>
-          <a:spcPts val="500"/>
+          <a:spcPts val="300"/>
         </a:spcBef>
-        <a:buFont typeface="Arial" panose="020B0604020202020204" pitchFamily="34" charset="0"/>
-        <a:buChar char="•"/>
-        <a:defRPr sz="1800" kern="1200">
+        <a:spcAft>
+          <a:spcPts val="300"/>
+        </a:spcAft>
+        <a:buClr>
+          <a:schemeClr val="accent1"/>
+        </a:buClr>
+        <a:buFont typeface="Wingdings 2" pitchFamily="18" charset="2"/>
+        <a:buChar char=""/>
+        <a:defRPr sz="1400" kern="1200">
           <a:solidFill>
-            <a:schemeClr val="tx1"/>
+            <a:schemeClr val="tx1">
+              <a:lumMod val="65000"/>
+              <a:lumOff val="35000"/>
+            </a:schemeClr>
           </a:solidFill>
           <a:latin typeface="+mn-lt"/>
           <a:ea typeface="+mn-ea"/>
@@ -3207,7 +3596,7 @@
     </p:bodyStyle>
     <p:otherStyle>
       <a:defPPr>
-        <a:defRPr lang="zh-TW"/>
+        <a:defRPr lang="en-US"/>
       </a:defPPr>
       <a:lvl1pPr marL="0" algn="l" defTabSz="914400" rtl="0" eaLnBrk="1" latinLnBrk="0" hangingPunct="1">
         <a:defRPr sz="1800" kern="1200">
@@ -3307,6 +3696,33 @@
 <file path=ppt/slides/slide1.xml><?xml version="1.0" encoding="utf-8"?>
 <p:sld xmlns:a="http://schemas.openxmlformats.org/drawingml/2006/main" xmlns:r="http://schemas.openxmlformats.org/officeDocument/2006/relationships" xmlns:p="http://schemas.openxmlformats.org/presentationml/2006/main">
   <p:cSld>
+    <p:bg>
+      <p:bgPr>
+        <a:gradFill rotWithShape="1">
+          <a:gsLst>
+            <a:gs pos="0">
+              <a:schemeClr val="bg1">
+                <a:tint val="94000"/>
+                <a:shade val="98000"/>
+                <a:satMod val="130000"/>
+                <a:lumMod val="102000"/>
+              </a:schemeClr>
+            </a:gs>
+            <a:gs pos="100000">
+              <a:schemeClr val="bg1">
+                <a:tint val="98000"/>
+                <a:shade val="78000"/>
+                <a:satMod val="140000"/>
+              </a:schemeClr>
+            </a:gs>
+          </a:gsLst>
+          <a:path path="circle">
+            <a:fillToRect l="100000" t="100000" r="100000" b="100000"/>
+          </a:path>
+        </a:gradFill>
+        <a:effectLst/>
+      </p:bgPr>
+    </p:bg>
     <p:spTree>
       <p:nvGrpSpPr>
         <p:cNvPr id="1" name=""/>
@@ -3323,71 +3739,3804 @@
       </p:grpSpPr>
       <p:sp>
         <p:nvSpPr>
-          <p:cNvPr id="2" name="標題 1">
+          <p:cNvPr id="2" name="標題 1"/>
+          <p:cNvSpPr>
+            <a:spLocks noGrp="1"/>
+          </p:cNvSpPr>
+          <p:nvPr>
+            <p:ph type="ctrTitle"/>
+          </p:nvPr>
+        </p:nvSpPr>
+        <p:spPr>
+          <a:xfrm>
+            <a:off x="1261872" y="758953"/>
+            <a:ext cx="9418320" cy="2944084"/>
+          </a:xfrm>
+        </p:spPr>
+        <p:txBody>
+          <a:bodyPr>
+            <a:normAutofit/>
+          </a:bodyPr>
+          <a:lstStyle/>
+          <a:p>
+            <a:r>
+              <a:rPr lang="en-US" altLang="zh-TW" dirty="0">
+                <a:ea typeface="+mj-lt"/>
+                <a:cs typeface="+mj-lt"/>
+              </a:rPr>
+              <a:t>Work</a:t>
+            </a:r>
+            <a:r>
+              <a:rPr lang="zh-TW" dirty="0">
+                <a:ea typeface="+mj-lt"/>
+                <a:cs typeface="+mj-lt"/>
+              </a:rPr>
+              <a:t> </a:t>
+            </a:r>
+            <a:r>
+              <a:rPr lang="en-US" altLang="zh-TW" dirty="0">
+                <a:ea typeface="+mj-lt"/>
+                <a:cs typeface="+mj-lt"/>
+              </a:rPr>
+              <a:t>St</a:t>
+            </a:r>
+            <a:r>
+              <a:rPr lang="zh-TW">
+                <a:ea typeface="+mj-lt"/>
+                <a:cs typeface="+mj-lt"/>
+              </a:rPr>
+              <a:t>o</a:t>
+            </a:r>
+            <a:r>
+              <a:rPr lang="en-US" altLang="zh-TW" dirty="0">
+                <a:ea typeface="+mj-lt"/>
+                <a:cs typeface="+mj-lt"/>
+              </a:rPr>
+              <a:t>r</a:t>
+            </a:r>
+            <a:r>
+              <a:rPr lang="zh-TW">
+                <a:ea typeface="+mj-lt"/>
+                <a:cs typeface="+mj-lt"/>
+              </a:rPr>
+              <a:t>y</a:t>
+            </a:r>
+            <a:r>
+              <a:rPr lang="zh-TW" altLang="en-US">
+                <a:ea typeface="+mj-lt"/>
+                <a:cs typeface="+mj-lt"/>
+              </a:rPr>
+              <a:t>   </a:t>
+            </a:r>
+            <a:br>
+              <a:rPr lang="zh-TW" altLang="en-US" dirty="0">
+                <a:ea typeface="+mj-lt"/>
+                <a:cs typeface="+mj-lt"/>
+              </a:rPr>
+            </a:br>
+            <a:r>
+              <a:rPr lang="en-US" altLang="zh-TW" dirty="0">
+                <a:ea typeface="新細明體"/>
+                <a:cs typeface="+mj-lt"/>
+              </a:rPr>
+              <a:t>(</a:t>
+            </a:r>
+            <a:r>
+              <a:rPr lang="en-US" altLang="zh-TW" dirty="0" err="1">
+                <a:ea typeface="新細明體"/>
+                <a:cs typeface="+mj-lt"/>
+              </a:rPr>
+              <a:t>VTube</a:t>
+            </a:r>
+            <a:r>
+              <a:rPr lang="en-US" altLang="zh-TW" dirty="0">
+                <a:ea typeface="新細明體"/>
+                <a:cs typeface="+mj-lt"/>
+              </a:rPr>
+              <a:t> Studio)</a:t>
+            </a:r>
+            <a:endParaRPr lang="zh-TW" dirty="0"/>
+          </a:p>
+        </p:txBody>
+      </p:sp>
+      <p:sp>
+        <p:nvSpPr>
+          <p:cNvPr id="3" name="副標題 2"/>
+          <p:cNvSpPr>
+            <a:spLocks noGrp="1"/>
+          </p:cNvSpPr>
+          <p:nvPr>
+            <p:ph type="subTitle" idx="1"/>
+          </p:nvPr>
+        </p:nvSpPr>
+        <p:spPr>
+          <a:xfrm>
+            <a:off x="1261872" y="4611756"/>
+            <a:ext cx="9418320" cy="1560443"/>
+          </a:xfrm>
+        </p:spPr>
+        <p:txBody>
+          <a:bodyPr vert="horz" lIns="91440" tIns="45720" rIns="91440" bIns="45720" rtlCol="0">
+            <a:normAutofit/>
+          </a:bodyPr>
+          <a:lstStyle/>
+          <a:p>
+            <a:r>
+              <a:rPr lang="zh-TW" altLang="en-US">
+                <a:solidFill>
+                  <a:srgbClr val="FFFFFF">
+                    <a:alpha val="80000"/>
+                  </a:srgbClr>
+                </a:solidFill>
+                <a:highlight>
+                  <a:srgbClr val="000000"/>
+                </a:highlight>
+                <a:ea typeface="新細明體"/>
+              </a:rPr>
+              <a:t>113598014 </a:t>
+            </a:r>
+            <a:r>
+              <a:rPr lang="zh-TW">
+                <a:solidFill>
+                  <a:srgbClr val="FFFFFF">
+                    <a:alpha val="80000"/>
+                  </a:srgbClr>
+                </a:solidFill>
+                <a:highlight>
+                  <a:srgbClr val="000000"/>
+                </a:highlight>
+                <a:ea typeface="+mn-lt"/>
+                <a:cs typeface="+mn-lt"/>
+              </a:rPr>
+              <a:t>洪翔</a:t>
+            </a:r>
+            <a:endParaRPr lang="zh-TW" altLang="en-US">
+              <a:solidFill>
+                <a:srgbClr val="FFFFFF">
+                  <a:alpha val="80000"/>
+                </a:srgbClr>
+              </a:solidFill>
+              <a:highlight>
+                <a:srgbClr val="000000"/>
+              </a:highlight>
+              <a:ea typeface="+mn-lt"/>
+              <a:cs typeface="+mn-lt"/>
+            </a:endParaRPr>
+          </a:p>
+        </p:txBody>
+      </p:sp>
+    </p:spTree>
+    <p:extLst>
+      <p:ext uri="{BB962C8B-B14F-4D97-AF65-F5344CB8AC3E}">
+        <p14:creationId xmlns:p14="http://schemas.microsoft.com/office/powerpoint/2010/main" val="3989766908"/>
+      </p:ext>
+    </p:extLst>
+  </p:cSld>
+  <p:clrMapOvr>
+    <a:overrideClrMapping bg1="lt1" tx1="dk1" bg2="lt2" tx2="dk2" accent1="accent1" accent2="accent2" accent3="accent3" accent4="accent4" accent5="accent5" accent6="accent6" hlink="hlink" folHlink="folHlink"/>
+  </p:clrMapOvr>
+</p:sld>
+</file>
+
+<file path=ppt/slides/slide10.xml><?xml version="1.0" encoding="utf-8"?>
+<p:sld xmlns:a="http://schemas.openxmlformats.org/drawingml/2006/main" xmlns:r="http://schemas.openxmlformats.org/officeDocument/2006/relationships" xmlns:p="http://schemas.openxmlformats.org/presentationml/2006/main">
+  <p:cSld>
+    <p:spTree>
+      <p:nvGrpSpPr>
+        <p:cNvPr id="1" name=""/>
+        <p:cNvGrpSpPr/>
+        <p:nvPr/>
+      </p:nvGrpSpPr>
+      <p:grpSpPr>
+        <a:xfrm>
+          <a:off x="0" y="0"/>
+          <a:ext cx="0" cy="0"/>
+          <a:chOff x="0" y="0"/>
+          <a:chExt cx="0" cy="0"/>
+        </a:xfrm>
+      </p:grpSpPr>
+      <p:pic>
+        <p:nvPicPr>
+          <p:cNvPr id="8" name="圖片 7" descr="一張含有 日本動畫, 卡通, 圖解, 漫畫 的圖片&#10;&#10;自動產生的描述">
             <a:extLst>
               <a:ext uri="{FF2B5EF4-FFF2-40B4-BE49-F238E27FC236}">
-                <a16:creationId xmlns:a16="http://schemas.microsoft.com/office/drawing/2014/main" id="{32532283-9F93-4E44-8138-32796965361F}"/>
+                <a16:creationId xmlns:a16="http://schemas.microsoft.com/office/drawing/2014/main" id="{EC1167AB-7536-E4D9-ED6A-10F102B89209}"/>
               </a:ext>
             </a:extLst>
           </p:cNvPr>
-          <p:cNvSpPr>
-            <a:spLocks noGrp="1"/>
-          </p:cNvSpPr>
-          <p:nvPr>
-            <p:ph type="ctrTitle"/>
-          </p:nvPr>
-        </p:nvSpPr>
-        <p:spPr/>
-        <p:txBody>
-          <a:bodyPr/>
-          <a:lstStyle/>
-          <a:p>
-            <a:endParaRPr lang="zh-TW" altLang="en-US"/>
-          </a:p>
-        </p:txBody>
-      </p:sp>
-      <p:sp>
-        <p:nvSpPr>
-          <p:cNvPr id="3" name="副標題 2">
+          <p:cNvPicPr>
+            <a:picLocks noChangeAspect="1"/>
+          </p:cNvPicPr>
+          <p:nvPr/>
+        </p:nvPicPr>
+        <p:blipFill>
+          <a:blip r:embed="rId2"/>
+          <a:stretch>
+            <a:fillRect/>
+          </a:stretch>
+        </p:blipFill>
+        <p:spPr>
+          <a:xfrm>
+            <a:off x="243994" y="251691"/>
+            <a:ext cx="4499648" cy="4499648"/>
+          </a:xfrm>
+          <a:prstGeom prst="rect">
+            <a:avLst/>
+          </a:prstGeom>
+        </p:spPr>
+      </p:pic>
+      <p:pic>
+        <p:nvPicPr>
+          <p:cNvPr id="2" name="圖片 1" descr="一張含有 服裝, 足部穿著, 男人, 人員 的圖片&#10;&#10;自動產生的描述">
             <a:extLst>
               <a:ext uri="{FF2B5EF4-FFF2-40B4-BE49-F238E27FC236}">
-                <a16:creationId xmlns:a16="http://schemas.microsoft.com/office/drawing/2014/main" id="{8C946F38-524D-4B98-B9CB-80AEE57E455A}"/>
+                <a16:creationId xmlns:a16="http://schemas.microsoft.com/office/drawing/2014/main" id="{B11B6169-9688-8E73-FEF6-DEDF56A0D0AA}"/>
               </a:ext>
             </a:extLst>
           </p:cNvPr>
-          <p:cNvSpPr>
-            <a:spLocks noGrp="1"/>
-          </p:cNvSpPr>
-          <p:nvPr>
-            <p:ph type="subTitle" idx="1"/>
-          </p:nvPr>
-        </p:nvSpPr>
-        <p:spPr/>
-        <p:txBody>
-          <a:bodyPr/>
-          <a:lstStyle/>
-          <a:p>
-            <a:endParaRPr lang="zh-TW" altLang="en-US"/>
+          <p:cNvPicPr>
+            <a:picLocks noChangeAspect="1"/>
+          </p:cNvPicPr>
+          <p:nvPr/>
+        </p:nvPicPr>
+        <p:blipFill>
+          <a:blip r:embed="rId3"/>
+          <a:stretch>
+            <a:fillRect/>
+          </a:stretch>
+        </p:blipFill>
+        <p:spPr>
+          <a:xfrm>
+            <a:off x="1129145" y="636539"/>
+            <a:ext cx="5484860" cy="5484860"/>
+          </a:xfrm>
+          <a:prstGeom prst="rect">
+            <a:avLst/>
+          </a:prstGeom>
+        </p:spPr>
+      </p:pic>
+      <p:sp>
+        <p:nvSpPr>
+          <p:cNvPr id="3" name="標題 1">
+            <a:extLst>
+              <a:ext uri="{FF2B5EF4-FFF2-40B4-BE49-F238E27FC236}">
+                <a16:creationId xmlns:a16="http://schemas.microsoft.com/office/drawing/2014/main" id="{AAD5885E-DCE1-6CC7-D8CF-D3611B1AEA8C}"/>
+              </a:ext>
+            </a:extLst>
+          </p:cNvPr>
+          <p:cNvSpPr>
+            <a:spLocks noGrp="1"/>
+          </p:cNvSpPr>
+          <p:nvPr/>
+        </p:nvSpPr>
+        <p:spPr>
+          <a:xfrm>
+            <a:off x="3968094" y="-943543"/>
+            <a:ext cx="9144000" cy="2387600"/>
+          </a:xfrm>
+          <a:prstGeom prst="rect">
+            <a:avLst/>
+          </a:prstGeom>
+        </p:spPr>
+        <p:txBody>
+          <a:bodyPr vert="horz" lIns="91440" tIns="45720" rIns="91440" bIns="45720" rtlCol="0" anchor="b">
+            <a:normAutofit/>
+          </a:bodyPr>
+          <a:lstStyle>
+            <a:lvl1pPr algn="ctr" defTabSz="914400" rtl="0" eaLnBrk="1" latinLnBrk="0" hangingPunct="1">
+              <a:lnSpc>
+                <a:spcPct val="100000"/>
+              </a:lnSpc>
+              <a:spcBef>
+                <a:spcPct val="0"/>
+              </a:spcBef>
+              <a:buNone/>
+              <a:defRPr sz="3600" kern="1200">
+                <a:solidFill>
+                  <a:schemeClr val="tx2"/>
+                </a:solidFill>
+                <a:latin typeface="+mj-lt"/>
+                <a:ea typeface="+mj-ea"/>
+                <a:cs typeface="+mj-cs"/>
+              </a:defRPr>
+            </a:lvl1pPr>
+          </a:lstStyle>
+          <a:p>
+            <a:r>
+              <a:rPr lang="zh-TW" altLang="en-US">
+                <a:ea typeface="+mj-lt"/>
+                <a:cs typeface="+mj-lt"/>
+              </a:rPr>
+              <a:t>3.</a:t>
+            </a:r>
+            <a:r>
+              <a:rPr lang="zh-TW">
+                <a:ea typeface="+mj-lt"/>
+                <a:cs typeface="+mj-lt"/>
+              </a:rPr>
+              <a:t>努力</a:t>
+            </a:r>
+            <a:endParaRPr lang="zh-TW" altLang="en-US" dirty="0">
+              <a:ea typeface="+mj-lt"/>
+              <a:cs typeface="+mj-lt"/>
+            </a:endParaRPr>
           </a:p>
         </p:txBody>
       </p:sp>
     </p:spTree>
     <p:extLst>
       <p:ext uri="{BB962C8B-B14F-4D97-AF65-F5344CB8AC3E}">
-        <p14:creationId xmlns:p14="http://schemas.microsoft.com/office/powerpoint/2010/main" val="1328321055"/>
+        <p14:creationId xmlns:p14="http://schemas.microsoft.com/office/powerpoint/2010/main" val="3261257626"/>
       </p:ext>
     </p:extLst>
   </p:cSld>
   <p:clrMapOvr>
     <a:masterClrMapping/>
   </p:clrMapOvr>
+  <mc:AlternateContent xmlns:mc="http://schemas.openxmlformats.org/markup-compatibility/2006" xmlns:p159="http://schemas.microsoft.com/office/powerpoint/2015/09/main">
+    <mc:Choice Requires="p159">
+      <p:transition xmlns:p14="http://schemas.microsoft.com/office/powerpoint/2010/main" spd="slow" p14:dur="2000">
+        <p159:morph option="byObject"/>
+      </p:transition>
+    </mc:Choice>
+    <mc:Fallback xmlns="">
+      <p:transition spd="slow">
+        <p:fade/>
+      </p:transition>
+    </mc:Fallback>
+  </mc:AlternateContent>
+</p:sld>
+</file>
+
+<file path=ppt/slides/slide11.xml><?xml version="1.0" encoding="utf-8"?>
+<p:sld xmlns:a="http://schemas.openxmlformats.org/drawingml/2006/main" xmlns:r="http://schemas.openxmlformats.org/officeDocument/2006/relationships" xmlns:p="http://schemas.openxmlformats.org/presentationml/2006/main">
+  <p:cSld>
+    <p:spTree>
+      <p:nvGrpSpPr>
+        <p:cNvPr id="1" name=""/>
+        <p:cNvGrpSpPr/>
+        <p:nvPr/>
+      </p:nvGrpSpPr>
+      <p:grpSpPr>
+        <a:xfrm>
+          <a:off x="0" y="0"/>
+          <a:ext cx="0" cy="0"/>
+          <a:chOff x="0" y="0"/>
+          <a:chExt cx="0" cy="0"/>
+        </a:xfrm>
+      </p:grpSpPr>
+      <p:pic>
+        <p:nvPicPr>
+          <p:cNvPr id="3" name="圖片 2" descr="一張含有 服裝, 日本動畫, 人員, 男人 的圖片&#10;&#10;自動產生的描述">
+            <a:extLst>
+              <a:ext uri="{FF2B5EF4-FFF2-40B4-BE49-F238E27FC236}">
+                <a16:creationId xmlns:a16="http://schemas.microsoft.com/office/drawing/2014/main" id="{B9539BBF-0696-2863-C087-676590E2C4CF}"/>
+              </a:ext>
+            </a:extLst>
+          </p:cNvPr>
+          <p:cNvPicPr>
+            <a:picLocks noChangeAspect="1"/>
+          </p:cNvPicPr>
+          <p:nvPr/>
+        </p:nvPicPr>
+        <p:blipFill>
+          <a:blip r:embed="rId2"/>
+          <a:stretch>
+            <a:fillRect/>
+          </a:stretch>
+        </p:blipFill>
+        <p:spPr>
+          <a:xfrm>
+            <a:off x="687250" y="303532"/>
+            <a:ext cx="5777345" cy="5777345"/>
+          </a:xfrm>
+          <a:prstGeom prst="rect">
+            <a:avLst/>
+          </a:prstGeom>
+        </p:spPr>
+      </p:pic>
+      <p:sp>
+        <p:nvSpPr>
+          <p:cNvPr id="2" name="標題 1">
+            <a:extLst>
+              <a:ext uri="{FF2B5EF4-FFF2-40B4-BE49-F238E27FC236}">
+                <a16:creationId xmlns:a16="http://schemas.microsoft.com/office/drawing/2014/main" id="{202D0546-3DF3-D1E3-5D12-74552D9FAC93}"/>
+              </a:ext>
+            </a:extLst>
+          </p:cNvPr>
+          <p:cNvSpPr>
+            <a:spLocks noGrp="1"/>
+          </p:cNvSpPr>
+          <p:nvPr/>
+        </p:nvSpPr>
+        <p:spPr>
+          <a:xfrm>
+            <a:off x="7022757" y="-884787"/>
+            <a:ext cx="9144000" cy="2387600"/>
+          </a:xfrm>
+          <a:prstGeom prst="rect">
+            <a:avLst/>
+          </a:prstGeom>
+        </p:spPr>
+        <p:txBody>
+          <a:bodyPr vert="horz" lIns="91440" tIns="45720" rIns="91440" bIns="45720" rtlCol="0" anchor="b">
+            <a:normAutofit/>
+          </a:bodyPr>
+          <a:lstStyle>
+            <a:defPPr>
+              <a:defRPr lang="zh-TW"/>
+            </a:defPPr>
+            <a:lvl1pPr marL="0" algn="l" defTabSz="914400" rtl="0" eaLnBrk="1" latinLnBrk="0" hangingPunct="1">
+              <a:defRPr sz="1800" kern="1200">
+                <a:solidFill>
+                  <a:schemeClr val="tx1"/>
+                </a:solidFill>
+                <a:latin typeface="+mn-lt"/>
+                <a:ea typeface="+mn-ea"/>
+                <a:cs typeface="+mn-cs"/>
+              </a:defRPr>
+            </a:lvl1pPr>
+            <a:lvl2pPr marL="457200" algn="l" defTabSz="914400" rtl="0" eaLnBrk="1" latinLnBrk="0" hangingPunct="1">
+              <a:defRPr sz="1800" kern="1200">
+                <a:solidFill>
+                  <a:schemeClr val="tx1"/>
+                </a:solidFill>
+                <a:latin typeface="+mn-lt"/>
+                <a:ea typeface="+mn-ea"/>
+                <a:cs typeface="+mn-cs"/>
+              </a:defRPr>
+            </a:lvl2pPr>
+            <a:lvl3pPr marL="914400" algn="l" defTabSz="914400" rtl="0" eaLnBrk="1" latinLnBrk="0" hangingPunct="1">
+              <a:defRPr sz="1800" kern="1200">
+                <a:solidFill>
+                  <a:schemeClr val="tx1"/>
+                </a:solidFill>
+                <a:latin typeface="+mn-lt"/>
+                <a:ea typeface="+mn-ea"/>
+                <a:cs typeface="+mn-cs"/>
+              </a:defRPr>
+            </a:lvl3pPr>
+            <a:lvl4pPr marL="1371600" algn="l" defTabSz="914400" rtl="0" eaLnBrk="1" latinLnBrk="0" hangingPunct="1">
+              <a:defRPr sz="1800" kern="1200">
+                <a:solidFill>
+                  <a:schemeClr val="tx1"/>
+                </a:solidFill>
+                <a:latin typeface="+mn-lt"/>
+                <a:ea typeface="+mn-ea"/>
+                <a:cs typeface="+mn-cs"/>
+              </a:defRPr>
+            </a:lvl4pPr>
+            <a:lvl5pPr marL="1828800" algn="l" defTabSz="914400" rtl="0" eaLnBrk="1" latinLnBrk="0" hangingPunct="1">
+              <a:defRPr sz="1800" kern="1200">
+                <a:solidFill>
+                  <a:schemeClr val="tx1"/>
+                </a:solidFill>
+                <a:latin typeface="+mn-lt"/>
+                <a:ea typeface="+mn-ea"/>
+                <a:cs typeface="+mn-cs"/>
+              </a:defRPr>
+            </a:lvl5pPr>
+            <a:lvl6pPr marL="2286000" algn="l" defTabSz="914400" rtl="0" eaLnBrk="1" latinLnBrk="0" hangingPunct="1">
+              <a:defRPr sz="1800" kern="1200">
+                <a:solidFill>
+                  <a:schemeClr val="tx1"/>
+                </a:solidFill>
+                <a:latin typeface="+mn-lt"/>
+                <a:ea typeface="+mn-ea"/>
+                <a:cs typeface="+mn-cs"/>
+              </a:defRPr>
+            </a:lvl6pPr>
+            <a:lvl7pPr marL="2743200" algn="l" defTabSz="914400" rtl="0" eaLnBrk="1" latinLnBrk="0" hangingPunct="1">
+              <a:defRPr sz="1800" kern="1200">
+                <a:solidFill>
+                  <a:schemeClr val="tx1"/>
+                </a:solidFill>
+                <a:latin typeface="+mn-lt"/>
+                <a:ea typeface="+mn-ea"/>
+                <a:cs typeface="+mn-cs"/>
+              </a:defRPr>
+            </a:lvl7pPr>
+            <a:lvl8pPr marL="3200400" algn="l" defTabSz="914400" rtl="0" eaLnBrk="1" latinLnBrk="0" hangingPunct="1">
+              <a:defRPr sz="1800" kern="1200">
+                <a:solidFill>
+                  <a:schemeClr val="tx1"/>
+                </a:solidFill>
+                <a:latin typeface="+mn-lt"/>
+                <a:ea typeface="+mn-ea"/>
+                <a:cs typeface="+mn-cs"/>
+              </a:defRPr>
+            </a:lvl8pPr>
+            <a:lvl9pPr marL="3657600" algn="l" defTabSz="914400" rtl="0" eaLnBrk="1" latinLnBrk="0" hangingPunct="1">
+              <a:defRPr sz="1800" kern="1200">
+                <a:solidFill>
+                  <a:schemeClr val="tx1"/>
+                </a:solidFill>
+                <a:latin typeface="+mn-lt"/>
+                <a:ea typeface="+mn-ea"/>
+                <a:cs typeface="+mn-cs"/>
+              </a:defRPr>
+            </a:lvl9pPr>
+          </a:lstStyle>
+          <a:p>
+            <a:br>
+              <a:rPr lang="en-US" dirty="0">
+                <a:ea typeface="+mj-lt"/>
+                <a:cs typeface="+mj-lt"/>
+              </a:rPr>
+            </a:br>
+            <a:endParaRPr lang="en-US" altLang="zh-TW" dirty="0">
+              <a:ea typeface="+mj-lt"/>
+              <a:cs typeface="+mj-lt"/>
+            </a:endParaRPr>
+          </a:p>
+        </p:txBody>
+      </p:sp>
+      <p:sp>
+        <p:nvSpPr>
+          <p:cNvPr id="4" name="標題 1">
+            <a:extLst>
+              <a:ext uri="{FF2B5EF4-FFF2-40B4-BE49-F238E27FC236}">
+                <a16:creationId xmlns:a16="http://schemas.microsoft.com/office/drawing/2014/main" id="{202D0546-3DF3-D1E3-5D12-74552D9FAC93}"/>
+              </a:ext>
+            </a:extLst>
+          </p:cNvPr>
+          <p:cNvSpPr>
+            <a:spLocks noGrp="1"/>
+          </p:cNvSpPr>
+          <p:nvPr/>
+        </p:nvSpPr>
+        <p:spPr>
+          <a:xfrm>
+            <a:off x="-2883243" y="-324493"/>
+            <a:ext cx="9144000" cy="2387600"/>
+          </a:xfrm>
+          <a:prstGeom prst="rect">
+            <a:avLst/>
+          </a:prstGeom>
+        </p:spPr>
+        <p:txBody>
+          <a:bodyPr vert="horz" lIns="91440" tIns="45720" rIns="91440" bIns="45720" rtlCol="0" anchor="b">
+            <a:normAutofit/>
+          </a:bodyPr>
+          <a:lstStyle>
+            <a:defPPr>
+              <a:defRPr lang="zh-TW"/>
+            </a:defPPr>
+            <a:lvl1pPr marL="0" algn="l" defTabSz="914400" rtl="0" eaLnBrk="1" latinLnBrk="0" hangingPunct="1">
+              <a:defRPr sz="1800" kern="1200">
+                <a:solidFill>
+                  <a:schemeClr val="tx1"/>
+                </a:solidFill>
+                <a:latin typeface="+mn-lt"/>
+                <a:ea typeface="+mn-ea"/>
+                <a:cs typeface="+mn-cs"/>
+              </a:defRPr>
+            </a:lvl1pPr>
+            <a:lvl2pPr marL="457200" algn="l" defTabSz="914400" rtl="0" eaLnBrk="1" latinLnBrk="0" hangingPunct="1">
+              <a:defRPr sz="1800" kern="1200">
+                <a:solidFill>
+                  <a:schemeClr val="tx1"/>
+                </a:solidFill>
+                <a:latin typeface="+mn-lt"/>
+                <a:ea typeface="+mn-ea"/>
+                <a:cs typeface="+mn-cs"/>
+              </a:defRPr>
+            </a:lvl2pPr>
+            <a:lvl3pPr marL="914400" algn="l" defTabSz="914400" rtl="0" eaLnBrk="1" latinLnBrk="0" hangingPunct="1">
+              <a:defRPr sz="1800" kern="1200">
+                <a:solidFill>
+                  <a:schemeClr val="tx1"/>
+                </a:solidFill>
+                <a:latin typeface="+mn-lt"/>
+                <a:ea typeface="+mn-ea"/>
+                <a:cs typeface="+mn-cs"/>
+              </a:defRPr>
+            </a:lvl3pPr>
+            <a:lvl4pPr marL="1371600" algn="l" defTabSz="914400" rtl="0" eaLnBrk="1" latinLnBrk="0" hangingPunct="1">
+              <a:defRPr sz="1800" kern="1200">
+                <a:solidFill>
+                  <a:schemeClr val="tx1"/>
+                </a:solidFill>
+                <a:latin typeface="+mn-lt"/>
+                <a:ea typeface="+mn-ea"/>
+                <a:cs typeface="+mn-cs"/>
+              </a:defRPr>
+            </a:lvl4pPr>
+            <a:lvl5pPr marL="1828800" algn="l" defTabSz="914400" rtl="0" eaLnBrk="1" latinLnBrk="0" hangingPunct="1">
+              <a:defRPr sz="1800" kern="1200">
+                <a:solidFill>
+                  <a:schemeClr val="tx1"/>
+                </a:solidFill>
+                <a:latin typeface="+mn-lt"/>
+                <a:ea typeface="+mn-ea"/>
+                <a:cs typeface="+mn-cs"/>
+              </a:defRPr>
+            </a:lvl5pPr>
+            <a:lvl6pPr marL="2286000" algn="l" defTabSz="914400" rtl="0" eaLnBrk="1" latinLnBrk="0" hangingPunct="1">
+              <a:defRPr sz="1800" kern="1200">
+                <a:solidFill>
+                  <a:schemeClr val="tx1"/>
+                </a:solidFill>
+                <a:latin typeface="+mn-lt"/>
+                <a:ea typeface="+mn-ea"/>
+                <a:cs typeface="+mn-cs"/>
+              </a:defRPr>
+            </a:lvl6pPr>
+            <a:lvl7pPr marL="2743200" algn="l" defTabSz="914400" rtl="0" eaLnBrk="1" latinLnBrk="0" hangingPunct="1">
+              <a:defRPr sz="1800" kern="1200">
+                <a:solidFill>
+                  <a:schemeClr val="tx1"/>
+                </a:solidFill>
+                <a:latin typeface="+mn-lt"/>
+                <a:ea typeface="+mn-ea"/>
+                <a:cs typeface="+mn-cs"/>
+              </a:defRPr>
+            </a:lvl7pPr>
+            <a:lvl8pPr marL="3200400" algn="l" defTabSz="914400" rtl="0" eaLnBrk="1" latinLnBrk="0" hangingPunct="1">
+              <a:defRPr sz="1800" kern="1200">
+                <a:solidFill>
+                  <a:schemeClr val="tx1"/>
+                </a:solidFill>
+                <a:latin typeface="+mn-lt"/>
+                <a:ea typeface="+mn-ea"/>
+                <a:cs typeface="+mn-cs"/>
+              </a:defRPr>
+            </a:lvl8pPr>
+            <a:lvl9pPr marL="3657600" algn="l" defTabSz="914400" rtl="0" eaLnBrk="1" latinLnBrk="0" hangingPunct="1">
+              <a:defRPr sz="1800" kern="1200">
+                <a:solidFill>
+                  <a:schemeClr val="tx1"/>
+                </a:solidFill>
+                <a:latin typeface="+mn-lt"/>
+                <a:ea typeface="+mn-ea"/>
+                <a:cs typeface="+mn-cs"/>
+              </a:defRPr>
+            </a:lvl9pPr>
+          </a:lstStyle>
+          <a:p>
+            <a:r>
+              <a:rPr lang="en-US" altLang="zh-TW" dirty="0">
+                <a:ea typeface="+mj-lt"/>
+                <a:cs typeface="+mj-lt"/>
+              </a:rPr>
+              <a:t>4.</a:t>
+            </a:r>
+            <a:r>
+              <a:rPr lang="en-US" dirty="0">
+                <a:ea typeface="+mj-lt"/>
+                <a:cs typeface="+mj-lt"/>
+              </a:rPr>
+              <a:t>結果</a:t>
+            </a:r>
+            <a:br>
+              <a:rPr lang="en-US" dirty="0">
+                <a:ea typeface="+mj-lt"/>
+                <a:cs typeface="+mj-lt"/>
+              </a:rPr>
+            </a:br>
+            <a:endParaRPr lang="en-US" altLang="zh-TW" dirty="0">
+              <a:ea typeface="+mj-lt"/>
+              <a:cs typeface="+mj-lt"/>
+            </a:endParaRPr>
+          </a:p>
+        </p:txBody>
+      </p:sp>
+      <p:sp>
+        <p:nvSpPr>
+          <p:cNvPr id="5" name="標題 1">
+            <a:extLst>
+              <a:ext uri="{FF2B5EF4-FFF2-40B4-BE49-F238E27FC236}">
+                <a16:creationId xmlns:a16="http://schemas.microsoft.com/office/drawing/2014/main" id="{202D0546-3DF3-D1E3-5D12-74552D9FAC93}"/>
+              </a:ext>
+            </a:extLst>
+          </p:cNvPr>
+          <p:cNvSpPr>
+            <a:spLocks noGrp="1"/>
+          </p:cNvSpPr>
+          <p:nvPr/>
+        </p:nvSpPr>
+        <p:spPr>
+          <a:xfrm>
+            <a:off x="6888286" y="-1086493"/>
+            <a:ext cx="9144000" cy="2387600"/>
+          </a:xfrm>
+          <a:prstGeom prst="rect">
+            <a:avLst/>
+          </a:prstGeom>
+        </p:spPr>
+        <p:txBody>
+          <a:bodyPr vert="horz" lIns="91440" tIns="45720" rIns="91440" bIns="45720" rtlCol="0" anchor="b">
+            <a:normAutofit/>
+          </a:bodyPr>
+          <a:lstStyle>
+            <a:defPPr>
+              <a:defRPr lang="zh-TW"/>
+            </a:defPPr>
+            <a:lvl1pPr marL="0" algn="l" defTabSz="914400" rtl="0" eaLnBrk="1" latinLnBrk="0" hangingPunct="1">
+              <a:defRPr sz="1800" kern="1200">
+                <a:solidFill>
+                  <a:schemeClr val="tx1"/>
+                </a:solidFill>
+                <a:latin typeface="+mn-lt"/>
+                <a:ea typeface="+mn-ea"/>
+                <a:cs typeface="+mn-cs"/>
+              </a:defRPr>
+            </a:lvl1pPr>
+            <a:lvl2pPr marL="457200" algn="l" defTabSz="914400" rtl="0" eaLnBrk="1" latinLnBrk="0" hangingPunct="1">
+              <a:defRPr sz="1800" kern="1200">
+                <a:solidFill>
+                  <a:schemeClr val="tx1"/>
+                </a:solidFill>
+                <a:latin typeface="+mn-lt"/>
+                <a:ea typeface="+mn-ea"/>
+                <a:cs typeface="+mn-cs"/>
+              </a:defRPr>
+            </a:lvl2pPr>
+            <a:lvl3pPr marL="914400" algn="l" defTabSz="914400" rtl="0" eaLnBrk="1" latinLnBrk="0" hangingPunct="1">
+              <a:defRPr sz="1800" kern="1200">
+                <a:solidFill>
+                  <a:schemeClr val="tx1"/>
+                </a:solidFill>
+                <a:latin typeface="+mn-lt"/>
+                <a:ea typeface="+mn-ea"/>
+                <a:cs typeface="+mn-cs"/>
+              </a:defRPr>
+            </a:lvl3pPr>
+            <a:lvl4pPr marL="1371600" algn="l" defTabSz="914400" rtl="0" eaLnBrk="1" latinLnBrk="0" hangingPunct="1">
+              <a:defRPr sz="1800" kern="1200">
+                <a:solidFill>
+                  <a:schemeClr val="tx1"/>
+                </a:solidFill>
+                <a:latin typeface="+mn-lt"/>
+                <a:ea typeface="+mn-ea"/>
+                <a:cs typeface="+mn-cs"/>
+              </a:defRPr>
+            </a:lvl4pPr>
+            <a:lvl5pPr marL="1828800" algn="l" defTabSz="914400" rtl="0" eaLnBrk="1" latinLnBrk="0" hangingPunct="1">
+              <a:defRPr sz="1800" kern="1200">
+                <a:solidFill>
+                  <a:schemeClr val="tx1"/>
+                </a:solidFill>
+                <a:latin typeface="+mn-lt"/>
+                <a:ea typeface="+mn-ea"/>
+                <a:cs typeface="+mn-cs"/>
+              </a:defRPr>
+            </a:lvl5pPr>
+            <a:lvl6pPr marL="2286000" algn="l" defTabSz="914400" rtl="0" eaLnBrk="1" latinLnBrk="0" hangingPunct="1">
+              <a:defRPr sz="1800" kern="1200">
+                <a:solidFill>
+                  <a:schemeClr val="tx1"/>
+                </a:solidFill>
+                <a:latin typeface="+mn-lt"/>
+                <a:ea typeface="+mn-ea"/>
+                <a:cs typeface="+mn-cs"/>
+              </a:defRPr>
+            </a:lvl6pPr>
+            <a:lvl7pPr marL="2743200" algn="l" defTabSz="914400" rtl="0" eaLnBrk="1" latinLnBrk="0" hangingPunct="1">
+              <a:defRPr sz="1800" kern="1200">
+                <a:solidFill>
+                  <a:schemeClr val="tx1"/>
+                </a:solidFill>
+                <a:latin typeface="+mn-lt"/>
+                <a:ea typeface="+mn-ea"/>
+                <a:cs typeface="+mn-cs"/>
+              </a:defRPr>
+            </a:lvl7pPr>
+            <a:lvl8pPr marL="3200400" algn="l" defTabSz="914400" rtl="0" eaLnBrk="1" latinLnBrk="0" hangingPunct="1">
+              <a:defRPr sz="1800" kern="1200">
+                <a:solidFill>
+                  <a:schemeClr val="tx1"/>
+                </a:solidFill>
+                <a:latin typeface="+mn-lt"/>
+                <a:ea typeface="+mn-ea"/>
+                <a:cs typeface="+mn-cs"/>
+              </a:defRPr>
+            </a:lvl8pPr>
+            <a:lvl9pPr marL="3657600" algn="l" defTabSz="914400" rtl="0" eaLnBrk="1" latinLnBrk="0" hangingPunct="1">
+              <a:defRPr sz="1800" kern="1200">
+                <a:solidFill>
+                  <a:schemeClr val="tx1"/>
+                </a:solidFill>
+                <a:latin typeface="+mn-lt"/>
+                <a:ea typeface="+mn-ea"/>
+                <a:cs typeface="+mn-cs"/>
+              </a:defRPr>
+            </a:lvl9pPr>
+          </a:lstStyle>
+          <a:p>
+            <a:r>
+              <a:rPr lang="en-US" altLang="zh-TW" sz="3600" dirty="0">
+                <a:ea typeface="+mj-lt"/>
+                <a:cs typeface="+mj-lt"/>
+              </a:rPr>
+              <a:t>4.</a:t>
+            </a:r>
+            <a:r>
+              <a:rPr lang="en-US" sz="3600" dirty="0">
+                <a:ea typeface="+mj-lt"/>
+                <a:cs typeface="+mj-lt"/>
+              </a:rPr>
+              <a:t>結果</a:t>
+            </a:r>
+            <a:br>
+              <a:rPr lang="en-US" dirty="0">
+                <a:ea typeface="+mj-lt"/>
+                <a:cs typeface="+mj-lt"/>
+              </a:rPr>
+            </a:br>
+            <a:endParaRPr lang="en-US" altLang="zh-TW" dirty="0">
+              <a:ea typeface="+mj-lt"/>
+              <a:cs typeface="+mj-lt"/>
+            </a:endParaRPr>
+          </a:p>
+        </p:txBody>
+      </p:sp>
+    </p:spTree>
+    <p:extLst>
+      <p:ext uri="{BB962C8B-B14F-4D97-AF65-F5344CB8AC3E}">
+        <p14:creationId xmlns:p14="http://schemas.microsoft.com/office/powerpoint/2010/main" val="4110246142"/>
+      </p:ext>
+    </p:extLst>
+  </p:cSld>
+  <p:clrMapOvr>
+    <a:masterClrMapping/>
+  </p:clrMapOvr>
+  <mc:AlternateContent xmlns:mc="http://schemas.openxmlformats.org/markup-compatibility/2006" xmlns:p159="http://schemas.microsoft.com/office/powerpoint/2015/09/main">
+    <mc:Choice Requires="p159">
+      <p:transition xmlns:p14="http://schemas.microsoft.com/office/powerpoint/2010/main" spd="slow" p14:dur="2000">
+        <p159:morph option="byObject"/>
+      </p:transition>
+    </mc:Choice>
+    <mc:Fallback xmlns="">
+      <p:transition spd="slow">
+        <p:fade/>
+      </p:transition>
+    </mc:Fallback>
+  </mc:AlternateContent>
+</p:sld>
+</file>
+
+<file path=ppt/slides/slide12.xml><?xml version="1.0" encoding="utf-8"?>
+<p:sld xmlns:a="http://schemas.openxmlformats.org/drawingml/2006/main" xmlns:r="http://schemas.openxmlformats.org/officeDocument/2006/relationships" xmlns:p="http://schemas.openxmlformats.org/presentationml/2006/main">
+  <p:cSld>
+    <p:spTree>
+      <p:nvGrpSpPr>
+        <p:cNvPr id="1" name=""/>
+        <p:cNvGrpSpPr/>
+        <p:nvPr/>
+      </p:nvGrpSpPr>
+      <p:grpSpPr>
+        <a:xfrm>
+          <a:off x="0" y="0"/>
+          <a:ext cx="0" cy="0"/>
+          <a:chOff x="0" y="0"/>
+          <a:chExt cx="0" cy="0"/>
+        </a:xfrm>
+      </p:grpSpPr>
+      <p:pic>
+        <p:nvPicPr>
+          <p:cNvPr id="2" name="圖片 1" descr="一張含有 日本動畫, 卡通, 服裝, 人的臉孔 的圖片&#10;&#10;自動產生的描述">
+            <a:extLst>
+              <a:ext uri="{FF2B5EF4-FFF2-40B4-BE49-F238E27FC236}">
+                <a16:creationId xmlns:a16="http://schemas.microsoft.com/office/drawing/2014/main" id="{21EF6D9E-519D-E627-DCA1-96FAB62312FD}"/>
+              </a:ext>
+            </a:extLst>
+          </p:cNvPr>
+          <p:cNvPicPr>
+            <a:picLocks noChangeAspect="1"/>
+          </p:cNvPicPr>
+          <p:nvPr/>
+        </p:nvPicPr>
+        <p:blipFill>
+          <a:blip r:embed="rId2"/>
+          <a:stretch>
+            <a:fillRect/>
+          </a:stretch>
+        </p:blipFill>
+        <p:spPr>
+          <a:xfrm>
+            <a:off x="267085" y="251691"/>
+            <a:ext cx="5962072" cy="5962072"/>
+          </a:xfrm>
+          <a:prstGeom prst="rect">
+            <a:avLst/>
+          </a:prstGeom>
+        </p:spPr>
+      </p:pic>
+      <p:sp>
+        <p:nvSpPr>
+          <p:cNvPr id="4" name="標題 1">
+            <a:extLst>
+              <a:ext uri="{FF2B5EF4-FFF2-40B4-BE49-F238E27FC236}">
+                <a16:creationId xmlns:a16="http://schemas.microsoft.com/office/drawing/2014/main" id="{B458A2C9-4BBA-11AD-20D1-29AD0E4BEDFA}"/>
+              </a:ext>
+            </a:extLst>
+          </p:cNvPr>
+          <p:cNvSpPr>
+            <a:spLocks noGrp="1"/>
+          </p:cNvSpPr>
+          <p:nvPr/>
+        </p:nvSpPr>
+        <p:spPr>
+          <a:xfrm>
+            <a:off x="6888286" y="-1086493"/>
+            <a:ext cx="9144000" cy="2387600"/>
+          </a:xfrm>
+          <a:prstGeom prst="rect">
+            <a:avLst/>
+          </a:prstGeom>
+        </p:spPr>
+        <p:txBody>
+          <a:bodyPr vert="horz" lIns="91440" tIns="45720" rIns="91440" bIns="45720" rtlCol="0" anchor="b">
+            <a:normAutofit/>
+          </a:bodyPr>
+          <a:lstStyle>
+            <a:defPPr>
+              <a:defRPr lang="zh-TW"/>
+            </a:defPPr>
+            <a:lvl1pPr marL="0" algn="l" defTabSz="914400" rtl="0" eaLnBrk="1" latinLnBrk="0" hangingPunct="1">
+              <a:defRPr sz="1800" kern="1200">
+                <a:solidFill>
+                  <a:schemeClr val="tx1"/>
+                </a:solidFill>
+                <a:latin typeface="+mn-lt"/>
+                <a:ea typeface="+mn-ea"/>
+                <a:cs typeface="+mn-cs"/>
+              </a:defRPr>
+            </a:lvl1pPr>
+            <a:lvl2pPr marL="457200" algn="l" defTabSz="914400" rtl="0" eaLnBrk="1" latinLnBrk="0" hangingPunct="1">
+              <a:defRPr sz="1800" kern="1200">
+                <a:solidFill>
+                  <a:schemeClr val="tx1"/>
+                </a:solidFill>
+                <a:latin typeface="+mn-lt"/>
+                <a:ea typeface="+mn-ea"/>
+                <a:cs typeface="+mn-cs"/>
+              </a:defRPr>
+            </a:lvl2pPr>
+            <a:lvl3pPr marL="914400" algn="l" defTabSz="914400" rtl="0" eaLnBrk="1" latinLnBrk="0" hangingPunct="1">
+              <a:defRPr sz="1800" kern="1200">
+                <a:solidFill>
+                  <a:schemeClr val="tx1"/>
+                </a:solidFill>
+                <a:latin typeface="+mn-lt"/>
+                <a:ea typeface="+mn-ea"/>
+                <a:cs typeface="+mn-cs"/>
+              </a:defRPr>
+            </a:lvl3pPr>
+            <a:lvl4pPr marL="1371600" algn="l" defTabSz="914400" rtl="0" eaLnBrk="1" latinLnBrk="0" hangingPunct="1">
+              <a:defRPr sz="1800" kern="1200">
+                <a:solidFill>
+                  <a:schemeClr val="tx1"/>
+                </a:solidFill>
+                <a:latin typeface="+mn-lt"/>
+                <a:ea typeface="+mn-ea"/>
+                <a:cs typeface="+mn-cs"/>
+              </a:defRPr>
+            </a:lvl4pPr>
+            <a:lvl5pPr marL="1828800" algn="l" defTabSz="914400" rtl="0" eaLnBrk="1" latinLnBrk="0" hangingPunct="1">
+              <a:defRPr sz="1800" kern="1200">
+                <a:solidFill>
+                  <a:schemeClr val="tx1"/>
+                </a:solidFill>
+                <a:latin typeface="+mn-lt"/>
+                <a:ea typeface="+mn-ea"/>
+                <a:cs typeface="+mn-cs"/>
+              </a:defRPr>
+            </a:lvl5pPr>
+            <a:lvl6pPr marL="2286000" algn="l" defTabSz="914400" rtl="0" eaLnBrk="1" latinLnBrk="0" hangingPunct="1">
+              <a:defRPr sz="1800" kern="1200">
+                <a:solidFill>
+                  <a:schemeClr val="tx1"/>
+                </a:solidFill>
+                <a:latin typeface="+mn-lt"/>
+                <a:ea typeface="+mn-ea"/>
+                <a:cs typeface="+mn-cs"/>
+              </a:defRPr>
+            </a:lvl6pPr>
+            <a:lvl7pPr marL="2743200" algn="l" defTabSz="914400" rtl="0" eaLnBrk="1" latinLnBrk="0" hangingPunct="1">
+              <a:defRPr sz="1800" kern="1200">
+                <a:solidFill>
+                  <a:schemeClr val="tx1"/>
+                </a:solidFill>
+                <a:latin typeface="+mn-lt"/>
+                <a:ea typeface="+mn-ea"/>
+                <a:cs typeface="+mn-cs"/>
+              </a:defRPr>
+            </a:lvl7pPr>
+            <a:lvl8pPr marL="3200400" algn="l" defTabSz="914400" rtl="0" eaLnBrk="1" latinLnBrk="0" hangingPunct="1">
+              <a:defRPr sz="1800" kern="1200">
+                <a:solidFill>
+                  <a:schemeClr val="tx1"/>
+                </a:solidFill>
+                <a:latin typeface="+mn-lt"/>
+                <a:ea typeface="+mn-ea"/>
+                <a:cs typeface="+mn-cs"/>
+              </a:defRPr>
+            </a:lvl8pPr>
+            <a:lvl9pPr marL="3657600" algn="l" defTabSz="914400" rtl="0" eaLnBrk="1" latinLnBrk="0" hangingPunct="1">
+              <a:defRPr sz="1800" kern="1200">
+                <a:solidFill>
+                  <a:schemeClr val="tx1"/>
+                </a:solidFill>
+                <a:latin typeface="+mn-lt"/>
+                <a:ea typeface="+mn-ea"/>
+                <a:cs typeface="+mn-cs"/>
+              </a:defRPr>
+            </a:lvl9pPr>
+          </a:lstStyle>
+          <a:p>
+            <a:r>
+              <a:rPr lang="en-US" altLang="zh-TW" sz="3600" dirty="0">
+                <a:ea typeface="+mj-lt"/>
+                <a:cs typeface="+mj-lt"/>
+              </a:rPr>
+              <a:t>4.</a:t>
+            </a:r>
+            <a:r>
+              <a:rPr lang="en-US" sz="3600" dirty="0">
+                <a:ea typeface="+mj-lt"/>
+                <a:cs typeface="+mj-lt"/>
+              </a:rPr>
+              <a:t>結果</a:t>
+            </a:r>
+            <a:br>
+              <a:rPr lang="en-US" dirty="0">
+                <a:ea typeface="+mj-lt"/>
+                <a:cs typeface="+mj-lt"/>
+              </a:rPr>
+            </a:br>
+            <a:endParaRPr lang="en-US" altLang="zh-TW" dirty="0">
+              <a:ea typeface="+mj-lt"/>
+              <a:cs typeface="+mj-lt"/>
+            </a:endParaRPr>
+          </a:p>
+        </p:txBody>
+      </p:sp>
+    </p:spTree>
+    <p:extLst>
+      <p:ext uri="{BB962C8B-B14F-4D97-AF65-F5344CB8AC3E}">
+        <p14:creationId xmlns:p14="http://schemas.microsoft.com/office/powerpoint/2010/main" val="2423660098"/>
+      </p:ext>
+    </p:extLst>
+  </p:cSld>
+  <p:clrMapOvr>
+    <a:masterClrMapping/>
+  </p:clrMapOvr>
+  <mc:AlternateContent xmlns:mc="http://schemas.openxmlformats.org/markup-compatibility/2006" xmlns:p159="http://schemas.microsoft.com/office/powerpoint/2015/09/main">
+    <mc:Choice Requires="p159">
+      <p:transition xmlns:p14="http://schemas.microsoft.com/office/powerpoint/2010/main" spd="slow" p14:dur="2000">
+        <p159:morph option="byObject"/>
+      </p:transition>
+    </mc:Choice>
+    <mc:Fallback xmlns="">
+      <p:transition spd="slow">
+        <p:fade/>
+      </p:transition>
+    </mc:Fallback>
+  </mc:AlternateContent>
+</p:sld>
+</file>
+
+<file path=ppt/slides/slide13.xml><?xml version="1.0" encoding="utf-8"?>
+<p:sld xmlns:a="http://schemas.openxmlformats.org/drawingml/2006/main" xmlns:r="http://schemas.openxmlformats.org/officeDocument/2006/relationships" xmlns:p="http://schemas.openxmlformats.org/presentationml/2006/main">
+  <p:cSld>
+    <p:spTree>
+      <p:nvGrpSpPr>
+        <p:cNvPr id="1" name=""/>
+        <p:cNvGrpSpPr/>
+        <p:nvPr/>
+      </p:nvGrpSpPr>
+      <p:grpSpPr>
+        <a:xfrm>
+          <a:off x="0" y="0"/>
+          <a:ext cx="0" cy="0"/>
+          <a:chOff x="0" y="0"/>
+          <a:chExt cx="0" cy="0"/>
+        </a:xfrm>
+      </p:grpSpPr>
+      <p:pic>
+        <p:nvPicPr>
+          <p:cNvPr id="3" name="圖片 2" descr="一張含有 服裝, 男孩, 足部穿著, 卡通 的圖片&#10;&#10;自動產生的描述">
+            <a:extLst>
+              <a:ext uri="{FF2B5EF4-FFF2-40B4-BE49-F238E27FC236}">
+                <a16:creationId xmlns:a16="http://schemas.microsoft.com/office/drawing/2014/main" id="{C611C24F-B690-A847-F99D-2B527098E153}"/>
+              </a:ext>
+            </a:extLst>
+          </p:cNvPr>
+          <p:cNvPicPr>
+            <a:picLocks noChangeAspect="1"/>
+          </p:cNvPicPr>
+          <p:nvPr/>
+        </p:nvPicPr>
+        <p:blipFill>
+          <a:blip r:embed="rId2"/>
+          <a:stretch>
+            <a:fillRect/>
+          </a:stretch>
+        </p:blipFill>
+        <p:spPr>
+          <a:xfrm>
+            <a:off x="159327" y="205509"/>
+            <a:ext cx="6516254" cy="6516254"/>
+          </a:xfrm>
+          <a:prstGeom prst="rect">
+            <a:avLst/>
+          </a:prstGeom>
+        </p:spPr>
+      </p:pic>
+      <p:sp>
+        <p:nvSpPr>
+          <p:cNvPr id="4" name="標題 1">
+            <a:extLst>
+              <a:ext uri="{FF2B5EF4-FFF2-40B4-BE49-F238E27FC236}">
+                <a16:creationId xmlns:a16="http://schemas.microsoft.com/office/drawing/2014/main" id="{9E8515E8-EA67-1E99-BF86-2559B762E2DB}"/>
+              </a:ext>
+            </a:extLst>
+          </p:cNvPr>
+          <p:cNvSpPr>
+            <a:spLocks noGrp="1"/>
+          </p:cNvSpPr>
+          <p:nvPr/>
+        </p:nvSpPr>
+        <p:spPr>
+          <a:xfrm>
+            <a:off x="6888286" y="-1086493"/>
+            <a:ext cx="9144000" cy="2387600"/>
+          </a:xfrm>
+          <a:prstGeom prst="rect">
+            <a:avLst/>
+          </a:prstGeom>
+        </p:spPr>
+        <p:txBody>
+          <a:bodyPr vert="horz" lIns="91440" tIns="45720" rIns="91440" bIns="45720" rtlCol="0" anchor="b">
+            <a:normAutofit/>
+          </a:bodyPr>
+          <a:lstStyle>
+            <a:defPPr>
+              <a:defRPr lang="zh-TW"/>
+            </a:defPPr>
+            <a:lvl1pPr marL="0" algn="l" defTabSz="914400" rtl="0" eaLnBrk="1" latinLnBrk="0" hangingPunct="1">
+              <a:defRPr sz="1800" kern="1200">
+                <a:solidFill>
+                  <a:schemeClr val="tx1"/>
+                </a:solidFill>
+                <a:latin typeface="+mn-lt"/>
+                <a:ea typeface="+mn-ea"/>
+                <a:cs typeface="+mn-cs"/>
+              </a:defRPr>
+            </a:lvl1pPr>
+            <a:lvl2pPr marL="457200" algn="l" defTabSz="914400" rtl="0" eaLnBrk="1" latinLnBrk="0" hangingPunct="1">
+              <a:defRPr sz="1800" kern="1200">
+                <a:solidFill>
+                  <a:schemeClr val="tx1"/>
+                </a:solidFill>
+                <a:latin typeface="+mn-lt"/>
+                <a:ea typeface="+mn-ea"/>
+                <a:cs typeface="+mn-cs"/>
+              </a:defRPr>
+            </a:lvl2pPr>
+            <a:lvl3pPr marL="914400" algn="l" defTabSz="914400" rtl="0" eaLnBrk="1" latinLnBrk="0" hangingPunct="1">
+              <a:defRPr sz="1800" kern="1200">
+                <a:solidFill>
+                  <a:schemeClr val="tx1"/>
+                </a:solidFill>
+                <a:latin typeface="+mn-lt"/>
+                <a:ea typeface="+mn-ea"/>
+                <a:cs typeface="+mn-cs"/>
+              </a:defRPr>
+            </a:lvl3pPr>
+            <a:lvl4pPr marL="1371600" algn="l" defTabSz="914400" rtl="0" eaLnBrk="1" latinLnBrk="0" hangingPunct="1">
+              <a:defRPr sz="1800" kern="1200">
+                <a:solidFill>
+                  <a:schemeClr val="tx1"/>
+                </a:solidFill>
+                <a:latin typeface="+mn-lt"/>
+                <a:ea typeface="+mn-ea"/>
+                <a:cs typeface="+mn-cs"/>
+              </a:defRPr>
+            </a:lvl4pPr>
+            <a:lvl5pPr marL="1828800" algn="l" defTabSz="914400" rtl="0" eaLnBrk="1" latinLnBrk="0" hangingPunct="1">
+              <a:defRPr sz="1800" kern="1200">
+                <a:solidFill>
+                  <a:schemeClr val="tx1"/>
+                </a:solidFill>
+                <a:latin typeface="+mn-lt"/>
+                <a:ea typeface="+mn-ea"/>
+                <a:cs typeface="+mn-cs"/>
+              </a:defRPr>
+            </a:lvl5pPr>
+            <a:lvl6pPr marL="2286000" algn="l" defTabSz="914400" rtl="0" eaLnBrk="1" latinLnBrk="0" hangingPunct="1">
+              <a:defRPr sz="1800" kern="1200">
+                <a:solidFill>
+                  <a:schemeClr val="tx1"/>
+                </a:solidFill>
+                <a:latin typeface="+mn-lt"/>
+                <a:ea typeface="+mn-ea"/>
+                <a:cs typeface="+mn-cs"/>
+              </a:defRPr>
+            </a:lvl6pPr>
+            <a:lvl7pPr marL="2743200" algn="l" defTabSz="914400" rtl="0" eaLnBrk="1" latinLnBrk="0" hangingPunct="1">
+              <a:defRPr sz="1800" kern="1200">
+                <a:solidFill>
+                  <a:schemeClr val="tx1"/>
+                </a:solidFill>
+                <a:latin typeface="+mn-lt"/>
+                <a:ea typeface="+mn-ea"/>
+                <a:cs typeface="+mn-cs"/>
+              </a:defRPr>
+            </a:lvl7pPr>
+            <a:lvl8pPr marL="3200400" algn="l" defTabSz="914400" rtl="0" eaLnBrk="1" latinLnBrk="0" hangingPunct="1">
+              <a:defRPr sz="1800" kern="1200">
+                <a:solidFill>
+                  <a:schemeClr val="tx1"/>
+                </a:solidFill>
+                <a:latin typeface="+mn-lt"/>
+                <a:ea typeface="+mn-ea"/>
+                <a:cs typeface="+mn-cs"/>
+              </a:defRPr>
+            </a:lvl8pPr>
+            <a:lvl9pPr marL="3657600" algn="l" defTabSz="914400" rtl="0" eaLnBrk="1" latinLnBrk="0" hangingPunct="1">
+              <a:defRPr sz="1800" kern="1200">
+                <a:solidFill>
+                  <a:schemeClr val="tx1"/>
+                </a:solidFill>
+                <a:latin typeface="+mn-lt"/>
+                <a:ea typeface="+mn-ea"/>
+                <a:cs typeface="+mn-cs"/>
+              </a:defRPr>
+            </a:lvl9pPr>
+          </a:lstStyle>
+          <a:p>
+            <a:br>
+              <a:rPr lang="en-US" dirty="0">
+                <a:ea typeface="+mj-lt"/>
+                <a:cs typeface="+mj-lt"/>
+              </a:rPr>
+            </a:br>
+            <a:endParaRPr lang="en-US" altLang="zh-TW" dirty="0">
+              <a:ea typeface="+mj-lt"/>
+              <a:cs typeface="+mj-lt"/>
+            </a:endParaRPr>
+          </a:p>
+        </p:txBody>
+      </p:sp>
+      <p:sp>
+        <p:nvSpPr>
+          <p:cNvPr id="5" name="標題 1">
+            <a:extLst>
+              <a:ext uri="{FF2B5EF4-FFF2-40B4-BE49-F238E27FC236}">
+                <a16:creationId xmlns:a16="http://schemas.microsoft.com/office/drawing/2014/main" id="{DD557A29-4970-5295-FC15-6752CBC29C7C}"/>
+              </a:ext>
+            </a:extLst>
+          </p:cNvPr>
+          <p:cNvSpPr>
+            <a:spLocks noGrp="1"/>
+          </p:cNvSpPr>
+          <p:nvPr/>
+        </p:nvSpPr>
+        <p:spPr>
+          <a:xfrm>
+            <a:off x="3193980" y="-434129"/>
+            <a:ext cx="9144000" cy="2387600"/>
+          </a:xfrm>
+          <a:prstGeom prst="rect">
+            <a:avLst/>
+          </a:prstGeom>
+        </p:spPr>
+        <p:txBody>
+          <a:bodyPr vert="horz" lIns="91440" tIns="45720" rIns="91440" bIns="45720" rtlCol="0" anchor="b">
+            <a:normAutofit/>
+          </a:bodyPr>
+          <a:lstStyle>
+            <a:lvl1pPr algn="ctr" defTabSz="914400" rtl="0" eaLnBrk="1" latinLnBrk="0" hangingPunct="1">
+              <a:lnSpc>
+                <a:spcPct val="100000"/>
+              </a:lnSpc>
+              <a:spcBef>
+                <a:spcPct val="0"/>
+              </a:spcBef>
+              <a:buNone/>
+              <a:defRPr sz="3600" kern="1200">
+                <a:solidFill>
+                  <a:schemeClr val="tx2"/>
+                </a:solidFill>
+                <a:latin typeface="+mj-lt"/>
+                <a:ea typeface="+mj-ea"/>
+                <a:cs typeface="+mj-cs"/>
+              </a:defRPr>
+            </a:lvl1pPr>
+          </a:lstStyle>
+          <a:p>
+            <a:r>
+              <a:rPr lang="zh-TW" altLang="en-US">
+                <a:ea typeface="+mj-lt"/>
+                <a:cs typeface="+mj-lt"/>
+              </a:rPr>
+              <a:t>5.</a:t>
+            </a:r>
+            <a:r>
+              <a:rPr lang="zh-TW">
+                <a:ea typeface="+mj-lt"/>
+                <a:cs typeface="+mj-lt"/>
+              </a:rPr>
+              <a:t>意外</a:t>
+            </a:r>
+            <a:br>
+              <a:rPr lang="zh-TW" altLang="en-US" dirty="0">
+                <a:ea typeface="+mj-lt"/>
+                <a:cs typeface="+mj-lt"/>
+              </a:rPr>
+            </a:br>
+            <a:endParaRPr lang="zh-TW" dirty="0">
+              <a:ea typeface="+mj-lt"/>
+              <a:cs typeface="+mj-lt"/>
+            </a:endParaRPr>
+          </a:p>
+        </p:txBody>
+      </p:sp>
+    </p:spTree>
+    <p:extLst>
+      <p:ext uri="{BB962C8B-B14F-4D97-AF65-F5344CB8AC3E}">
+        <p14:creationId xmlns:p14="http://schemas.microsoft.com/office/powerpoint/2010/main" val="3770166412"/>
+      </p:ext>
+    </p:extLst>
+  </p:cSld>
+  <p:clrMapOvr>
+    <a:masterClrMapping/>
+  </p:clrMapOvr>
+  <mc:AlternateContent xmlns:mc="http://schemas.openxmlformats.org/markup-compatibility/2006" xmlns:p159="http://schemas.microsoft.com/office/powerpoint/2015/09/main">
+    <mc:Choice Requires="p159">
+      <p:transition xmlns:p14="http://schemas.microsoft.com/office/powerpoint/2010/main" spd="slow" p14:dur="2000">
+        <p159:morph option="byObject"/>
+      </p:transition>
+    </mc:Choice>
+    <mc:Fallback xmlns="">
+      <p:transition spd="slow">
+        <p:fade/>
+      </p:transition>
+    </mc:Fallback>
+  </mc:AlternateContent>
+</p:sld>
+</file>
+
+<file path=ppt/slides/slide14.xml><?xml version="1.0" encoding="utf-8"?>
+<p:sld xmlns:a="http://schemas.openxmlformats.org/drawingml/2006/main" xmlns:r="http://schemas.openxmlformats.org/officeDocument/2006/relationships" xmlns:p="http://schemas.openxmlformats.org/presentationml/2006/main">
+  <p:cSld>
+    <p:spTree>
+      <p:nvGrpSpPr>
+        <p:cNvPr id="1" name=""/>
+        <p:cNvGrpSpPr/>
+        <p:nvPr/>
+      </p:nvGrpSpPr>
+      <p:grpSpPr>
+        <a:xfrm>
+          <a:off x="0" y="0"/>
+          <a:ext cx="0" cy="0"/>
+          <a:chOff x="0" y="0"/>
+          <a:chExt cx="0" cy="0"/>
+        </a:xfrm>
+      </p:grpSpPr>
+      <p:pic>
+        <p:nvPicPr>
+          <p:cNvPr id="2" name="圖片 1" descr="一張含有 日本動畫, 服裝, 卡通, 圖解 的圖片&#10;&#10;自動產生的描述">
+            <a:extLst>
+              <a:ext uri="{FF2B5EF4-FFF2-40B4-BE49-F238E27FC236}">
+                <a16:creationId xmlns:a16="http://schemas.microsoft.com/office/drawing/2014/main" id="{FB8DA4DF-01D6-D9B4-2C3C-322A7D31584F}"/>
+              </a:ext>
+            </a:extLst>
+          </p:cNvPr>
+          <p:cNvPicPr>
+            <a:picLocks noChangeAspect="1"/>
+          </p:cNvPicPr>
+          <p:nvPr/>
+        </p:nvPicPr>
+        <p:blipFill>
+          <a:blip r:embed="rId2"/>
+          <a:stretch>
+            <a:fillRect/>
+          </a:stretch>
+        </p:blipFill>
+        <p:spPr>
+          <a:xfrm>
+            <a:off x="709774" y="457697"/>
+            <a:ext cx="4930678" cy="4930678"/>
+          </a:xfrm>
+          <a:prstGeom prst="rect">
+            <a:avLst/>
+          </a:prstGeom>
+        </p:spPr>
+      </p:pic>
+      <p:sp>
+        <p:nvSpPr>
+          <p:cNvPr id="3" name="標題 1">
+            <a:extLst>
+              <a:ext uri="{FF2B5EF4-FFF2-40B4-BE49-F238E27FC236}">
+                <a16:creationId xmlns:a16="http://schemas.microsoft.com/office/drawing/2014/main" id="{5ECEB067-9AF0-CFE0-D1F3-E2150A86A397}"/>
+              </a:ext>
+            </a:extLst>
+          </p:cNvPr>
+          <p:cNvSpPr>
+            <a:spLocks noGrp="1"/>
+          </p:cNvSpPr>
+          <p:nvPr/>
+        </p:nvSpPr>
+        <p:spPr>
+          <a:xfrm>
+            <a:off x="3048303" y="-568600"/>
+            <a:ext cx="9144000" cy="2387600"/>
+          </a:xfrm>
+          <a:prstGeom prst="rect">
+            <a:avLst/>
+          </a:prstGeom>
+        </p:spPr>
+        <p:txBody>
+          <a:bodyPr vert="horz" lIns="91440" tIns="45720" rIns="91440" bIns="45720" rtlCol="0" anchor="b">
+            <a:normAutofit/>
+          </a:bodyPr>
+          <a:lstStyle>
+            <a:lvl1pPr algn="ctr" defTabSz="914400" rtl="0" eaLnBrk="1" latinLnBrk="0" hangingPunct="1">
+              <a:lnSpc>
+                <a:spcPct val="100000"/>
+              </a:lnSpc>
+              <a:spcBef>
+                <a:spcPct val="0"/>
+              </a:spcBef>
+              <a:buNone/>
+              <a:defRPr sz="3600" kern="1200">
+                <a:solidFill>
+                  <a:schemeClr val="tx2"/>
+                </a:solidFill>
+                <a:latin typeface="+mj-lt"/>
+                <a:ea typeface="+mj-ea"/>
+                <a:cs typeface="+mj-cs"/>
+              </a:defRPr>
+            </a:lvl1pPr>
+          </a:lstStyle>
+          <a:p>
+            <a:r>
+              <a:rPr lang="zh-TW" altLang="en-US">
+                <a:ea typeface="+mj-lt"/>
+                <a:cs typeface="+mj-lt"/>
+              </a:rPr>
+              <a:t>6.</a:t>
+            </a:r>
+            <a:r>
+              <a:rPr lang="zh-TW">
+                <a:ea typeface="+mj-lt"/>
+                <a:cs typeface="+mj-lt"/>
+              </a:rPr>
+              <a:t>轉彎</a:t>
+            </a:r>
+            <a:br>
+              <a:rPr lang="zh-TW" altLang="en-US" dirty="0">
+                <a:ea typeface="+mj-lt"/>
+                <a:cs typeface="+mj-lt"/>
+              </a:rPr>
+            </a:br>
+            <a:endParaRPr lang="zh-TW" altLang="en-US" dirty="0">
+              <a:ea typeface="+mj-lt"/>
+              <a:cs typeface="+mj-lt"/>
+            </a:endParaRPr>
+          </a:p>
+        </p:txBody>
+      </p:sp>
+    </p:spTree>
+    <p:extLst>
+      <p:ext uri="{BB962C8B-B14F-4D97-AF65-F5344CB8AC3E}">
+        <p14:creationId xmlns:p14="http://schemas.microsoft.com/office/powerpoint/2010/main" val="1737569113"/>
+      </p:ext>
+    </p:extLst>
+  </p:cSld>
+  <p:clrMapOvr>
+    <a:masterClrMapping/>
+  </p:clrMapOvr>
+  <mc:AlternateContent xmlns:mc="http://schemas.openxmlformats.org/markup-compatibility/2006" xmlns:p159="http://schemas.microsoft.com/office/powerpoint/2015/09/main">
+    <mc:Choice Requires="p159">
+      <p:transition xmlns:p14="http://schemas.microsoft.com/office/powerpoint/2010/main" spd="slow" p14:dur="2000">
+        <p159:morph option="byObject"/>
+      </p:transition>
+    </mc:Choice>
+    <mc:Fallback xmlns="">
+      <p:transition spd="slow">
+        <p:fade/>
+      </p:transition>
+    </mc:Fallback>
+  </mc:AlternateContent>
+</p:sld>
+</file>
+
+<file path=ppt/slides/slide15.xml><?xml version="1.0" encoding="utf-8"?>
+<p:sld xmlns:a="http://schemas.openxmlformats.org/drawingml/2006/main" xmlns:r="http://schemas.openxmlformats.org/officeDocument/2006/relationships" xmlns:p="http://schemas.openxmlformats.org/presentationml/2006/main">
+  <p:cSld>
+    <p:spTree>
+      <p:nvGrpSpPr>
+        <p:cNvPr id="1" name=""/>
+        <p:cNvGrpSpPr/>
+        <p:nvPr/>
+      </p:nvGrpSpPr>
+      <p:grpSpPr>
+        <a:xfrm>
+          <a:off x="0" y="0"/>
+          <a:ext cx="0" cy="0"/>
+          <a:chOff x="0" y="0"/>
+          <a:chExt cx="0" cy="0"/>
+        </a:xfrm>
+      </p:grpSpPr>
+      <p:pic>
+        <p:nvPicPr>
+          <p:cNvPr id="2" name="圖片 1" descr="一張含有 日本動畫, 服裝, 卡通, 圖解 的圖片&#10;&#10;自動產生的描述">
+            <a:extLst>
+              <a:ext uri="{FF2B5EF4-FFF2-40B4-BE49-F238E27FC236}">
+                <a16:creationId xmlns:a16="http://schemas.microsoft.com/office/drawing/2014/main" id="{FB8DA4DF-01D6-D9B4-2C3C-322A7D31584F}"/>
+              </a:ext>
+            </a:extLst>
+          </p:cNvPr>
+          <p:cNvPicPr>
+            <a:picLocks noChangeAspect="1"/>
+          </p:cNvPicPr>
+          <p:nvPr/>
+        </p:nvPicPr>
+        <p:blipFill>
+          <a:blip r:embed="rId2"/>
+          <a:stretch>
+            <a:fillRect/>
+          </a:stretch>
+        </p:blipFill>
+        <p:spPr>
+          <a:xfrm>
+            <a:off x="205509" y="143933"/>
+            <a:ext cx="4930678" cy="4930678"/>
+          </a:xfrm>
+          <a:prstGeom prst="rect">
+            <a:avLst/>
+          </a:prstGeom>
+        </p:spPr>
+      </p:pic>
+      <p:pic>
+        <p:nvPicPr>
+          <p:cNvPr id="3" name="圖片 2" descr="一張含有 日本動畫, 卡通, 服裝, 人的臉孔 的圖片&#10;&#10;自動產生的描述">
+            <a:extLst>
+              <a:ext uri="{FF2B5EF4-FFF2-40B4-BE49-F238E27FC236}">
+                <a16:creationId xmlns:a16="http://schemas.microsoft.com/office/drawing/2014/main" id="{20779696-65BC-5F6A-9DC6-67A29ECB1992}"/>
+              </a:ext>
+            </a:extLst>
+          </p:cNvPr>
+          <p:cNvPicPr>
+            <a:picLocks noChangeAspect="1"/>
+          </p:cNvPicPr>
+          <p:nvPr/>
+        </p:nvPicPr>
+        <p:blipFill>
+          <a:blip r:embed="rId3"/>
+          <a:stretch>
+            <a:fillRect/>
+          </a:stretch>
+        </p:blipFill>
+        <p:spPr>
+          <a:xfrm>
+            <a:off x="1206115" y="1159933"/>
+            <a:ext cx="5238557" cy="5238557"/>
+          </a:xfrm>
+          <a:prstGeom prst="rect">
+            <a:avLst/>
+          </a:prstGeom>
+        </p:spPr>
+      </p:pic>
+      <p:sp>
+        <p:nvSpPr>
+          <p:cNvPr id="4" name="標題 1">
+            <a:extLst>
+              <a:ext uri="{FF2B5EF4-FFF2-40B4-BE49-F238E27FC236}">
+                <a16:creationId xmlns:a16="http://schemas.microsoft.com/office/drawing/2014/main" id="{E00A4C27-E4BD-08FE-8AE7-77242D0F4694}"/>
+              </a:ext>
+            </a:extLst>
+          </p:cNvPr>
+          <p:cNvSpPr>
+            <a:spLocks noGrp="1"/>
+          </p:cNvSpPr>
+          <p:nvPr/>
+        </p:nvSpPr>
+        <p:spPr>
+          <a:xfrm>
+            <a:off x="3048303" y="-366894"/>
+            <a:ext cx="9144000" cy="2387600"/>
+          </a:xfrm>
+          <a:prstGeom prst="rect">
+            <a:avLst/>
+          </a:prstGeom>
+        </p:spPr>
+        <p:txBody>
+          <a:bodyPr vert="horz" lIns="91440" tIns="45720" rIns="91440" bIns="45720" rtlCol="0" anchor="b">
+            <a:normAutofit/>
+          </a:bodyPr>
+          <a:lstStyle>
+            <a:lvl1pPr algn="ctr" defTabSz="914400" rtl="0" eaLnBrk="1" latinLnBrk="0" hangingPunct="1">
+              <a:lnSpc>
+                <a:spcPct val="100000"/>
+              </a:lnSpc>
+              <a:spcBef>
+                <a:spcPct val="0"/>
+              </a:spcBef>
+              <a:buNone/>
+              <a:defRPr sz="3600" kern="1200">
+                <a:solidFill>
+                  <a:schemeClr val="tx2"/>
+                </a:solidFill>
+                <a:latin typeface="+mj-lt"/>
+                <a:ea typeface="+mj-ea"/>
+                <a:cs typeface="+mj-cs"/>
+              </a:defRPr>
+            </a:lvl1pPr>
+          </a:lstStyle>
+          <a:p>
+            <a:r>
+              <a:rPr lang="zh-TW" altLang="en-US">
+                <a:ea typeface="+mj-lt"/>
+                <a:cs typeface="+mj-lt"/>
+              </a:rPr>
+              <a:t>6.</a:t>
+            </a:r>
+            <a:r>
+              <a:rPr lang="zh-TW">
+                <a:ea typeface="+mj-lt"/>
+                <a:cs typeface="+mj-lt"/>
+              </a:rPr>
+              <a:t>轉彎</a:t>
+            </a:r>
+            <a:br>
+              <a:rPr lang="zh-TW" altLang="en-US" dirty="0">
+                <a:ea typeface="+mj-lt"/>
+                <a:cs typeface="+mj-lt"/>
+              </a:rPr>
+            </a:br>
+            <a:endParaRPr lang="zh-TW" altLang="en-US" dirty="0">
+              <a:ea typeface="+mj-lt"/>
+              <a:cs typeface="+mj-lt"/>
+            </a:endParaRPr>
+          </a:p>
+        </p:txBody>
+      </p:sp>
+    </p:spTree>
+    <p:extLst>
+      <p:ext uri="{BB962C8B-B14F-4D97-AF65-F5344CB8AC3E}">
+        <p14:creationId xmlns:p14="http://schemas.microsoft.com/office/powerpoint/2010/main" val="24016718"/>
+      </p:ext>
+    </p:extLst>
+  </p:cSld>
+  <p:clrMapOvr>
+    <a:masterClrMapping/>
+  </p:clrMapOvr>
+  <mc:AlternateContent xmlns:mc="http://schemas.openxmlformats.org/markup-compatibility/2006" xmlns:p159="http://schemas.microsoft.com/office/powerpoint/2015/09/main">
+    <mc:Choice Requires="p159">
+      <p:transition xmlns:p14="http://schemas.microsoft.com/office/powerpoint/2010/main" spd="slow" p14:dur="2000">
+        <p159:morph option="byObject"/>
+      </p:transition>
+    </mc:Choice>
+    <mc:Fallback xmlns="">
+      <p:transition spd="slow">
+        <p:fade/>
+      </p:transition>
+    </mc:Fallback>
+  </mc:AlternateContent>
+</p:sld>
+</file>
+
+<file path=ppt/slides/slide16.xml><?xml version="1.0" encoding="utf-8"?>
+<p:sld xmlns:a="http://schemas.openxmlformats.org/drawingml/2006/main" xmlns:r="http://schemas.openxmlformats.org/officeDocument/2006/relationships" xmlns:p="http://schemas.openxmlformats.org/presentationml/2006/main">
+  <p:cSld>
+    <p:spTree>
+      <p:nvGrpSpPr>
+        <p:cNvPr id="1" name=""/>
+        <p:cNvGrpSpPr/>
+        <p:nvPr/>
+      </p:nvGrpSpPr>
+      <p:grpSpPr>
+        <a:xfrm>
+          <a:off x="0" y="0"/>
+          <a:ext cx="0" cy="0"/>
+          <a:chOff x="0" y="0"/>
+          <a:chExt cx="0" cy="0"/>
+        </a:xfrm>
+      </p:grpSpPr>
+      <p:pic>
+        <p:nvPicPr>
+          <p:cNvPr id="4" name="圖片 3" descr="一張含有 日本動畫, 服裝, 卡通, 天空 的圖片&#10;&#10;自動產生的描述">
+            <a:extLst>
+              <a:ext uri="{FF2B5EF4-FFF2-40B4-BE49-F238E27FC236}">
+                <a16:creationId xmlns:a16="http://schemas.microsoft.com/office/drawing/2014/main" id="{65D72326-CE8D-2BF2-0CE0-850776EDD935}"/>
+              </a:ext>
+            </a:extLst>
+          </p:cNvPr>
+          <p:cNvPicPr>
+            <a:picLocks noChangeAspect="1"/>
+          </p:cNvPicPr>
+          <p:nvPr/>
+        </p:nvPicPr>
+        <p:blipFill>
+          <a:blip r:embed="rId2"/>
+          <a:stretch>
+            <a:fillRect/>
+          </a:stretch>
+        </p:blipFill>
+        <p:spPr>
+          <a:xfrm>
+            <a:off x="313267" y="236297"/>
+            <a:ext cx="6008254" cy="6008254"/>
+          </a:xfrm>
+          <a:prstGeom prst="rect">
+            <a:avLst/>
+          </a:prstGeom>
+        </p:spPr>
+      </p:pic>
+      <p:sp>
+        <p:nvSpPr>
+          <p:cNvPr id="2" name="標題 1">
+            <a:extLst>
+              <a:ext uri="{FF2B5EF4-FFF2-40B4-BE49-F238E27FC236}">
+                <a16:creationId xmlns:a16="http://schemas.microsoft.com/office/drawing/2014/main" id="{ADB4CB83-BEFB-19B5-7C71-4FD6FD9DC07D}"/>
+              </a:ext>
+            </a:extLst>
+          </p:cNvPr>
+          <p:cNvSpPr txBox="1">
+            <a:spLocks/>
+          </p:cNvSpPr>
+          <p:nvPr/>
+        </p:nvSpPr>
+        <p:spPr>
+          <a:xfrm>
+            <a:off x="6761750" y="-775394"/>
+            <a:ext cx="9144000" cy="2387600"/>
+          </a:xfrm>
+          <a:prstGeom prst="rect">
+            <a:avLst/>
+          </a:prstGeom>
+        </p:spPr>
+        <p:txBody>
+          <a:bodyPr vert="horz" lIns="91440" tIns="45720" rIns="91440" bIns="45720" rtlCol="0" anchor="b">
+            <a:normAutofit/>
+          </a:bodyPr>
+          <a:lstStyle>
+            <a:defPPr>
+              <a:defRPr lang="zh-TW"/>
+            </a:defPPr>
+            <a:lvl1pPr marL="0" algn="l" defTabSz="914400" rtl="0" eaLnBrk="1" latinLnBrk="0" hangingPunct="1">
+              <a:defRPr sz="1800" kern="1200">
+                <a:solidFill>
+                  <a:schemeClr val="tx1"/>
+                </a:solidFill>
+                <a:latin typeface="+mn-lt"/>
+                <a:ea typeface="+mn-ea"/>
+                <a:cs typeface="+mn-cs"/>
+              </a:defRPr>
+            </a:lvl1pPr>
+            <a:lvl2pPr marL="457200" algn="l" defTabSz="914400" rtl="0" eaLnBrk="1" latinLnBrk="0" hangingPunct="1">
+              <a:defRPr sz="1800" kern="1200">
+                <a:solidFill>
+                  <a:schemeClr val="tx1"/>
+                </a:solidFill>
+                <a:latin typeface="+mn-lt"/>
+                <a:ea typeface="+mn-ea"/>
+                <a:cs typeface="+mn-cs"/>
+              </a:defRPr>
+            </a:lvl2pPr>
+            <a:lvl3pPr marL="914400" algn="l" defTabSz="914400" rtl="0" eaLnBrk="1" latinLnBrk="0" hangingPunct="1">
+              <a:defRPr sz="1800" kern="1200">
+                <a:solidFill>
+                  <a:schemeClr val="tx1"/>
+                </a:solidFill>
+                <a:latin typeface="+mn-lt"/>
+                <a:ea typeface="+mn-ea"/>
+                <a:cs typeface="+mn-cs"/>
+              </a:defRPr>
+            </a:lvl3pPr>
+            <a:lvl4pPr marL="1371600" algn="l" defTabSz="914400" rtl="0" eaLnBrk="1" latinLnBrk="0" hangingPunct="1">
+              <a:defRPr sz="1800" kern="1200">
+                <a:solidFill>
+                  <a:schemeClr val="tx1"/>
+                </a:solidFill>
+                <a:latin typeface="+mn-lt"/>
+                <a:ea typeface="+mn-ea"/>
+                <a:cs typeface="+mn-cs"/>
+              </a:defRPr>
+            </a:lvl4pPr>
+            <a:lvl5pPr marL="1828800" algn="l" defTabSz="914400" rtl="0" eaLnBrk="1" latinLnBrk="0" hangingPunct="1">
+              <a:defRPr sz="1800" kern="1200">
+                <a:solidFill>
+                  <a:schemeClr val="tx1"/>
+                </a:solidFill>
+                <a:latin typeface="+mn-lt"/>
+                <a:ea typeface="+mn-ea"/>
+                <a:cs typeface="+mn-cs"/>
+              </a:defRPr>
+            </a:lvl5pPr>
+            <a:lvl6pPr marL="2286000" algn="l" defTabSz="914400" rtl="0" eaLnBrk="1" latinLnBrk="0" hangingPunct="1">
+              <a:defRPr sz="1800" kern="1200">
+                <a:solidFill>
+                  <a:schemeClr val="tx1"/>
+                </a:solidFill>
+                <a:latin typeface="+mn-lt"/>
+                <a:ea typeface="+mn-ea"/>
+                <a:cs typeface="+mn-cs"/>
+              </a:defRPr>
+            </a:lvl6pPr>
+            <a:lvl7pPr marL="2743200" algn="l" defTabSz="914400" rtl="0" eaLnBrk="1" latinLnBrk="0" hangingPunct="1">
+              <a:defRPr sz="1800" kern="1200">
+                <a:solidFill>
+                  <a:schemeClr val="tx1"/>
+                </a:solidFill>
+                <a:latin typeface="+mn-lt"/>
+                <a:ea typeface="+mn-ea"/>
+                <a:cs typeface="+mn-cs"/>
+              </a:defRPr>
+            </a:lvl7pPr>
+            <a:lvl8pPr marL="3200400" algn="l" defTabSz="914400" rtl="0" eaLnBrk="1" latinLnBrk="0" hangingPunct="1">
+              <a:defRPr sz="1800" kern="1200">
+                <a:solidFill>
+                  <a:schemeClr val="tx1"/>
+                </a:solidFill>
+                <a:latin typeface="+mn-lt"/>
+                <a:ea typeface="+mn-ea"/>
+                <a:cs typeface="+mn-cs"/>
+              </a:defRPr>
+            </a:lvl8pPr>
+            <a:lvl9pPr marL="3657600" algn="l" defTabSz="914400" rtl="0" eaLnBrk="1" latinLnBrk="0" hangingPunct="1">
+              <a:defRPr sz="1800" kern="1200">
+                <a:solidFill>
+                  <a:schemeClr val="tx1"/>
+                </a:solidFill>
+                <a:latin typeface="+mn-lt"/>
+                <a:ea typeface="+mn-ea"/>
+                <a:cs typeface="+mn-cs"/>
+              </a:defRPr>
+            </a:lvl9pPr>
+          </a:lstStyle>
+          <a:p>
+            <a:r>
+              <a:rPr lang="en-US" altLang="zh-TW" sz="3200" dirty="0">
+                <a:ea typeface="+mj-lt"/>
+                <a:cs typeface="+mj-lt"/>
+              </a:rPr>
+              <a:t>7.</a:t>
+            </a:r>
+            <a:r>
+              <a:rPr lang="zh-TW" altLang="en-US" sz="3200">
+                <a:ea typeface="+mj-lt"/>
+                <a:cs typeface="+mj-lt"/>
+              </a:rPr>
+              <a:t>結局</a:t>
+            </a:r>
+            <a:br>
+              <a:rPr lang="en-US" altLang="zh-TW" sz="3200" dirty="0">
+                <a:ea typeface="+mj-lt"/>
+                <a:cs typeface="+mj-lt"/>
+              </a:rPr>
+            </a:br>
+            <a:endParaRPr lang="en-US" altLang="zh-TW" sz="3200" dirty="0">
+              <a:ea typeface="+mj-lt"/>
+              <a:cs typeface="+mj-lt"/>
+            </a:endParaRPr>
+          </a:p>
+        </p:txBody>
+      </p:sp>
+    </p:spTree>
+    <p:extLst>
+      <p:ext uri="{BB962C8B-B14F-4D97-AF65-F5344CB8AC3E}">
+        <p14:creationId xmlns:p14="http://schemas.microsoft.com/office/powerpoint/2010/main" val="2945652258"/>
+      </p:ext>
+    </p:extLst>
+  </p:cSld>
+  <p:clrMapOvr>
+    <a:masterClrMapping/>
+  </p:clrMapOvr>
+  <mc:AlternateContent xmlns:mc="http://schemas.openxmlformats.org/markup-compatibility/2006" xmlns:p159="http://schemas.microsoft.com/office/powerpoint/2015/09/main">
+    <mc:Choice Requires="p159">
+      <p:transition xmlns:p14="http://schemas.microsoft.com/office/powerpoint/2010/main" spd="slow" p14:dur="2000">
+        <p159:morph option="byObject"/>
+      </p:transition>
+    </mc:Choice>
+    <mc:Fallback xmlns="">
+      <p:transition spd="slow">
+        <p:fade/>
+      </p:transition>
+    </mc:Fallback>
+  </mc:AlternateContent>
+</p:sld>
+</file>
+
+<file path=ppt/slides/slide17.xml><?xml version="1.0" encoding="utf-8"?>
+<p:sld xmlns:a="http://schemas.openxmlformats.org/drawingml/2006/main" xmlns:r="http://schemas.openxmlformats.org/officeDocument/2006/relationships" xmlns:p="http://schemas.openxmlformats.org/presentationml/2006/main">
+  <p:cSld>
+    <p:spTree>
+      <p:nvGrpSpPr>
+        <p:cNvPr id="1" name=""/>
+        <p:cNvGrpSpPr/>
+        <p:nvPr/>
+      </p:nvGrpSpPr>
+      <p:grpSpPr>
+        <a:xfrm>
+          <a:off x="0" y="0"/>
+          <a:ext cx="0" cy="0"/>
+          <a:chOff x="0" y="0"/>
+          <a:chExt cx="0" cy="0"/>
+        </a:xfrm>
+      </p:grpSpPr>
+      <p:pic>
+        <p:nvPicPr>
+          <p:cNvPr id="4" name="圖片 3" descr="一張含有 日本動畫, 服裝, 卡通, 天空 的圖片&#10;&#10;自動產生的描述">
+            <a:extLst>
+              <a:ext uri="{FF2B5EF4-FFF2-40B4-BE49-F238E27FC236}">
+                <a16:creationId xmlns:a16="http://schemas.microsoft.com/office/drawing/2014/main" id="{65D72326-CE8D-2BF2-0CE0-850776EDD935}"/>
+              </a:ext>
+            </a:extLst>
+          </p:cNvPr>
+          <p:cNvPicPr>
+            <a:picLocks noChangeAspect="1"/>
+          </p:cNvPicPr>
+          <p:nvPr/>
+        </p:nvPicPr>
+        <p:blipFill>
+          <a:blip r:embed="rId2"/>
+          <a:stretch>
+            <a:fillRect/>
+          </a:stretch>
+        </p:blipFill>
+        <p:spPr>
+          <a:xfrm>
+            <a:off x="313267" y="236297"/>
+            <a:ext cx="6008254" cy="6008254"/>
+          </a:xfrm>
+          <a:prstGeom prst="rect">
+            <a:avLst/>
+          </a:prstGeom>
+        </p:spPr>
+      </p:pic>
+      <p:pic>
+        <p:nvPicPr>
+          <p:cNvPr id="5" name="圖片 4" descr="一張含有 日本動畫, 服裝, 人員, 卡通 的圖片&#10;&#10;自動產生的描述">
+            <a:extLst>
+              <a:ext uri="{FF2B5EF4-FFF2-40B4-BE49-F238E27FC236}">
+                <a16:creationId xmlns:a16="http://schemas.microsoft.com/office/drawing/2014/main" id="{10E3413E-253C-9361-5A8E-4A1E6E204850}"/>
+              </a:ext>
+            </a:extLst>
+          </p:cNvPr>
+          <p:cNvPicPr>
+            <a:picLocks noChangeAspect="1"/>
+          </p:cNvPicPr>
+          <p:nvPr/>
+        </p:nvPicPr>
+        <p:blipFill>
+          <a:blip r:embed="rId3"/>
+          <a:stretch>
+            <a:fillRect/>
+          </a:stretch>
+        </p:blipFill>
+        <p:spPr>
+          <a:xfrm>
+            <a:off x="1259994" y="744297"/>
+            <a:ext cx="5977466" cy="5931284"/>
+          </a:xfrm>
+          <a:prstGeom prst="rect">
+            <a:avLst/>
+          </a:prstGeom>
+        </p:spPr>
+      </p:pic>
+      <p:sp>
+        <p:nvSpPr>
+          <p:cNvPr id="3" name="標題 1">
+            <a:extLst>
+              <a:ext uri="{FF2B5EF4-FFF2-40B4-BE49-F238E27FC236}">
+                <a16:creationId xmlns:a16="http://schemas.microsoft.com/office/drawing/2014/main" id="{B4FA9954-3AB6-1395-38AB-E29C4E154A89}"/>
+              </a:ext>
+            </a:extLst>
+          </p:cNvPr>
+          <p:cNvSpPr txBox="1">
+            <a:spLocks/>
+          </p:cNvSpPr>
+          <p:nvPr/>
+        </p:nvSpPr>
+        <p:spPr>
+          <a:xfrm>
+            <a:off x="7624603" y="-674541"/>
+            <a:ext cx="9144000" cy="2387600"/>
+          </a:xfrm>
+          <a:prstGeom prst="rect">
+            <a:avLst/>
+          </a:prstGeom>
+        </p:spPr>
+        <p:txBody>
+          <a:bodyPr vert="horz" lIns="91440" tIns="45720" rIns="91440" bIns="45720" rtlCol="0" anchor="b">
+            <a:normAutofit/>
+          </a:bodyPr>
+          <a:lstStyle>
+            <a:defPPr>
+              <a:defRPr lang="zh-TW"/>
+            </a:defPPr>
+            <a:lvl1pPr marL="0" algn="l" defTabSz="914400" rtl="0" eaLnBrk="1" latinLnBrk="0" hangingPunct="1">
+              <a:defRPr sz="1800" kern="1200">
+                <a:solidFill>
+                  <a:schemeClr val="tx1"/>
+                </a:solidFill>
+                <a:latin typeface="+mn-lt"/>
+                <a:ea typeface="+mn-ea"/>
+                <a:cs typeface="+mn-cs"/>
+              </a:defRPr>
+            </a:lvl1pPr>
+            <a:lvl2pPr marL="457200" algn="l" defTabSz="914400" rtl="0" eaLnBrk="1" latinLnBrk="0" hangingPunct="1">
+              <a:defRPr sz="1800" kern="1200">
+                <a:solidFill>
+                  <a:schemeClr val="tx1"/>
+                </a:solidFill>
+                <a:latin typeface="+mn-lt"/>
+                <a:ea typeface="+mn-ea"/>
+                <a:cs typeface="+mn-cs"/>
+              </a:defRPr>
+            </a:lvl2pPr>
+            <a:lvl3pPr marL="914400" algn="l" defTabSz="914400" rtl="0" eaLnBrk="1" latinLnBrk="0" hangingPunct="1">
+              <a:defRPr sz="1800" kern="1200">
+                <a:solidFill>
+                  <a:schemeClr val="tx1"/>
+                </a:solidFill>
+                <a:latin typeface="+mn-lt"/>
+                <a:ea typeface="+mn-ea"/>
+                <a:cs typeface="+mn-cs"/>
+              </a:defRPr>
+            </a:lvl3pPr>
+            <a:lvl4pPr marL="1371600" algn="l" defTabSz="914400" rtl="0" eaLnBrk="1" latinLnBrk="0" hangingPunct="1">
+              <a:defRPr sz="1800" kern="1200">
+                <a:solidFill>
+                  <a:schemeClr val="tx1"/>
+                </a:solidFill>
+                <a:latin typeface="+mn-lt"/>
+                <a:ea typeface="+mn-ea"/>
+                <a:cs typeface="+mn-cs"/>
+              </a:defRPr>
+            </a:lvl4pPr>
+            <a:lvl5pPr marL="1828800" algn="l" defTabSz="914400" rtl="0" eaLnBrk="1" latinLnBrk="0" hangingPunct="1">
+              <a:defRPr sz="1800" kern="1200">
+                <a:solidFill>
+                  <a:schemeClr val="tx1"/>
+                </a:solidFill>
+                <a:latin typeface="+mn-lt"/>
+                <a:ea typeface="+mn-ea"/>
+                <a:cs typeface="+mn-cs"/>
+              </a:defRPr>
+            </a:lvl5pPr>
+            <a:lvl6pPr marL="2286000" algn="l" defTabSz="914400" rtl="0" eaLnBrk="1" latinLnBrk="0" hangingPunct="1">
+              <a:defRPr sz="1800" kern="1200">
+                <a:solidFill>
+                  <a:schemeClr val="tx1"/>
+                </a:solidFill>
+                <a:latin typeface="+mn-lt"/>
+                <a:ea typeface="+mn-ea"/>
+                <a:cs typeface="+mn-cs"/>
+              </a:defRPr>
+            </a:lvl6pPr>
+            <a:lvl7pPr marL="2743200" algn="l" defTabSz="914400" rtl="0" eaLnBrk="1" latinLnBrk="0" hangingPunct="1">
+              <a:defRPr sz="1800" kern="1200">
+                <a:solidFill>
+                  <a:schemeClr val="tx1"/>
+                </a:solidFill>
+                <a:latin typeface="+mn-lt"/>
+                <a:ea typeface="+mn-ea"/>
+                <a:cs typeface="+mn-cs"/>
+              </a:defRPr>
+            </a:lvl7pPr>
+            <a:lvl8pPr marL="3200400" algn="l" defTabSz="914400" rtl="0" eaLnBrk="1" latinLnBrk="0" hangingPunct="1">
+              <a:defRPr sz="1800" kern="1200">
+                <a:solidFill>
+                  <a:schemeClr val="tx1"/>
+                </a:solidFill>
+                <a:latin typeface="+mn-lt"/>
+                <a:ea typeface="+mn-ea"/>
+                <a:cs typeface="+mn-cs"/>
+              </a:defRPr>
+            </a:lvl8pPr>
+            <a:lvl9pPr marL="3657600" algn="l" defTabSz="914400" rtl="0" eaLnBrk="1" latinLnBrk="0" hangingPunct="1">
+              <a:defRPr sz="1800" kern="1200">
+                <a:solidFill>
+                  <a:schemeClr val="tx1"/>
+                </a:solidFill>
+                <a:latin typeface="+mn-lt"/>
+                <a:ea typeface="+mn-ea"/>
+                <a:cs typeface="+mn-cs"/>
+              </a:defRPr>
+            </a:lvl9pPr>
+          </a:lstStyle>
+          <a:p>
+            <a:r>
+              <a:rPr lang="en-US" altLang="zh-TW" sz="3200" dirty="0">
+                <a:ea typeface="+mj-lt"/>
+                <a:cs typeface="+mj-lt"/>
+              </a:rPr>
+              <a:t>7.</a:t>
+            </a:r>
+            <a:r>
+              <a:rPr lang="zh-TW" altLang="en-US" sz="3200">
+                <a:ea typeface="+mj-lt"/>
+                <a:cs typeface="+mj-lt"/>
+              </a:rPr>
+              <a:t>結局</a:t>
+            </a:r>
+            <a:br>
+              <a:rPr lang="en-US" altLang="zh-TW" sz="3200" dirty="0">
+                <a:ea typeface="+mj-lt"/>
+                <a:cs typeface="+mj-lt"/>
+              </a:rPr>
+            </a:br>
+            <a:endParaRPr lang="en-US" altLang="zh-TW" sz="3200" dirty="0">
+              <a:ea typeface="+mj-lt"/>
+              <a:cs typeface="+mj-lt"/>
+            </a:endParaRPr>
+          </a:p>
+        </p:txBody>
+      </p:sp>
+    </p:spTree>
+    <p:extLst>
+      <p:ext uri="{BB962C8B-B14F-4D97-AF65-F5344CB8AC3E}">
+        <p14:creationId xmlns:p14="http://schemas.microsoft.com/office/powerpoint/2010/main" val="1333559215"/>
+      </p:ext>
+    </p:extLst>
+  </p:cSld>
+  <p:clrMapOvr>
+    <a:masterClrMapping/>
+  </p:clrMapOvr>
+  <mc:AlternateContent xmlns:mc="http://schemas.openxmlformats.org/markup-compatibility/2006" xmlns:p159="http://schemas.microsoft.com/office/powerpoint/2015/09/main">
+    <mc:Choice Requires="p159">
+      <p:transition xmlns:p14="http://schemas.microsoft.com/office/powerpoint/2010/main" spd="slow" p14:dur="2000">
+        <p159:morph option="byObject"/>
+      </p:transition>
+    </mc:Choice>
+    <mc:Fallback xmlns="">
+      <p:transition spd="slow">
+        <p:fade/>
+      </p:transition>
+    </mc:Fallback>
+  </mc:AlternateContent>
+</p:sld>
+</file>
+
+<file path=ppt/slides/slide18.xml><?xml version="1.0" encoding="utf-8"?>
+<p:sld xmlns:a="http://schemas.openxmlformats.org/drawingml/2006/main" xmlns:r="http://schemas.openxmlformats.org/officeDocument/2006/relationships" xmlns:p="http://schemas.openxmlformats.org/presentationml/2006/main">
+  <p:cSld>
+    <p:spTree>
+      <p:nvGrpSpPr>
+        <p:cNvPr id="1" name=""/>
+        <p:cNvGrpSpPr/>
+        <p:nvPr/>
+      </p:nvGrpSpPr>
+      <p:grpSpPr>
+        <a:xfrm>
+          <a:off x="0" y="0"/>
+          <a:ext cx="0" cy="0"/>
+          <a:chOff x="0" y="0"/>
+          <a:chExt cx="0" cy="0"/>
+        </a:xfrm>
+      </p:grpSpPr>
+      <p:pic>
+        <p:nvPicPr>
+          <p:cNvPr id="4" name="圖片 3" descr="一張含有 日本動畫, 服裝, 卡通, 天空 的圖片&#10;&#10;自動產生的描述">
+            <a:extLst>
+              <a:ext uri="{FF2B5EF4-FFF2-40B4-BE49-F238E27FC236}">
+                <a16:creationId xmlns:a16="http://schemas.microsoft.com/office/drawing/2014/main" id="{65D72326-CE8D-2BF2-0CE0-850776EDD935}"/>
+              </a:ext>
+            </a:extLst>
+          </p:cNvPr>
+          <p:cNvPicPr>
+            <a:picLocks noChangeAspect="1"/>
+          </p:cNvPicPr>
+          <p:nvPr/>
+        </p:nvPicPr>
+        <p:blipFill>
+          <a:blip r:embed="rId2"/>
+          <a:stretch>
+            <a:fillRect/>
+          </a:stretch>
+        </p:blipFill>
+        <p:spPr>
+          <a:xfrm>
+            <a:off x="313267" y="236297"/>
+            <a:ext cx="6008254" cy="6008254"/>
+          </a:xfrm>
+          <a:prstGeom prst="rect">
+            <a:avLst/>
+          </a:prstGeom>
+        </p:spPr>
+      </p:pic>
+      <p:pic>
+        <p:nvPicPr>
+          <p:cNvPr id="5" name="圖片 4" descr="一張含有 日本動畫, 服裝, 人員, 卡通 的圖片&#10;&#10;自動產生的描述">
+            <a:extLst>
+              <a:ext uri="{FF2B5EF4-FFF2-40B4-BE49-F238E27FC236}">
+                <a16:creationId xmlns:a16="http://schemas.microsoft.com/office/drawing/2014/main" id="{10E3413E-253C-9361-5A8E-4A1E6E204850}"/>
+              </a:ext>
+            </a:extLst>
+          </p:cNvPr>
+          <p:cNvPicPr>
+            <a:picLocks noChangeAspect="1"/>
+          </p:cNvPicPr>
+          <p:nvPr/>
+        </p:nvPicPr>
+        <p:blipFill>
+          <a:blip r:embed="rId3"/>
+          <a:stretch>
+            <a:fillRect/>
+          </a:stretch>
+        </p:blipFill>
+        <p:spPr>
+          <a:xfrm>
+            <a:off x="1259994" y="744297"/>
+            <a:ext cx="5977466" cy="5931284"/>
+          </a:xfrm>
+          <a:prstGeom prst="rect">
+            <a:avLst/>
+          </a:prstGeom>
+        </p:spPr>
+      </p:pic>
+      <p:pic>
+        <p:nvPicPr>
+          <p:cNvPr id="2" name="圖片 1" descr="一張含有 日本動畫, 人的臉孔, 服裝, 卡通 的圖片&#10;&#10;自動產生的描述">
+            <a:extLst>
+              <a:ext uri="{FF2B5EF4-FFF2-40B4-BE49-F238E27FC236}">
+                <a16:creationId xmlns:a16="http://schemas.microsoft.com/office/drawing/2014/main" id="{EDC783DE-96E8-EA87-8F8F-AC23890DE04B}"/>
+              </a:ext>
+            </a:extLst>
+          </p:cNvPr>
+          <p:cNvPicPr>
+            <a:picLocks noChangeAspect="1"/>
+          </p:cNvPicPr>
+          <p:nvPr/>
+        </p:nvPicPr>
+        <p:blipFill>
+          <a:blip r:embed="rId4"/>
+          <a:stretch>
+            <a:fillRect/>
+          </a:stretch>
+        </p:blipFill>
+        <p:spPr>
+          <a:xfrm>
+            <a:off x="2450893" y="1192852"/>
+            <a:ext cx="5654193" cy="5623406"/>
+          </a:xfrm>
+          <a:prstGeom prst="rect">
+            <a:avLst/>
+          </a:prstGeom>
+        </p:spPr>
+      </p:pic>
+      <p:sp>
+        <p:nvSpPr>
+          <p:cNvPr id="6" name="標題 1">
+            <a:extLst>
+              <a:ext uri="{FF2B5EF4-FFF2-40B4-BE49-F238E27FC236}">
+                <a16:creationId xmlns:a16="http://schemas.microsoft.com/office/drawing/2014/main" id="{0CDC00BD-5656-640D-7C65-74F0F7F5C2B5}"/>
+              </a:ext>
+            </a:extLst>
+          </p:cNvPr>
+          <p:cNvSpPr txBox="1">
+            <a:spLocks/>
+          </p:cNvSpPr>
+          <p:nvPr/>
+        </p:nvSpPr>
+        <p:spPr>
+          <a:xfrm>
+            <a:off x="8565897" y="-786600"/>
+            <a:ext cx="9144000" cy="2387600"/>
+          </a:xfrm>
+          <a:prstGeom prst="rect">
+            <a:avLst/>
+          </a:prstGeom>
+        </p:spPr>
+        <p:txBody>
+          <a:bodyPr vert="horz" lIns="91440" tIns="45720" rIns="91440" bIns="45720" rtlCol="0" anchor="b">
+            <a:normAutofit/>
+          </a:bodyPr>
+          <a:lstStyle>
+            <a:defPPr>
+              <a:defRPr lang="zh-TW"/>
+            </a:defPPr>
+            <a:lvl1pPr marL="0" algn="l" defTabSz="914400" rtl="0" eaLnBrk="1" latinLnBrk="0" hangingPunct="1">
+              <a:defRPr sz="1800" kern="1200">
+                <a:solidFill>
+                  <a:schemeClr val="tx1"/>
+                </a:solidFill>
+                <a:latin typeface="+mn-lt"/>
+                <a:ea typeface="+mn-ea"/>
+                <a:cs typeface="+mn-cs"/>
+              </a:defRPr>
+            </a:lvl1pPr>
+            <a:lvl2pPr marL="457200" algn="l" defTabSz="914400" rtl="0" eaLnBrk="1" latinLnBrk="0" hangingPunct="1">
+              <a:defRPr sz="1800" kern="1200">
+                <a:solidFill>
+                  <a:schemeClr val="tx1"/>
+                </a:solidFill>
+                <a:latin typeface="+mn-lt"/>
+                <a:ea typeface="+mn-ea"/>
+                <a:cs typeface="+mn-cs"/>
+              </a:defRPr>
+            </a:lvl2pPr>
+            <a:lvl3pPr marL="914400" algn="l" defTabSz="914400" rtl="0" eaLnBrk="1" latinLnBrk="0" hangingPunct="1">
+              <a:defRPr sz="1800" kern="1200">
+                <a:solidFill>
+                  <a:schemeClr val="tx1"/>
+                </a:solidFill>
+                <a:latin typeface="+mn-lt"/>
+                <a:ea typeface="+mn-ea"/>
+                <a:cs typeface="+mn-cs"/>
+              </a:defRPr>
+            </a:lvl3pPr>
+            <a:lvl4pPr marL="1371600" algn="l" defTabSz="914400" rtl="0" eaLnBrk="1" latinLnBrk="0" hangingPunct="1">
+              <a:defRPr sz="1800" kern="1200">
+                <a:solidFill>
+                  <a:schemeClr val="tx1"/>
+                </a:solidFill>
+                <a:latin typeface="+mn-lt"/>
+                <a:ea typeface="+mn-ea"/>
+                <a:cs typeface="+mn-cs"/>
+              </a:defRPr>
+            </a:lvl4pPr>
+            <a:lvl5pPr marL="1828800" algn="l" defTabSz="914400" rtl="0" eaLnBrk="1" latinLnBrk="0" hangingPunct="1">
+              <a:defRPr sz="1800" kern="1200">
+                <a:solidFill>
+                  <a:schemeClr val="tx1"/>
+                </a:solidFill>
+                <a:latin typeface="+mn-lt"/>
+                <a:ea typeface="+mn-ea"/>
+                <a:cs typeface="+mn-cs"/>
+              </a:defRPr>
+            </a:lvl5pPr>
+            <a:lvl6pPr marL="2286000" algn="l" defTabSz="914400" rtl="0" eaLnBrk="1" latinLnBrk="0" hangingPunct="1">
+              <a:defRPr sz="1800" kern="1200">
+                <a:solidFill>
+                  <a:schemeClr val="tx1"/>
+                </a:solidFill>
+                <a:latin typeface="+mn-lt"/>
+                <a:ea typeface="+mn-ea"/>
+                <a:cs typeface="+mn-cs"/>
+              </a:defRPr>
+            </a:lvl6pPr>
+            <a:lvl7pPr marL="2743200" algn="l" defTabSz="914400" rtl="0" eaLnBrk="1" latinLnBrk="0" hangingPunct="1">
+              <a:defRPr sz="1800" kern="1200">
+                <a:solidFill>
+                  <a:schemeClr val="tx1"/>
+                </a:solidFill>
+                <a:latin typeface="+mn-lt"/>
+                <a:ea typeface="+mn-ea"/>
+                <a:cs typeface="+mn-cs"/>
+              </a:defRPr>
+            </a:lvl7pPr>
+            <a:lvl8pPr marL="3200400" algn="l" defTabSz="914400" rtl="0" eaLnBrk="1" latinLnBrk="0" hangingPunct="1">
+              <a:defRPr sz="1800" kern="1200">
+                <a:solidFill>
+                  <a:schemeClr val="tx1"/>
+                </a:solidFill>
+                <a:latin typeface="+mn-lt"/>
+                <a:ea typeface="+mn-ea"/>
+                <a:cs typeface="+mn-cs"/>
+              </a:defRPr>
+            </a:lvl8pPr>
+            <a:lvl9pPr marL="3657600" algn="l" defTabSz="914400" rtl="0" eaLnBrk="1" latinLnBrk="0" hangingPunct="1">
+              <a:defRPr sz="1800" kern="1200">
+                <a:solidFill>
+                  <a:schemeClr val="tx1"/>
+                </a:solidFill>
+                <a:latin typeface="+mn-lt"/>
+                <a:ea typeface="+mn-ea"/>
+                <a:cs typeface="+mn-cs"/>
+              </a:defRPr>
+            </a:lvl9pPr>
+          </a:lstStyle>
+          <a:p>
+            <a:r>
+              <a:rPr lang="en-US" altLang="zh-TW" sz="3200" dirty="0">
+                <a:ea typeface="+mj-lt"/>
+                <a:cs typeface="+mj-lt"/>
+              </a:rPr>
+              <a:t>7.</a:t>
+            </a:r>
+            <a:r>
+              <a:rPr lang="zh-TW" altLang="en-US" sz="3200">
+                <a:ea typeface="+mj-lt"/>
+                <a:cs typeface="+mj-lt"/>
+              </a:rPr>
+              <a:t>結局</a:t>
+            </a:r>
+            <a:br>
+              <a:rPr lang="en-US" altLang="zh-TW" sz="3200" dirty="0">
+                <a:ea typeface="+mj-lt"/>
+                <a:cs typeface="+mj-lt"/>
+              </a:rPr>
+            </a:br>
+            <a:endParaRPr lang="en-US" altLang="zh-TW" sz="3200" dirty="0">
+              <a:ea typeface="+mj-lt"/>
+              <a:cs typeface="+mj-lt"/>
+            </a:endParaRPr>
+          </a:p>
+        </p:txBody>
+      </p:sp>
+    </p:spTree>
+    <p:extLst>
+      <p:ext uri="{BB962C8B-B14F-4D97-AF65-F5344CB8AC3E}">
+        <p14:creationId xmlns:p14="http://schemas.microsoft.com/office/powerpoint/2010/main" val="1786779419"/>
+      </p:ext>
+    </p:extLst>
+  </p:cSld>
+  <p:clrMapOvr>
+    <a:masterClrMapping/>
+  </p:clrMapOvr>
+  <mc:AlternateContent xmlns:mc="http://schemas.openxmlformats.org/markup-compatibility/2006" xmlns:p159="http://schemas.microsoft.com/office/powerpoint/2015/09/main">
+    <mc:Choice Requires="p159">
+      <p:transition xmlns:p14="http://schemas.microsoft.com/office/powerpoint/2010/main" spd="slow" p14:dur="2000">
+        <p159:morph option="byObject"/>
+      </p:transition>
+    </mc:Choice>
+    <mc:Fallback xmlns="">
+      <p:transition spd="slow">
+        <p:fade/>
+      </p:transition>
+    </mc:Fallback>
+  </mc:AlternateContent>
+</p:sld>
+</file>
+
+<file path=ppt/slides/slide2.xml><?xml version="1.0" encoding="utf-8"?>
+<p:sld xmlns:a="http://schemas.openxmlformats.org/drawingml/2006/main" xmlns:r="http://schemas.openxmlformats.org/officeDocument/2006/relationships" xmlns:p="http://schemas.openxmlformats.org/presentationml/2006/main">
+  <p:cSld>
+    <p:spTree>
+      <p:nvGrpSpPr>
+        <p:cNvPr id="1" name=""/>
+        <p:cNvGrpSpPr/>
+        <p:nvPr/>
+      </p:nvGrpSpPr>
+      <p:grpSpPr>
+        <a:xfrm>
+          <a:off x="0" y="0"/>
+          <a:ext cx="0" cy="0"/>
+          <a:chOff x="0" y="0"/>
+          <a:chExt cx="0" cy="0"/>
+        </a:xfrm>
+      </p:grpSpPr>
+      <p:sp>
+        <p:nvSpPr>
+          <p:cNvPr id="2" name="標題 1"/>
+          <p:cNvSpPr>
+            <a:spLocks noGrp="1"/>
+          </p:cNvSpPr>
+          <p:nvPr>
+            <p:ph type="ctrTitle"/>
+          </p:nvPr>
+        </p:nvSpPr>
+        <p:spPr>
+          <a:xfrm>
+            <a:off x="555942" y="-284315"/>
+            <a:ext cx="9144000" cy="2387600"/>
+          </a:xfrm>
+        </p:spPr>
+        <p:txBody>
+          <a:bodyPr/>
+          <a:lstStyle/>
+          <a:p>
+            <a:r>
+              <a:rPr lang="en-US" dirty="0" err="1">
+                <a:ea typeface="+mj-lt"/>
+                <a:cs typeface="+mj-lt"/>
+              </a:rPr>
+              <a:t>目標</a:t>
+            </a:r>
+            <a:br>
+              <a:rPr lang="zh-TW" altLang="en-US" dirty="0">
+                <a:ea typeface="+mj-lt"/>
+                <a:cs typeface="+mj-lt"/>
+              </a:rPr>
+            </a:br>
+            <a:endParaRPr lang="en-US" altLang="zh-TW" sz="4000">
+              <a:ea typeface="新細明體"/>
+            </a:endParaRPr>
+          </a:p>
+        </p:txBody>
+      </p:sp>
+    </p:spTree>
+    <p:extLst>
+      <p:ext uri="{BB962C8B-B14F-4D97-AF65-F5344CB8AC3E}">
+        <p14:creationId xmlns:p14="http://schemas.microsoft.com/office/powerpoint/2010/main" val="2343483689"/>
+      </p:ext>
+    </p:extLst>
+  </p:cSld>
+  <p:clrMapOvr>
+    <a:masterClrMapping/>
+  </p:clrMapOvr>
+  <mc:AlternateContent xmlns:mc="http://schemas.openxmlformats.org/markup-compatibility/2006" xmlns:p159="http://schemas.microsoft.com/office/powerpoint/2015/09/main">
+    <mc:Choice Requires="p159">
+      <p:transition xmlns:p14="http://schemas.microsoft.com/office/powerpoint/2010/main" spd="slow" p14:dur="2000">
+        <p159:morph option="byObject"/>
+      </p:transition>
+    </mc:Choice>
+    <mc:Fallback xmlns="">
+      <p:transition spd="slow">
+        <p:fade/>
+      </p:transition>
+    </mc:Fallback>
+  </mc:AlternateContent>
+</p:sld>
+</file>
+
+<file path=ppt/slides/slide3.xml><?xml version="1.0" encoding="utf-8"?>
+<p:sld xmlns:a="http://schemas.openxmlformats.org/drawingml/2006/main" xmlns:r="http://schemas.openxmlformats.org/officeDocument/2006/relationships" xmlns:p="http://schemas.openxmlformats.org/presentationml/2006/main">
+  <p:cSld>
+    <p:spTree>
+      <p:nvGrpSpPr>
+        <p:cNvPr id="1" name=""/>
+        <p:cNvGrpSpPr/>
+        <p:nvPr/>
+      </p:nvGrpSpPr>
+      <p:grpSpPr>
+        <a:xfrm>
+          <a:off x="0" y="0"/>
+          <a:ext cx="0" cy="0"/>
+          <a:chOff x="0" y="0"/>
+          <a:chExt cx="0" cy="0"/>
+        </a:xfrm>
+      </p:grpSpPr>
+      <p:sp>
+        <p:nvSpPr>
+          <p:cNvPr id="2" name="標題 1"/>
+          <p:cNvSpPr>
+            <a:spLocks noGrp="1"/>
+          </p:cNvSpPr>
+          <p:nvPr>
+            <p:ph type="ctrTitle"/>
+          </p:nvPr>
+        </p:nvSpPr>
+        <p:spPr>
+          <a:xfrm>
+            <a:off x="555942" y="-284315"/>
+            <a:ext cx="9144000" cy="2387600"/>
+          </a:xfrm>
+        </p:spPr>
+        <p:txBody>
+          <a:bodyPr/>
+          <a:lstStyle/>
+          <a:p>
+            <a:r>
+              <a:rPr lang="en-US" dirty="0" err="1">
+                <a:ea typeface="+mj-lt"/>
+                <a:cs typeface="+mj-lt"/>
+              </a:rPr>
+              <a:t>目標</a:t>
+            </a:r>
+            <a:br>
+              <a:rPr lang="zh-TW" altLang="en-US" dirty="0">
+                <a:ea typeface="+mj-lt"/>
+                <a:cs typeface="+mj-lt"/>
+              </a:rPr>
+            </a:br>
+            <a:endParaRPr lang="en-US" altLang="zh-TW" sz="4000">
+              <a:ea typeface="新細明體"/>
+            </a:endParaRPr>
+          </a:p>
+        </p:txBody>
+      </p:sp>
+      <p:pic>
+        <p:nvPicPr>
+          <p:cNvPr id="3" name="圖片 2" descr="一張含有 服裝, 日本動畫, 人員, 卡通 的圖片&#10;&#10;自動產生的描述">
+            <a:extLst>
+              <a:ext uri="{FF2B5EF4-FFF2-40B4-BE49-F238E27FC236}">
+                <a16:creationId xmlns:a16="http://schemas.microsoft.com/office/drawing/2014/main" id="{9FE556BD-8BF8-A4E8-D022-B7C7D19B5022}"/>
+              </a:ext>
+            </a:extLst>
+          </p:cNvPr>
+          <p:cNvPicPr>
+            <a:picLocks noChangeAspect="1"/>
+          </p:cNvPicPr>
+          <p:nvPr/>
+        </p:nvPicPr>
+        <p:blipFill>
+          <a:blip r:embed="rId2"/>
+          <a:stretch>
+            <a:fillRect/>
+          </a:stretch>
+        </p:blipFill>
+        <p:spPr>
+          <a:xfrm>
+            <a:off x="557573" y="-2374"/>
+            <a:ext cx="6862618" cy="6862618"/>
+          </a:xfrm>
+          <a:prstGeom prst="rect">
+            <a:avLst/>
+          </a:prstGeom>
+        </p:spPr>
+      </p:pic>
+      <p:sp>
+        <p:nvSpPr>
+          <p:cNvPr id="5" name="標題 1">
+            <a:extLst>
+              <a:ext uri="{FF2B5EF4-FFF2-40B4-BE49-F238E27FC236}">
+                <a16:creationId xmlns:a16="http://schemas.microsoft.com/office/drawing/2014/main" id="{0200D1DC-0CF5-7C66-9BA5-A92F0435138F}"/>
+              </a:ext>
+            </a:extLst>
+          </p:cNvPr>
+          <p:cNvSpPr txBox="1">
+            <a:spLocks/>
+          </p:cNvSpPr>
+          <p:nvPr/>
+        </p:nvSpPr>
+        <p:spPr>
+          <a:xfrm>
+            <a:off x="7812871" y="-165533"/>
+            <a:ext cx="9144000" cy="2387600"/>
+          </a:xfrm>
+          <a:prstGeom prst="rect">
+            <a:avLst/>
+          </a:prstGeom>
+        </p:spPr>
+        <p:txBody>
+          <a:bodyPr vert="horz" lIns="91440" tIns="27432" rIns="91440" bIns="45720" rtlCol="0" anchor="b">
+            <a:normAutofit/>
+          </a:bodyPr>
+          <a:lstStyle>
+            <a:lvl1pPr algn="l" defTabSz="914400" rtl="0" eaLnBrk="1" latinLnBrk="0" hangingPunct="1">
+              <a:lnSpc>
+                <a:spcPct val="85000"/>
+              </a:lnSpc>
+              <a:spcBef>
+                <a:spcPct val="0"/>
+              </a:spcBef>
+              <a:buNone/>
+              <a:defRPr sz="7200" b="1" kern="1200" spc="-50" baseline="0">
+                <a:solidFill>
+                  <a:schemeClr val="tx1"/>
+                </a:solidFill>
+                <a:latin typeface="+mj-lt"/>
+                <a:ea typeface="+mj-ea"/>
+                <a:cs typeface="+mj-cs"/>
+              </a:defRPr>
+            </a:lvl1pPr>
+          </a:lstStyle>
+          <a:p>
+            <a:r>
+              <a:rPr lang="en-US" dirty="0" err="1">
+                <a:ea typeface="+mj-lt"/>
+                <a:cs typeface="+mj-lt"/>
+              </a:rPr>
+              <a:t>目標</a:t>
+            </a:r>
+            <a:br>
+              <a:rPr lang="zh-TW" altLang="en-US" dirty="0">
+                <a:ea typeface="+mj-lt"/>
+                <a:cs typeface="+mj-lt"/>
+              </a:rPr>
+            </a:br>
+            <a:endParaRPr lang="en-US" altLang="zh-TW" sz="4000">
+              <a:ea typeface="新細明體"/>
+            </a:endParaRPr>
+          </a:p>
+        </p:txBody>
+      </p:sp>
+    </p:spTree>
+    <p:extLst>
+      <p:ext uri="{BB962C8B-B14F-4D97-AF65-F5344CB8AC3E}">
+        <p14:creationId xmlns:p14="http://schemas.microsoft.com/office/powerpoint/2010/main" val="1244778996"/>
+      </p:ext>
+    </p:extLst>
+  </p:cSld>
+  <p:clrMapOvr>
+    <a:masterClrMapping/>
+  </p:clrMapOvr>
+  <mc:AlternateContent xmlns:mc="http://schemas.openxmlformats.org/markup-compatibility/2006" xmlns:p159="http://schemas.microsoft.com/office/powerpoint/2015/09/main">
+    <mc:Choice Requires="p159">
+      <p:transition xmlns:p14="http://schemas.microsoft.com/office/powerpoint/2010/main" spd="slow" p14:dur="2000">
+        <p159:morph option="byObject"/>
+      </p:transition>
+    </mc:Choice>
+    <mc:Fallback xmlns="">
+      <p:transition spd="slow">
+        <p:fade/>
+      </p:transition>
+    </mc:Fallback>
+  </mc:AlternateContent>
+</p:sld>
+</file>
+
+<file path=ppt/slides/slide4.xml><?xml version="1.0" encoding="utf-8"?>
+<p:sld xmlns:a="http://schemas.openxmlformats.org/drawingml/2006/main" xmlns:r="http://schemas.openxmlformats.org/officeDocument/2006/relationships" xmlns:p="http://schemas.openxmlformats.org/presentationml/2006/main">
+  <p:cSld>
+    <p:spTree>
+      <p:nvGrpSpPr>
+        <p:cNvPr id="1" name=""/>
+        <p:cNvGrpSpPr/>
+        <p:nvPr/>
+      </p:nvGrpSpPr>
+      <p:grpSpPr>
+        <a:xfrm>
+          <a:off x="0" y="0"/>
+          <a:ext cx="0" cy="0"/>
+          <a:chOff x="0" y="0"/>
+          <a:chExt cx="0" cy="0"/>
+        </a:xfrm>
+      </p:grpSpPr>
+      <p:sp>
+        <p:nvSpPr>
+          <p:cNvPr id="2" name="標題 1"/>
+          <p:cNvSpPr>
+            <a:spLocks noGrp="1"/>
+          </p:cNvSpPr>
+          <p:nvPr>
+            <p:ph type="ctrTitle"/>
+          </p:nvPr>
+        </p:nvSpPr>
+        <p:spPr>
+          <a:xfrm>
+            <a:off x="555942" y="-284315"/>
+            <a:ext cx="9144000" cy="2387600"/>
+          </a:xfrm>
+        </p:spPr>
+        <p:txBody>
+          <a:bodyPr/>
+          <a:lstStyle/>
+          <a:p>
+            <a:r>
+              <a:rPr lang="en-US" dirty="0" err="1">
+                <a:ea typeface="+mj-lt"/>
+                <a:cs typeface="+mj-lt"/>
+              </a:rPr>
+              <a:t>目標</a:t>
+            </a:r>
+            <a:br>
+              <a:rPr lang="zh-TW" altLang="en-US" dirty="0">
+                <a:ea typeface="+mj-lt"/>
+                <a:cs typeface="+mj-lt"/>
+              </a:rPr>
+            </a:br>
+            <a:endParaRPr lang="en-US" altLang="zh-TW" sz="4000">
+              <a:ea typeface="新細明體"/>
+            </a:endParaRPr>
+          </a:p>
+        </p:txBody>
+      </p:sp>
+      <p:pic>
+        <p:nvPicPr>
+          <p:cNvPr id="4" name="圖片 3" descr="一張含有 日本動畫, 卡通, 服裝, 人員 的圖片&#10;&#10;自動產生的描述">
+            <a:extLst>
+              <a:ext uri="{FF2B5EF4-FFF2-40B4-BE49-F238E27FC236}">
+                <a16:creationId xmlns:a16="http://schemas.microsoft.com/office/drawing/2014/main" id="{23D51733-BC12-491F-0051-CE8798500E3F}"/>
+              </a:ext>
+            </a:extLst>
+          </p:cNvPr>
+          <p:cNvPicPr>
+            <a:picLocks noChangeAspect="1"/>
+          </p:cNvPicPr>
+          <p:nvPr/>
+        </p:nvPicPr>
+        <p:blipFill>
+          <a:blip r:embed="rId2"/>
+          <a:stretch>
+            <a:fillRect/>
+          </a:stretch>
+        </p:blipFill>
+        <p:spPr>
+          <a:xfrm>
+            <a:off x="174721" y="-2309"/>
+            <a:ext cx="6885709" cy="6878012"/>
+          </a:xfrm>
+          <a:prstGeom prst="rect">
+            <a:avLst/>
+          </a:prstGeom>
+        </p:spPr>
+      </p:pic>
+      <p:sp>
+        <p:nvSpPr>
+          <p:cNvPr id="5" name="標題 1">
+            <a:extLst>
+              <a:ext uri="{FF2B5EF4-FFF2-40B4-BE49-F238E27FC236}">
+                <a16:creationId xmlns:a16="http://schemas.microsoft.com/office/drawing/2014/main" id="{BE56CBBB-BDE0-456D-3AEF-8A92004D1AEF}"/>
+              </a:ext>
+            </a:extLst>
+          </p:cNvPr>
+          <p:cNvSpPr txBox="1">
+            <a:spLocks/>
+          </p:cNvSpPr>
+          <p:nvPr/>
+        </p:nvSpPr>
+        <p:spPr>
+          <a:xfrm>
+            <a:off x="8238695" y="-131915"/>
+            <a:ext cx="9144000" cy="2387600"/>
+          </a:xfrm>
+          <a:prstGeom prst="rect">
+            <a:avLst/>
+          </a:prstGeom>
+        </p:spPr>
+        <p:txBody>
+          <a:bodyPr vert="horz" lIns="91440" tIns="27432" rIns="91440" bIns="45720" rtlCol="0" anchor="b">
+            <a:normAutofit/>
+          </a:bodyPr>
+          <a:lstStyle>
+            <a:lvl1pPr algn="l" defTabSz="914400" rtl="0" eaLnBrk="1" latinLnBrk="0" hangingPunct="1">
+              <a:lnSpc>
+                <a:spcPct val="85000"/>
+              </a:lnSpc>
+              <a:spcBef>
+                <a:spcPct val="0"/>
+              </a:spcBef>
+              <a:buNone/>
+              <a:defRPr sz="7200" b="1" kern="1200" spc="-50" baseline="0">
+                <a:solidFill>
+                  <a:schemeClr val="tx1"/>
+                </a:solidFill>
+                <a:latin typeface="+mj-lt"/>
+                <a:ea typeface="+mj-ea"/>
+                <a:cs typeface="+mj-cs"/>
+              </a:defRPr>
+            </a:lvl1pPr>
+          </a:lstStyle>
+          <a:p>
+            <a:r>
+              <a:rPr lang="en-US" dirty="0" err="1">
+                <a:ea typeface="+mj-lt"/>
+                <a:cs typeface="+mj-lt"/>
+              </a:rPr>
+              <a:t>目標</a:t>
+            </a:r>
+            <a:br>
+              <a:rPr lang="zh-TW" altLang="en-US" dirty="0">
+                <a:ea typeface="+mj-lt"/>
+                <a:cs typeface="+mj-lt"/>
+              </a:rPr>
+            </a:br>
+            <a:endParaRPr lang="en-US" altLang="zh-TW" sz="4000">
+              <a:ea typeface="新細明體"/>
+            </a:endParaRPr>
+          </a:p>
+        </p:txBody>
+      </p:sp>
+    </p:spTree>
+    <p:extLst>
+      <p:ext uri="{BB962C8B-B14F-4D97-AF65-F5344CB8AC3E}">
+        <p14:creationId xmlns:p14="http://schemas.microsoft.com/office/powerpoint/2010/main" val="2531793505"/>
+      </p:ext>
+    </p:extLst>
+  </p:cSld>
+  <p:clrMapOvr>
+    <a:masterClrMapping/>
+  </p:clrMapOvr>
+  <mc:AlternateContent xmlns:mc="http://schemas.openxmlformats.org/markup-compatibility/2006" xmlns:p159="http://schemas.microsoft.com/office/powerpoint/2015/09/main">
+    <mc:Choice Requires="p159">
+      <p:transition xmlns:p14="http://schemas.microsoft.com/office/powerpoint/2010/main" spd="slow" p14:dur="2000">
+        <p159:morph option="byObject"/>
+      </p:transition>
+    </mc:Choice>
+    <mc:Fallback xmlns="">
+      <p:transition spd="slow">
+        <p:fade/>
+      </p:transition>
+    </mc:Fallback>
+  </mc:AlternateContent>
+</p:sld>
+</file>
+
+<file path=ppt/slides/slide5.xml><?xml version="1.0" encoding="utf-8"?>
+<p:sld xmlns:a="http://schemas.openxmlformats.org/drawingml/2006/main" xmlns:r="http://schemas.openxmlformats.org/officeDocument/2006/relationships" xmlns:p="http://schemas.openxmlformats.org/presentationml/2006/main">
+  <p:cSld>
+    <p:spTree>
+      <p:nvGrpSpPr>
+        <p:cNvPr id="1" name=""/>
+        <p:cNvGrpSpPr/>
+        <p:nvPr/>
+      </p:nvGrpSpPr>
+      <p:grpSpPr>
+        <a:xfrm>
+          <a:off x="0" y="0"/>
+          <a:ext cx="0" cy="0"/>
+          <a:chOff x="0" y="0"/>
+          <a:chExt cx="0" cy="0"/>
+        </a:xfrm>
+      </p:grpSpPr>
+      <p:sp>
+        <p:nvSpPr>
+          <p:cNvPr id="2" name="標題 1"/>
+          <p:cNvSpPr>
+            <a:spLocks noGrp="1"/>
+          </p:cNvSpPr>
+          <p:nvPr>
+            <p:ph type="ctrTitle"/>
+          </p:nvPr>
+        </p:nvSpPr>
+        <p:spPr>
+          <a:xfrm>
+            <a:off x="555942" y="-284315"/>
+            <a:ext cx="9144000" cy="2387600"/>
+          </a:xfrm>
+        </p:spPr>
+        <p:txBody>
+          <a:bodyPr/>
+          <a:lstStyle/>
+          <a:p>
+            <a:r>
+              <a:rPr lang="en-US" dirty="0" err="1">
+                <a:ea typeface="+mj-lt"/>
+                <a:cs typeface="+mj-lt"/>
+              </a:rPr>
+              <a:t>目標</a:t>
+            </a:r>
+            <a:br>
+              <a:rPr lang="zh-TW" altLang="en-US" dirty="0">
+                <a:ea typeface="+mj-lt"/>
+                <a:cs typeface="+mj-lt"/>
+              </a:rPr>
+            </a:br>
+            <a:endParaRPr lang="en-US" altLang="zh-TW" sz="4000">
+              <a:ea typeface="新細明體"/>
+            </a:endParaRPr>
+          </a:p>
+        </p:txBody>
+      </p:sp>
+      <p:pic>
+        <p:nvPicPr>
+          <p:cNvPr id="3" name="圖片 2" descr="一張含有 日本動畫, 卡通, 漫畫, 人的臉孔 的圖片&#10;&#10;自動產生的描述">
+            <a:extLst>
+              <a:ext uri="{FF2B5EF4-FFF2-40B4-BE49-F238E27FC236}">
+                <a16:creationId xmlns:a16="http://schemas.microsoft.com/office/drawing/2014/main" id="{BAFEEE64-E20D-19A3-A14D-FC24DD1D253A}"/>
+              </a:ext>
+            </a:extLst>
+          </p:cNvPr>
+          <p:cNvPicPr>
+            <a:picLocks noChangeAspect="1"/>
+          </p:cNvPicPr>
+          <p:nvPr/>
+        </p:nvPicPr>
+        <p:blipFill>
+          <a:blip r:embed="rId2"/>
+          <a:stretch>
+            <a:fillRect/>
+          </a:stretch>
+        </p:blipFill>
+        <p:spPr>
+          <a:xfrm>
+            <a:off x="-2309" y="-2308"/>
+            <a:ext cx="6762557" cy="6816435"/>
+          </a:xfrm>
+          <a:prstGeom prst="rect">
+            <a:avLst/>
+          </a:prstGeom>
+        </p:spPr>
+      </p:pic>
+      <p:sp>
+        <p:nvSpPr>
+          <p:cNvPr id="5" name="標題 1">
+            <a:extLst>
+              <a:ext uri="{FF2B5EF4-FFF2-40B4-BE49-F238E27FC236}">
+                <a16:creationId xmlns:a16="http://schemas.microsoft.com/office/drawing/2014/main" id="{FECD6A78-234E-3A76-494F-C927BE211A89}"/>
+              </a:ext>
+            </a:extLst>
+          </p:cNvPr>
+          <p:cNvSpPr txBox="1">
+            <a:spLocks/>
+          </p:cNvSpPr>
+          <p:nvPr/>
+        </p:nvSpPr>
+        <p:spPr>
+          <a:xfrm>
+            <a:off x="6759518" y="-98297"/>
+            <a:ext cx="9144000" cy="2387600"/>
+          </a:xfrm>
+          <a:prstGeom prst="rect">
+            <a:avLst/>
+          </a:prstGeom>
+        </p:spPr>
+        <p:txBody>
+          <a:bodyPr vert="horz" lIns="91440" tIns="27432" rIns="91440" bIns="45720" rtlCol="0" anchor="b">
+            <a:normAutofit/>
+          </a:bodyPr>
+          <a:lstStyle>
+            <a:lvl1pPr algn="l" defTabSz="914400" rtl="0" eaLnBrk="1" latinLnBrk="0" hangingPunct="1">
+              <a:lnSpc>
+                <a:spcPct val="85000"/>
+              </a:lnSpc>
+              <a:spcBef>
+                <a:spcPct val="0"/>
+              </a:spcBef>
+              <a:buNone/>
+              <a:defRPr sz="7200" b="1" kern="1200" spc="-50" baseline="0">
+                <a:solidFill>
+                  <a:schemeClr val="tx1"/>
+                </a:solidFill>
+                <a:latin typeface="+mj-lt"/>
+                <a:ea typeface="+mj-ea"/>
+                <a:cs typeface="+mj-cs"/>
+              </a:defRPr>
+            </a:lvl1pPr>
+          </a:lstStyle>
+          <a:p>
+            <a:r>
+              <a:rPr lang="en-US" dirty="0" err="1">
+                <a:ea typeface="+mj-lt"/>
+                <a:cs typeface="+mj-lt"/>
+              </a:rPr>
+              <a:t>目標</a:t>
+            </a:r>
+            <a:br>
+              <a:rPr lang="zh-TW" altLang="en-US" dirty="0">
+                <a:ea typeface="+mj-lt"/>
+                <a:cs typeface="+mj-lt"/>
+              </a:rPr>
+            </a:br>
+            <a:endParaRPr lang="en-US" altLang="zh-TW" sz="4000">
+              <a:ea typeface="新細明體"/>
+            </a:endParaRPr>
+          </a:p>
+        </p:txBody>
+      </p:sp>
+    </p:spTree>
+    <p:extLst>
+      <p:ext uri="{BB962C8B-B14F-4D97-AF65-F5344CB8AC3E}">
+        <p14:creationId xmlns:p14="http://schemas.microsoft.com/office/powerpoint/2010/main" val="850277877"/>
+      </p:ext>
+    </p:extLst>
+  </p:cSld>
+  <p:clrMapOvr>
+    <a:masterClrMapping/>
+  </p:clrMapOvr>
+  <mc:AlternateContent xmlns:mc="http://schemas.openxmlformats.org/markup-compatibility/2006" xmlns:p159="http://schemas.microsoft.com/office/powerpoint/2015/09/main">
+    <mc:Choice Requires="p159">
+      <p:transition xmlns:p14="http://schemas.microsoft.com/office/powerpoint/2010/main" spd="slow" p14:dur="2000">
+        <p159:morph option="byObject"/>
+      </p:transition>
+    </mc:Choice>
+    <mc:Fallback xmlns="">
+      <p:transition spd="slow">
+        <p:fade/>
+      </p:transition>
+    </mc:Fallback>
+  </mc:AlternateContent>
+</p:sld>
+</file>
+
+<file path=ppt/slides/slide6.xml><?xml version="1.0" encoding="utf-8"?>
+<p:sld xmlns:a="http://schemas.openxmlformats.org/drawingml/2006/main" xmlns:r="http://schemas.openxmlformats.org/officeDocument/2006/relationships" xmlns:p="http://schemas.openxmlformats.org/presentationml/2006/main">
+  <p:cSld>
+    <p:spTree>
+      <p:nvGrpSpPr>
+        <p:cNvPr id="1" name=""/>
+        <p:cNvGrpSpPr/>
+        <p:nvPr/>
+      </p:nvGrpSpPr>
+      <p:grpSpPr>
+        <a:xfrm>
+          <a:off x="0" y="0"/>
+          <a:ext cx="0" cy="0"/>
+          <a:chOff x="0" y="0"/>
+          <a:chExt cx="0" cy="0"/>
+        </a:xfrm>
+      </p:grpSpPr>
+      <p:sp>
+        <p:nvSpPr>
+          <p:cNvPr id="2" name="標題 1"/>
+          <p:cNvSpPr>
+            <a:spLocks noGrp="1"/>
+          </p:cNvSpPr>
+          <p:nvPr>
+            <p:ph type="ctrTitle"/>
+          </p:nvPr>
+        </p:nvSpPr>
+        <p:spPr>
+          <a:xfrm>
+            <a:off x="555942" y="-284315"/>
+            <a:ext cx="9144000" cy="2387600"/>
+          </a:xfrm>
+        </p:spPr>
+        <p:txBody>
+          <a:bodyPr/>
+          <a:lstStyle/>
+          <a:p>
+            <a:r>
+              <a:rPr lang="en-US" dirty="0" err="1">
+                <a:ea typeface="+mj-lt"/>
+                <a:cs typeface="+mj-lt"/>
+              </a:rPr>
+              <a:t>目標</a:t>
+            </a:r>
+            <a:br>
+              <a:rPr lang="zh-TW" altLang="en-US" dirty="0">
+                <a:ea typeface="+mj-lt"/>
+                <a:cs typeface="+mj-lt"/>
+              </a:rPr>
+            </a:br>
+            <a:endParaRPr lang="en-US" altLang="zh-TW" sz="4000">
+              <a:ea typeface="新細明體"/>
+            </a:endParaRPr>
+          </a:p>
+        </p:txBody>
+      </p:sp>
+      <p:pic>
+        <p:nvPicPr>
+          <p:cNvPr id="4" name="圖片 3" descr="一張含有 日本動畫, 服裝, 卡通, 人的臉孔 的圖片&#10;&#10;自動產生的描述">
+            <a:extLst>
+              <a:ext uri="{FF2B5EF4-FFF2-40B4-BE49-F238E27FC236}">
+                <a16:creationId xmlns:a16="http://schemas.microsoft.com/office/drawing/2014/main" id="{678FBAFF-E1A0-46E0-9B4B-06C48B295805}"/>
+              </a:ext>
+            </a:extLst>
+          </p:cNvPr>
+          <p:cNvPicPr>
+            <a:picLocks noChangeAspect="1"/>
+          </p:cNvPicPr>
+          <p:nvPr/>
+        </p:nvPicPr>
+        <p:blipFill>
+          <a:blip r:embed="rId2"/>
+          <a:stretch>
+            <a:fillRect/>
+          </a:stretch>
+        </p:blipFill>
+        <p:spPr>
+          <a:xfrm>
+            <a:off x="-2309" y="-2309"/>
+            <a:ext cx="6808739" cy="6839527"/>
+          </a:xfrm>
+          <a:prstGeom prst="rect">
+            <a:avLst/>
+          </a:prstGeom>
+        </p:spPr>
+      </p:pic>
+      <p:sp>
+        <p:nvSpPr>
+          <p:cNvPr id="3" name="標題 1">
+            <a:extLst>
+              <a:ext uri="{FF2B5EF4-FFF2-40B4-BE49-F238E27FC236}">
+                <a16:creationId xmlns:a16="http://schemas.microsoft.com/office/drawing/2014/main" id="{E639C1C8-815E-8445-E0C2-AF9FA33FBC21}"/>
+              </a:ext>
+            </a:extLst>
+          </p:cNvPr>
+          <p:cNvSpPr>
+            <a:spLocks noGrp="1"/>
+          </p:cNvSpPr>
+          <p:nvPr/>
+        </p:nvSpPr>
+        <p:spPr>
+          <a:xfrm>
+            <a:off x="4347277" y="-1482637"/>
+            <a:ext cx="9144000" cy="2387600"/>
+          </a:xfrm>
+          <a:prstGeom prst="rect">
+            <a:avLst/>
+          </a:prstGeom>
+        </p:spPr>
+        <p:txBody>
+          <a:bodyPr vert="horz" lIns="91440" tIns="45720" rIns="91440" bIns="45720" rtlCol="0" anchor="b">
+            <a:normAutofit/>
+          </a:bodyPr>
+          <a:lstStyle>
+            <a:lvl1pPr algn="ctr" defTabSz="914400" rtl="0" eaLnBrk="1" latinLnBrk="0" hangingPunct="1">
+              <a:lnSpc>
+                <a:spcPct val="100000"/>
+              </a:lnSpc>
+              <a:spcBef>
+                <a:spcPct val="0"/>
+              </a:spcBef>
+              <a:buNone/>
+              <a:defRPr sz="3600" kern="1200">
+                <a:solidFill>
+                  <a:schemeClr val="tx2"/>
+                </a:solidFill>
+                <a:latin typeface="+mj-lt"/>
+                <a:ea typeface="+mj-ea"/>
+                <a:cs typeface="+mj-cs"/>
+              </a:defRPr>
+            </a:lvl1pPr>
+          </a:lstStyle>
+          <a:p>
+            <a:r>
+              <a:rPr lang="zh-TW" altLang="en-US">
+                <a:ea typeface="+mj-lt"/>
+                <a:cs typeface="+mj-lt"/>
+              </a:rPr>
+              <a:t>2.阻礙</a:t>
+            </a:r>
+            <a:endParaRPr lang="en-US" altLang="zh-TW" sz="4000">
+              <a:ea typeface="新細明體"/>
+            </a:endParaRPr>
+          </a:p>
+        </p:txBody>
+      </p:sp>
+    </p:spTree>
+    <p:extLst>
+      <p:ext uri="{BB962C8B-B14F-4D97-AF65-F5344CB8AC3E}">
+        <p14:creationId xmlns:p14="http://schemas.microsoft.com/office/powerpoint/2010/main" val="2185450865"/>
+      </p:ext>
+    </p:extLst>
+  </p:cSld>
+  <p:clrMapOvr>
+    <a:masterClrMapping/>
+  </p:clrMapOvr>
+  <mc:AlternateContent xmlns:mc="http://schemas.openxmlformats.org/markup-compatibility/2006" xmlns:p159="http://schemas.microsoft.com/office/powerpoint/2015/09/main">
+    <mc:Choice Requires="p159">
+      <p:transition xmlns:p14="http://schemas.microsoft.com/office/powerpoint/2010/main" spd="slow" p14:dur="2000">
+        <p159:morph option="byObject"/>
+      </p:transition>
+    </mc:Choice>
+    <mc:Fallback xmlns="">
+      <p:transition spd="slow">
+        <p:fade/>
+      </p:transition>
+    </mc:Fallback>
+  </mc:AlternateContent>
+</p:sld>
+</file>
+
+<file path=ppt/slides/slide7.xml><?xml version="1.0" encoding="utf-8"?>
+<p:sld xmlns:a="http://schemas.openxmlformats.org/drawingml/2006/main" xmlns:r="http://schemas.openxmlformats.org/officeDocument/2006/relationships" xmlns:p="http://schemas.openxmlformats.org/presentationml/2006/main">
+  <p:cSld>
+    <p:spTree>
+      <p:nvGrpSpPr>
+        <p:cNvPr id="1" name=""/>
+        <p:cNvGrpSpPr/>
+        <p:nvPr/>
+      </p:nvGrpSpPr>
+      <p:grpSpPr>
+        <a:xfrm>
+          <a:off x="0" y="0"/>
+          <a:ext cx="0" cy="0"/>
+          <a:chOff x="0" y="0"/>
+          <a:chExt cx="0" cy="0"/>
+        </a:xfrm>
+      </p:grpSpPr>
+      <p:sp>
+        <p:nvSpPr>
+          <p:cNvPr id="2" name="標題 1"/>
+          <p:cNvSpPr>
+            <a:spLocks noGrp="1"/>
+          </p:cNvSpPr>
+          <p:nvPr>
+            <p:ph type="ctrTitle"/>
+          </p:nvPr>
+        </p:nvSpPr>
+        <p:spPr>
+          <a:xfrm>
+            <a:off x="555942" y="-284315"/>
+            <a:ext cx="9144000" cy="2387600"/>
+          </a:xfrm>
+        </p:spPr>
+        <p:txBody>
+          <a:bodyPr/>
+          <a:lstStyle/>
+          <a:p>
+            <a:r>
+              <a:rPr lang="en-US" dirty="0" err="1">
+                <a:ea typeface="+mj-lt"/>
+                <a:cs typeface="+mj-lt"/>
+              </a:rPr>
+              <a:t>目標</a:t>
+            </a:r>
+            <a:br>
+              <a:rPr lang="zh-TW" altLang="en-US" dirty="0">
+                <a:ea typeface="+mj-lt"/>
+                <a:cs typeface="+mj-lt"/>
+              </a:rPr>
+            </a:br>
+            <a:endParaRPr lang="en-US" altLang="zh-TW" sz="4000">
+              <a:ea typeface="新細明體"/>
+            </a:endParaRPr>
+          </a:p>
+        </p:txBody>
+      </p:sp>
+      <p:pic>
+        <p:nvPicPr>
+          <p:cNvPr id="4" name="圖片 3" descr="一張含有 日本動畫, 服裝, 卡通, 人的臉孔 的圖片&#10;&#10;自動產生的描述">
+            <a:extLst>
+              <a:ext uri="{FF2B5EF4-FFF2-40B4-BE49-F238E27FC236}">
+                <a16:creationId xmlns:a16="http://schemas.microsoft.com/office/drawing/2014/main" id="{678FBAFF-E1A0-46E0-9B4B-06C48B295805}"/>
+              </a:ext>
+            </a:extLst>
+          </p:cNvPr>
+          <p:cNvPicPr>
+            <a:picLocks noChangeAspect="1"/>
+          </p:cNvPicPr>
+          <p:nvPr/>
+        </p:nvPicPr>
+        <p:blipFill>
+          <a:blip r:embed="rId2"/>
+          <a:stretch>
+            <a:fillRect/>
+          </a:stretch>
+        </p:blipFill>
+        <p:spPr>
+          <a:xfrm>
+            <a:off x="1583267" y="3230418"/>
+            <a:ext cx="1136073" cy="1159163"/>
+          </a:xfrm>
+          <a:prstGeom prst="rect">
+            <a:avLst/>
+          </a:prstGeom>
+        </p:spPr>
+      </p:pic>
+      <p:pic>
+        <p:nvPicPr>
+          <p:cNvPr id="3" name="圖片 2" descr="一張含有 日本動畫, 人的臉孔, 服裝, 卡通 的圖片&#10;&#10;自動產生的描述">
+            <a:extLst>
+              <a:ext uri="{FF2B5EF4-FFF2-40B4-BE49-F238E27FC236}">
+                <a16:creationId xmlns:a16="http://schemas.microsoft.com/office/drawing/2014/main" id="{7E6C2E37-ECE5-5121-5B19-F80B58959CFD}"/>
+              </a:ext>
+            </a:extLst>
+          </p:cNvPr>
+          <p:cNvPicPr>
+            <a:picLocks noChangeAspect="1"/>
+          </p:cNvPicPr>
+          <p:nvPr/>
+        </p:nvPicPr>
+        <p:blipFill>
+          <a:blip r:embed="rId3"/>
+          <a:stretch>
+            <a:fillRect/>
+          </a:stretch>
+        </p:blipFill>
+        <p:spPr>
+          <a:xfrm>
+            <a:off x="51571" y="274782"/>
+            <a:ext cx="5061526" cy="4992254"/>
+          </a:xfrm>
+          <a:prstGeom prst="rect">
+            <a:avLst/>
+          </a:prstGeom>
+        </p:spPr>
+      </p:pic>
+      <p:sp>
+        <p:nvSpPr>
+          <p:cNvPr id="7" name="標題 1">
+            <a:extLst>
+              <a:ext uri="{FF2B5EF4-FFF2-40B4-BE49-F238E27FC236}">
+                <a16:creationId xmlns:a16="http://schemas.microsoft.com/office/drawing/2014/main" id="{A6A4BE1F-328E-17A2-4198-917DE15AA779}"/>
+              </a:ext>
+            </a:extLst>
+          </p:cNvPr>
+          <p:cNvSpPr>
+            <a:spLocks noGrp="1"/>
+          </p:cNvSpPr>
+          <p:nvPr/>
+        </p:nvSpPr>
+        <p:spPr>
+          <a:xfrm>
+            <a:off x="4347277" y="-1482637"/>
+            <a:ext cx="9144000" cy="2387600"/>
+          </a:xfrm>
+          <a:prstGeom prst="rect">
+            <a:avLst/>
+          </a:prstGeom>
+        </p:spPr>
+        <p:txBody>
+          <a:bodyPr vert="horz" lIns="91440" tIns="45720" rIns="91440" bIns="45720" rtlCol="0" anchor="b">
+            <a:normAutofit/>
+          </a:bodyPr>
+          <a:lstStyle>
+            <a:lvl1pPr algn="ctr" defTabSz="914400" rtl="0" eaLnBrk="1" latinLnBrk="0" hangingPunct="1">
+              <a:lnSpc>
+                <a:spcPct val="100000"/>
+              </a:lnSpc>
+              <a:spcBef>
+                <a:spcPct val="0"/>
+              </a:spcBef>
+              <a:buNone/>
+              <a:defRPr sz="3600" kern="1200">
+                <a:solidFill>
+                  <a:schemeClr val="tx2"/>
+                </a:solidFill>
+                <a:latin typeface="+mj-lt"/>
+                <a:ea typeface="+mj-ea"/>
+                <a:cs typeface="+mj-cs"/>
+              </a:defRPr>
+            </a:lvl1pPr>
+          </a:lstStyle>
+          <a:p>
+            <a:r>
+              <a:rPr lang="zh-TW" altLang="en-US">
+                <a:ea typeface="+mj-lt"/>
+                <a:cs typeface="+mj-lt"/>
+              </a:rPr>
+              <a:t>2.阻礙</a:t>
+            </a:r>
+            <a:endParaRPr lang="en-US" altLang="zh-TW" sz="4000">
+              <a:ea typeface="新細明體"/>
+            </a:endParaRPr>
+          </a:p>
+        </p:txBody>
+      </p:sp>
+    </p:spTree>
+    <p:extLst>
+      <p:ext uri="{BB962C8B-B14F-4D97-AF65-F5344CB8AC3E}">
+        <p14:creationId xmlns:p14="http://schemas.microsoft.com/office/powerpoint/2010/main" val="1648363868"/>
+      </p:ext>
+    </p:extLst>
+  </p:cSld>
+  <p:clrMapOvr>
+    <a:masterClrMapping/>
+  </p:clrMapOvr>
+  <mc:AlternateContent xmlns:mc="http://schemas.openxmlformats.org/markup-compatibility/2006" xmlns:p159="http://schemas.microsoft.com/office/powerpoint/2015/09/main">
+    <mc:Choice Requires="p159">
+      <p:transition xmlns:p14="http://schemas.microsoft.com/office/powerpoint/2010/main" spd="slow" p14:dur="2000">
+        <p159:morph option="byObject"/>
+      </p:transition>
+    </mc:Choice>
+    <mc:Fallback xmlns="">
+      <p:transition spd="slow">
+        <p:fade/>
+      </p:transition>
+    </mc:Fallback>
+  </mc:AlternateContent>
+</p:sld>
+</file>
+
+<file path=ppt/slides/slide8.xml><?xml version="1.0" encoding="utf-8"?>
+<p:sld xmlns:a="http://schemas.openxmlformats.org/drawingml/2006/main" xmlns:r="http://schemas.openxmlformats.org/officeDocument/2006/relationships" xmlns:p="http://schemas.openxmlformats.org/presentationml/2006/main">
+  <p:cSld>
+    <p:spTree>
+      <p:nvGrpSpPr>
+        <p:cNvPr id="1" name=""/>
+        <p:cNvGrpSpPr/>
+        <p:nvPr/>
+      </p:nvGrpSpPr>
+      <p:grpSpPr>
+        <a:xfrm>
+          <a:off x="0" y="0"/>
+          <a:ext cx="0" cy="0"/>
+          <a:chOff x="0" y="0"/>
+          <a:chExt cx="0" cy="0"/>
+        </a:xfrm>
+      </p:grpSpPr>
+      <p:sp>
+        <p:nvSpPr>
+          <p:cNvPr id="2" name="標題 1"/>
+          <p:cNvSpPr>
+            <a:spLocks noGrp="1"/>
+          </p:cNvSpPr>
+          <p:nvPr>
+            <p:ph type="ctrTitle"/>
+          </p:nvPr>
+        </p:nvSpPr>
+        <p:spPr>
+          <a:xfrm>
+            <a:off x="555942" y="-284315"/>
+            <a:ext cx="9144000" cy="2387600"/>
+          </a:xfrm>
+        </p:spPr>
+        <p:txBody>
+          <a:bodyPr/>
+          <a:lstStyle/>
+          <a:p>
+            <a:r>
+              <a:rPr lang="en-US" dirty="0" err="1">
+                <a:ea typeface="+mj-lt"/>
+                <a:cs typeface="+mj-lt"/>
+              </a:rPr>
+              <a:t>目標</a:t>
+            </a:r>
+            <a:br>
+              <a:rPr lang="zh-TW" altLang="en-US" dirty="0">
+                <a:ea typeface="+mj-lt"/>
+                <a:cs typeface="+mj-lt"/>
+              </a:rPr>
+            </a:br>
+            <a:endParaRPr lang="en-US" altLang="zh-TW" sz="4000">
+              <a:ea typeface="新細明體"/>
+            </a:endParaRPr>
+          </a:p>
+        </p:txBody>
+      </p:sp>
+      <p:pic>
+        <p:nvPicPr>
+          <p:cNvPr id="4" name="圖片 3" descr="一張含有 日本動畫, 服裝, 卡通, 人的臉孔 的圖片&#10;&#10;自動產生的描述">
+            <a:extLst>
+              <a:ext uri="{FF2B5EF4-FFF2-40B4-BE49-F238E27FC236}">
+                <a16:creationId xmlns:a16="http://schemas.microsoft.com/office/drawing/2014/main" id="{678FBAFF-E1A0-46E0-9B4B-06C48B295805}"/>
+              </a:ext>
+            </a:extLst>
+          </p:cNvPr>
+          <p:cNvPicPr>
+            <a:picLocks noChangeAspect="1"/>
+          </p:cNvPicPr>
+          <p:nvPr/>
+        </p:nvPicPr>
+        <p:blipFill>
+          <a:blip r:embed="rId2"/>
+          <a:stretch>
+            <a:fillRect/>
+          </a:stretch>
+        </p:blipFill>
+        <p:spPr>
+          <a:xfrm>
+            <a:off x="1583267" y="3230418"/>
+            <a:ext cx="1136073" cy="1159163"/>
+          </a:xfrm>
+          <a:prstGeom prst="rect">
+            <a:avLst/>
+          </a:prstGeom>
+        </p:spPr>
+      </p:pic>
+      <p:pic>
+        <p:nvPicPr>
+          <p:cNvPr id="3" name="圖片 2" descr="一張含有 日本動畫, 人的臉孔, 服裝, 卡通 的圖片&#10;&#10;自動產生的描述">
+            <a:extLst>
+              <a:ext uri="{FF2B5EF4-FFF2-40B4-BE49-F238E27FC236}">
+                <a16:creationId xmlns:a16="http://schemas.microsoft.com/office/drawing/2014/main" id="{7E6C2E37-ECE5-5121-5B19-F80B58959CFD}"/>
+              </a:ext>
+            </a:extLst>
+          </p:cNvPr>
+          <p:cNvPicPr>
+            <a:picLocks noChangeAspect="1"/>
+          </p:cNvPicPr>
+          <p:nvPr/>
+        </p:nvPicPr>
+        <p:blipFill>
+          <a:blip r:embed="rId3"/>
+          <a:stretch>
+            <a:fillRect/>
+          </a:stretch>
+        </p:blipFill>
+        <p:spPr>
+          <a:xfrm>
+            <a:off x="51571" y="274782"/>
+            <a:ext cx="5061526" cy="4992254"/>
+          </a:xfrm>
+          <a:prstGeom prst="rect">
+            <a:avLst/>
+          </a:prstGeom>
+        </p:spPr>
+      </p:pic>
+      <p:pic>
+        <p:nvPicPr>
+          <p:cNvPr id="6" name="圖片 5" descr="一張含有 服裝, 人的臉孔, 日本動畫, 人員 的圖片&#10;&#10;自動產生的描述">
+            <a:extLst>
+              <a:ext uri="{FF2B5EF4-FFF2-40B4-BE49-F238E27FC236}">
+                <a16:creationId xmlns:a16="http://schemas.microsoft.com/office/drawing/2014/main" id="{9FFFDA03-3597-B3AB-3A59-FF8B0789F69D}"/>
+              </a:ext>
+            </a:extLst>
+          </p:cNvPr>
+          <p:cNvPicPr>
+            <a:picLocks noChangeAspect="1"/>
+          </p:cNvPicPr>
+          <p:nvPr/>
+        </p:nvPicPr>
+        <p:blipFill>
+          <a:blip r:embed="rId4"/>
+          <a:stretch>
+            <a:fillRect/>
+          </a:stretch>
+        </p:blipFill>
+        <p:spPr>
+          <a:xfrm>
+            <a:off x="679223" y="728903"/>
+            <a:ext cx="6016651" cy="5978866"/>
+          </a:xfrm>
+          <a:prstGeom prst="rect">
+            <a:avLst/>
+          </a:prstGeom>
+        </p:spPr>
+      </p:pic>
+      <p:sp>
+        <p:nvSpPr>
+          <p:cNvPr id="7" name="標題 1">
+            <a:extLst>
+              <a:ext uri="{FF2B5EF4-FFF2-40B4-BE49-F238E27FC236}">
+                <a16:creationId xmlns:a16="http://schemas.microsoft.com/office/drawing/2014/main" id="{5F76492A-74C6-0D64-F1DB-B854A2EAB4C2}"/>
+              </a:ext>
+            </a:extLst>
+          </p:cNvPr>
+          <p:cNvSpPr>
+            <a:spLocks noGrp="1"/>
+          </p:cNvSpPr>
+          <p:nvPr/>
+        </p:nvSpPr>
+        <p:spPr>
+          <a:xfrm>
+            <a:off x="4313659" y="-1191284"/>
+            <a:ext cx="9144000" cy="2387600"/>
+          </a:xfrm>
+          <a:prstGeom prst="rect">
+            <a:avLst/>
+          </a:prstGeom>
+        </p:spPr>
+        <p:txBody>
+          <a:bodyPr vert="horz" lIns="91440" tIns="45720" rIns="91440" bIns="45720" rtlCol="0" anchor="b">
+            <a:normAutofit/>
+          </a:bodyPr>
+          <a:lstStyle>
+            <a:lvl1pPr algn="ctr" defTabSz="914400" rtl="0" eaLnBrk="1" latinLnBrk="0" hangingPunct="1">
+              <a:lnSpc>
+                <a:spcPct val="100000"/>
+              </a:lnSpc>
+              <a:spcBef>
+                <a:spcPct val="0"/>
+              </a:spcBef>
+              <a:buNone/>
+              <a:defRPr sz="3600" kern="1200">
+                <a:solidFill>
+                  <a:schemeClr val="tx2"/>
+                </a:solidFill>
+                <a:latin typeface="+mj-lt"/>
+                <a:ea typeface="+mj-ea"/>
+                <a:cs typeface="+mj-cs"/>
+              </a:defRPr>
+            </a:lvl1pPr>
+          </a:lstStyle>
+          <a:p>
+            <a:r>
+              <a:rPr lang="zh-TW" altLang="en-US">
+                <a:ea typeface="+mj-lt"/>
+                <a:cs typeface="+mj-lt"/>
+              </a:rPr>
+              <a:t>2.阻礙</a:t>
+            </a:r>
+            <a:endParaRPr lang="en-US" altLang="zh-TW" sz="4000">
+              <a:ea typeface="新細明體"/>
+            </a:endParaRPr>
+          </a:p>
+        </p:txBody>
+      </p:sp>
+    </p:spTree>
+    <p:extLst>
+      <p:ext uri="{BB962C8B-B14F-4D97-AF65-F5344CB8AC3E}">
+        <p14:creationId xmlns:p14="http://schemas.microsoft.com/office/powerpoint/2010/main" val="2126598678"/>
+      </p:ext>
+    </p:extLst>
+  </p:cSld>
+  <p:clrMapOvr>
+    <a:masterClrMapping/>
+  </p:clrMapOvr>
+  <mc:AlternateContent xmlns:mc="http://schemas.openxmlformats.org/markup-compatibility/2006" xmlns:p159="http://schemas.microsoft.com/office/powerpoint/2015/09/main">
+    <mc:Choice Requires="p159">
+      <p:transition xmlns:p14="http://schemas.microsoft.com/office/powerpoint/2010/main" spd="slow" p14:dur="2000">
+        <p159:morph option="byObject"/>
+      </p:transition>
+    </mc:Choice>
+    <mc:Fallback xmlns="">
+      <p:transition spd="slow">
+        <p:fade/>
+      </p:transition>
+    </mc:Fallback>
+  </mc:AlternateContent>
+</p:sld>
+</file>
+
+<file path=ppt/slides/slide9.xml><?xml version="1.0" encoding="utf-8"?>
+<p:sld xmlns:a="http://schemas.openxmlformats.org/drawingml/2006/main" xmlns:r="http://schemas.openxmlformats.org/officeDocument/2006/relationships" xmlns:p="http://schemas.openxmlformats.org/presentationml/2006/main">
+  <p:cSld>
+    <p:spTree>
+      <p:nvGrpSpPr>
+        <p:cNvPr id="1" name=""/>
+        <p:cNvGrpSpPr/>
+        <p:nvPr/>
+      </p:nvGrpSpPr>
+      <p:grpSpPr>
+        <a:xfrm>
+          <a:off x="0" y="0"/>
+          <a:ext cx="0" cy="0"/>
+          <a:chOff x="0" y="0"/>
+          <a:chExt cx="0" cy="0"/>
+        </a:xfrm>
+      </p:grpSpPr>
+      <p:pic>
+        <p:nvPicPr>
+          <p:cNvPr id="8" name="圖片 7" descr="一張含有 日本動畫, 卡通, 圖解, 漫畫 的圖片&#10;&#10;自動產生的描述">
+            <a:extLst>
+              <a:ext uri="{FF2B5EF4-FFF2-40B4-BE49-F238E27FC236}">
+                <a16:creationId xmlns:a16="http://schemas.microsoft.com/office/drawing/2014/main" id="{EC1167AB-7536-E4D9-ED6A-10F102B89209}"/>
+              </a:ext>
+            </a:extLst>
+          </p:cNvPr>
+          <p:cNvPicPr>
+            <a:picLocks noChangeAspect="1"/>
+          </p:cNvPicPr>
+          <p:nvPr/>
+        </p:nvPicPr>
+        <p:blipFill>
+          <a:blip r:embed="rId2"/>
+          <a:stretch>
+            <a:fillRect/>
+          </a:stretch>
+        </p:blipFill>
+        <p:spPr>
+          <a:xfrm>
+            <a:off x="243994" y="251691"/>
+            <a:ext cx="4499648" cy="4499648"/>
+          </a:xfrm>
+          <a:prstGeom prst="rect">
+            <a:avLst/>
+          </a:prstGeom>
+        </p:spPr>
+      </p:pic>
+      <p:sp>
+        <p:nvSpPr>
+          <p:cNvPr id="2" name="標題 1">
+            <a:extLst>
+              <a:ext uri="{FF2B5EF4-FFF2-40B4-BE49-F238E27FC236}">
+                <a16:creationId xmlns:a16="http://schemas.microsoft.com/office/drawing/2014/main" id="{87C033A4-0202-A26A-5317-E86FF53C0671}"/>
+              </a:ext>
+            </a:extLst>
+          </p:cNvPr>
+          <p:cNvSpPr>
+            <a:spLocks noGrp="1"/>
+          </p:cNvSpPr>
+          <p:nvPr/>
+        </p:nvSpPr>
+        <p:spPr>
+          <a:xfrm>
+            <a:off x="3049212" y="-1190073"/>
+            <a:ext cx="9144000" cy="2387600"/>
+          </a:xfrm>
+          <a:prstGeom prst="rect">
+            <a:avLst/>
+          </a:prstGeom>
+        </p:spPr>
+        <p:txBody>
+          <a:bodyPr vert="horz" lIns="91440" tIns="45720" rIns="91440" bIns="45720" rtlCol="0" anchor="b">
+            <a:normAutofit/>
+          </a:bodyPr>
+          <a:lstStyle>
+            <a:lvl1pPr algn="ctr" defTabSz="914400" rtl="0" eaLnBrk="1" latinLnBrk="0" hangingPunct="1">
+              <a:lnSpc>
+                <a:spcPct val="100000"/>
+              </a:lnSpc>
+              <a:spcBef>
+                <a:spcPct val="0"/>
+              </a:spcBef>
+              <a:buNone/>
+              <a:defRPr sz="3600" kern="1200">
+                <a:solidFill>
+                  <a:schemeClr val="tx2"/>
+                </a:solidFill>
+                <a:latin typeface="+mj-lt"/>
+                <a:ea typeface="+mj-ea"/>
+                <a:cs typeface="+mj-cs"/>
+              </a:defRPr>
+            </a:lvl1pPr>
+          </a:lstStyle>
+          <a:p>
+            <a:r>
+              <a:rPr lang="zh-TW" altLang="en-US">
+                <a:ea typeface="+mj-lt"/>
+                <a:cs typeface="+mj-lt"/>
+              </a:rPr>
+              <a:t>3.</a:t>
+            </a:r>
+            <a:r>
+              <a:rPr lang="zh-TW">
+                <a:ea typeface="+mj-lt"/>
+                <a:cs typeface="+mj-lt"/>
+              </a:rPr>
+              <a:t>努力</a:t>
+            </a:r>
+            <a:endParaRPr lang="zh-TW" altLang="en-US" dirty="0">
+              <a:ea typeface="+mj-lt"/>
+              <a:cs typeface="+mj-lt"/>
+            </a:endParaRPr>
+          </a:p>
+        </p:txBody>
+      </p:sp>
+    </p:spTree>
+    <p:extLst>
+      <p:ext uri="{BB962C8B-B14F-4D97-AF65-F5344CB8AC3E}">
+        <p14:creationId xmlns:p14="http://schemas.microsoft.com/office/powerpoint/2010/main" val="3175297943"/>
+      </p:ext>
+    </p:extLst>
+  </p:cSld>
+  <p:clrMapOvr>
+    <a:masterClrMapping/>
+  </p:clrMapOvr>
+  <mc:AlternateContent xmlns:mc="http://schemas.openxmlformats.org/markup-compatibility/2006" xmlns:p159="http://schemas.microsoft.com/office/powerpoint/2015/09/main">
+    <mc:Choice Requires="p159">
+      <p:transition xmlns:p14="http://schemas.microsoft.com/office/powerpoint/2010/main" spd="slow" p14:dur="2000">
+        <p159:morph option="byObject"/>
+      </p:transition>
+    </mc:Choice>
+    <mc:Fallback xmlns="">
+      <p:transition spd="slow">
+        <p:fade/>
+      </p:transition>
+    </mc:Fallback>
+  </mc:AlternateContent>
 </p:sld>
 </file>
 
 <file path=ppt/theme/theme1.xml><?xml version="1.0" encoding="utf-8"?>
-<a:theme xmlns:a="http://schemas.openxmlformats.org/drawingml/2006/main" name="Office 佈景主題">
+<a:theme xmlns:a="http://schemas.openxmlformats.org/drawingml/2006/main" name="View">
   <a:themeElements>
-    <a:clrScheme name="Office">
+    <a:clrScheme name="View">
       <a:dk1>
         <a:sysClr val="windowText" lastClr="000000"/>
       </a:dk1>
@@ -3395,100 +7544,48 @@
         <a:sysClr val="window" lastClr="FFFFFF"/>
       </a:lt1>
       <a:dk2>
-        <a:srgbClr val="44546A"/>
+        <a:srgbClr val="696464"/>
       </a:dk2>
       <a:lt2>
-        <a:srgbClr val="E7E6E6"/>
+        <a:srgbClr val="E9E5DC"/>
       </a:lt2>
       <a:accent1>
-        <a:srgbClr val="4472C4"/>
+        <a:srgbClr val="D34817"/>
       </a:accent1>
       <a:accent2>
-        <a:srgbClr val="ED7D31"/>
+        <a:srgbClr val="9B2D1F"/>
       </a:accent2>
       <a:accent3>
-        <a:srgbClr val="A5A5A5"/>
+        <a:srgbClr val="A28E6A"/>
       </a:accent3>
       <a:accent4>
-        <a:srgbClr val="FFC000"/>
+        <a:srgbClr val="956251"/>
       </a:accent4>
       <a:accent5>
-        <a:srgbClr val="5B9BD5"/>
+        <a:srgbClr val="918485"/>
       </a:accent5>
       <a:accent6>
-        <a:srgbClr val="70AD47"/>
+        <a:srgbClr val="855D5D"/>
       </a:accent6>
       <a:hlink>
-        <a:srgbClr val="0563C1"/>
+        <a:srgbClr val="CC9900"/>
       </a:hlink>
       <a:folHlink>
-        <a:srgbClr val="954F72"/>
+        <a:srgbClr val="96A9A9"/>
       </a:folHlink>
     </a:clrScheme>
-    <a:fontScheme name="Office">
+    <a:fontScheme name="View">
       <a:majorFont>
-        <a:latin typeface="Calibri Light" panose="020F0302020204030204"/>
+        <a:latin typeface="Century Schoolbook" panose="02040604050505020304"/>
         <a:ea typeface=""/>
         <a:cs typeface=""/>
-        <a:font script="Jpan" typeface="游ゴシック Light"/>
+        <a:font script="Jpan" typeface="ＭＳ ゴシック"/>
         <a:font script="Hang" typeface="맑은 고딕"/>
-        <a:font script="Hans" typeface="等线 Light"/>
+        <a:font script="Hans" typeface="宋体"/>
         <a:font script="Hant" typeface="新細明體"/>
-        <a:font script="Arab" typeface="Times New Roman"/>
-        <a:font script="Hebr" typeface="Times New Roman"/>
-        <a:font script="Thai" typeface="Angsana New"/>
-        <a:font script="Ethi" typeface="Nyala"/>
-        <a:font script="Beng" typeface="Vrinda"/>
-        <a:font script="Gujr" typeface="Shruti"/>
-        <a:font script="Khmr" typeface="MoolBoran"/>
-        <a:font script="Knda" typeface="Tunga"/>
-        <a:font script="Guru" typeface="Raavi"/>
-        <a:font script="Cans" typeface="Euphemia"/>
-        <a:font script="Cher" typeface="Plantagenet Cherokee"/>
-        <a:font script="Yiii" typeface="Microsoft Yi Baiti"/>
-        <a:font script="Tibt" typeface="Microsoft Himalaya"/>
-        <a:font script="Thaa" typeface="MV Boli"/>
-        <a:font script="Deva" typeface="Mangal"/>
-        <a:font script="Telu" typeface="Gautami"/>
-        <a:font script="Taml" typeface="Latha"/>
-        <a:font script="Syrc" typeface="Estrangelo Edessa"/>
-        <a:font script="Orya" typeface="Kalinga"/>
-        <a:font script="Mlym" typeface="Kartika"/>
-        <a:font script="Laoo" typeface="DokChampa"/>
-        <a:font script="Sinh" typeface="Iskoola Pota"/>
-        <a:font script="Mong" typeface="Mongolian Baiti"/>
-        <a:font script="Viet" typeface="Times New Roman"/>
-        <a:font script="Uigh" typeface="Microsoft Uighur"/>
-        <a:font script="Geor" typeface="Sylfaen"/>
-        <a:font script="Armn" typeface="Arial"/>
-        <a:font script="Bugi" typeface="Leelawadee UI"/>
-        <a:font script="Bopo" typeface="Microsoft JhengHei"/>
-        <a:font script="Java" typeface="Javanese Text"/>
-        <a:font script="Lisu" typeface="Segoe UI"/>
-        <a:font script="Mymr" typeface="Myanmar Text"/>
-        <a:font script="Nkoo" typeface="Ebrima"/>
-        <a:font script="Olck" typeface="Nirmala UI"/>
-        <a:font script="Osma" typeface="Ebrima"/>
-        <a:font script="Phag" typeface="Phagspa"/>
-        <a:font script="Syrn" typeface="Estrangelo Edessa"/>
-        <a:font script="Syrj" typeface="Estrangelo Edessa"/>
-        <a:font script="Syre" typeface="Estrangelo Edessa"/>
-        <a:font script="Sora" typeface="Nirmala UI"/>
-        <a:font script="Tale" typeface="Microsoft Tai Le"/>
-        <a:font script="Talu" typeface="Microsoft New Tai Lue"/>
-        <a:font script="Tfng" typeface="Ebrima"/>
-      </a:majorFont>
-      <a:minorFont>
-        <a:latin typeface="Calibri" panose="020F0502020204030204"/>
-        <a:ea typeface=""/>
-        <a:cs typeface=""/>
-        <a:font script="Jpan" typeface="游ゴシック"/>
-        <a:font script="Hang" typeface="맑은 고딕"/>
-        <a:font script="Hans" typeface="等线"/>
-        <a:font script="Hant" typeface="新細明體"/>
-        <a:font script="Arab" typeface="Arial"/>
-        <a:font script="Hebr" typeface="Arial"/>
-        <a:font script="Thai" typeface="Cordia New"/>
+        <a:font script="Arab" typeface="Tahoma"/>
+        <a:font script="Hebr" typeface="Gisha"/>
+        <a:font script="Thai" typeface="DilleniaUPC"/>
         <a:font script="Ethi" typeface="Nyala"/>
         <a:font script="Beng" typeface="Vrinda"/>
         <a:font script="Gujr" typeface="Shruti"/>
@@ -3509,107 +7606,86 @@
         <a:font script="Laoo" typeface="DokChampa"/>
         <a:font script="Sinh" typeface="Iskoola Pota"/>
         <a:font script="Mong" typeface="Mongolian Baiti"/>
-        <a:font script="Viet" typeface="Arial"/>
+        <a:font script="Viet" typeface="Tahoma"/>
         <a:font script="Uigh" typeface="Microsoft Uighur"/>
         <a:font script="Geor" typeface="Sylfaen"/>
-        <a:font script="Armn" typeface="Arial"/>
-        <a:font script="Bugi" typeface="Leelawadee UI"/>
-        <a:font script="Bopo" typeface="Microsoft JhengHei"/>
-        <a:font script="Java" typeface="Javanese Text"/>
-        <a:font script="Lisu" typeface="Segoe UI"/>
-        <a:font script="Mymr" typeface="Myanmar Text"/>
-        <a:font script="Nkoo" typeface="Ebrima"/>
-        <a:font script="Olck" typeface="Nirmala UI"/>
-        <a:font script="Osma" typeface="Ebrima"/>
-        <a:font script="Phag" typeface="Phagspa"/>
-        <a:font script="Syrn" typeface="Estrangelo Edessa"/>
-        <a:font script="Syrj" typeface="Estrangelo Edessa"/>
-        <a:font script="Syre" typeface="Estrangelo Edessa"/>
-        <a:font script="Sora" typeface="Nirmala UI"/>
-        <a:font script="Tale" typeface="Microsoft Tai Le"/>
-        <a:font script="Talu" typeface="Microsoft New Tai Lue"/>
-        <a:font script="Tfng" typeface="Ebrima"/>
+      </a:majorFont>
+      <a:minorFont>
+        <a:latin typeface="Century Schoolbook" panose="02040604050505020304"/>
+        <a:ea typeface=""/>
+        <a:cs typeface=""/>
+        <a:font script="Jpan" typeface="ＭＳ ゴシック"/>
+        <a:font script="Hang" typeface="맑은 고딕"/>
+        <a:font script="Hans" typeface="宋体"/>
+        <a:font script="Hant" typeface="新細明體"/>
+        <a:font script="Arab" typeface="Tahoma"/>
+        <a:font script="Hebr" typeface="Gisha"/>
+        <a:font script="Thai" typeface="DilleniaUPC"/>
+        <a:font script="Ethi" typeface="Nyala"/>
+        <a:font script="Beng" typeface="Vrinda"/>
+        <a:font script="Gujr" typeface="Shruti"/>
+        <a:font script="Khmr" typeface="DaunPenh"/>
+        <a:font script="Knda" typeface="Tunga"/>
+        <a:font script="Guru" typeface="Raavi"/>
+        <a:font script="Cans" typeface="Euphemia"/>
+        <a:font script="Cher" typeface="Plantagenet Cherokee"/>
+        <a:font script="Yiii" typeface="Microsoft Yi Baiti"/>
+        <a:font script="Tibt" typeface="Microsoft Himalaya"/>
+        <a:font script="Thaa" typeface="MV Boli"/>
+        <a:font script="Deva" typeface="Mangal"/>
+        <a:font script="Telu" typeface="Gautami"/>
+        <a:font script="Taml" typeface="Latha"/>
+        <a:font script="Syrc" typeface="Estrangelo Edessa"/>
+        <a:font script="Orya" typeface="Kalinga"/>
+        <a:font script="Mlym" typeface="Kartika"/>
+        <a:font script="Laoo" typeface="DokChampa"/>
+        <a:font script="Sinh" typeface="Iskoola Pota"/>
+        <a:font script="Mong" typeface="Mongolian Baiti"/>
+        <a:font script="Viet" typeface="Verdana"/>
+        <a:font script="Uigh" typeface="Microsoft Uighur"/>
+        <a:font script="Geor" typeface="Sylfaen"/>
       </a:minorFont>
     </a:fontScheme>
-    <a:fmtScheme name="Office">
+    <a:fmtScheme name="View">
       <a:fillStyleLst>
         <a:solidFill>
           <a:schemeClr val="phClr"/>
         </a:solidFill>
-        <a:gradFill rotWithShape="1">
-          <a:gsLst>
-            <a:gs pos="0">
-              <a:schemeClr val="phClr">
-                <a:lumMod val="110000"/>
-                <a:satMod val="105000"/>
-                <a:tint val="67000"/>
-              </a:schemeClr>
-            </a:gs>
-            <a:gs pos="50000">
-              <a:schemeClr val="phClr">
-                <a:lumMod val="105000"/>
-                <a:satMod val="103000"/>
-                <a:tint val="73000"/>
-              </a:schemeClr>
-            </a:gs>
-            <a:gs pos="100000">
-              <a:schemeClr val="phClr">
-                <a:lumMod val="105000"/>
-                <a:satMod val="109000"/>
-                <a:tint val="81000"/>
-              </a:schemeClr>
-            </a:gs>
-          </a:gsLst>
-          <a:lin ang="5400000" scaled="0"/>
-        </a:gradFill>
-        <a:gradFill rotWithShape="1">
-          <a:gsLst>
-            <a:gs pos="0">
-              <a:schemeClr val="phClr">
-                <a:satMod val="103000"/>
-                <a:lumMod val="102000"/>
-                <a:tint val="94000"/>
-              </a:schemeClr>
-            </a:gs>
-            <a:gs pos="50000">
-              <a:schemeClr val="phClr">
-                <a:satMod val="110000"/>
-                <a:lumMod val="100000"/>
-                <a:shade val="100000"/>
-              </a:schemeClr>
-            </a:gs>
-            <a:gs pos="100000">
-              <a:schemeClr val="phClr">
-                <a:lumMod val="99000"/>
-                <a:satMod val="120000"/>
-                <a:shade val="78000"/>
-              </a:schemeClr>
-            </a:gs>
-          </a:gsLst>
-          <a:lin ang="5400000" scaled="0"/>
-        </a:gradFill>
+        <a:solidFill>
+          <a:schemeClr val="phClr">
+            <a:tint val="60000"/>
+            <a:satMod val="120000"/>
+          </a:schemeClr>
+        </a:solidFill>
+        <a:solidFill>
+          <a:schemeClr val="phClr">
+            <a:shade val="75000"/>
+            <a:satMod val="130000"/>
+          </a:schemeClr>
+        </a:solidFill>
       </a:fillStyleLst>
       <a:lnStyleLst>
-        <a:ln w="6350" cap="flat" cmpd="sng" algn="ctr">
+        <a:ln w="9525" cap="flat" cmpd="sng" algn="ctr">
           <a:solidFill>
             <a:schemeClr val="phClr"/>
           </a:solidFill>
           <a:prstDash val="solid"/>
-          <a:miter lim="800000"/>
         </a:ln>
-        <a:ln w="12700" cap="flat" cmpd="sng" algn="ctr">
+        <a:ln w="13970" cap="flat" cmpd="sng" algn="ctr">
           <a:solidFill>
             <a:schemeClr val="phClr"/>
           </a:solidFill>
           <a:prstDash val="solid"/>
-          <a:miter lim="800000"/>
         </a:ln>
-        <a:ln w="19050" cap="flat" cmpd="sng" algn="ctr">
+        <a:ln w="17145" cap="flat" cmpd="sng" algn="ctr">
           <a:solidFill>
-            <a:schemeClr val="phClr"/>
+            <a:schemeClr val="phClr">
+              <a:shade val="95000"/>
+              <a:alpha val="95000"/>
+              <a:satMod val="150000"/>
+            </a:schemeClr>
           </a:solidFill>
           <a:prstDash val="solid"/>
-          <a:miter lim="800000"/>
         </a:ln>
       </a:lnStyleLst>
       <a:effectStyleLst>
@@ -3617,16 +7693,52 @@
           <a:effectLst/>
         </a:effectStyle>
         <a:effectStyle>
-          <a:effectLst/>
+          <a:effectLst>
+            <a:outerShdw blurRad="50800" dist="15240" dir="5400000" algn="tl" rotWithShape="0">
+              <a:srgbClr val="000000">
+                <a:alpha val="75000"/>
+              </a:srgbClr>
+            </a:outerShdw>
+          </a:effectLst>
+          <a:scene3d>
+            <a:camera prst="orthographicFront">
+              <a:rot lat="0" lon="0" rev="0"/>
+            </a:camera>
+            <a:lightRig rig="brightRoom" dir="tl"/>
+          </a:scene3d>
+          <a:sp3d contourW="9525" prstMaterial="flat">
+            <a:bevelT w="0" h="0" prst="coolSlant"/>
+            <a:contourClr>
+              <a:schemeClr val="phClr">
+                <a:shade val="35000"/>
+                <a:satMod val="130000"/>
+              </a:schemeClr>
+            </a:contourClr>
+          </a:sp3d>
         </a:effectStyle>
         <a:effectStyle>
           <a:effectLst>
-            <a:outerShdw blurRad="57150" dist="19050" dir="5400000" algn="ctr" rotWithShape="0">
+            <a:outerShdw blurRad="76200" dist="25400" dir="5400000" algn="tl" rotWithShape="0">
               <a:srgbClr val="000000">
-                <a:alpha val="63000"/>
+                <a:alpha val="55000"/>
               </a:srgbClr>
             </a:outerShdw>
           </a:effectLst>
+          <a:scene3d>
+            <a:camera prst="orthographicFront">
+              <a:rot lat="0" lon="0" rev="0"/>
+            </a:camera>
+            <a:lightRig rig="brightRoom" dir="tl"/>
+          </a:scene3d>
+          <a:sp3d contourW="19050" prstMaterial="flat">
+            <a:bevelT w="0" h="0" prst="coolSlant"/>
+            <a:contourClr>
+              <a:schemeClr val="phClr">
+                <a:shade val="25000"/>
+                <a:satMod val="140000"/>
+              </a:schemeClr>
+            </a:contourClr>
+          </a:sp3d>
         </a:effectStyle>
       </a:effectStyleLst>
       <a:bgFillStyleLst>
@@ -3643,28 +7755,23 @@
           <a:gsLst>
             <a:gs pos="0">
               <a:schemeClr val="phClr">
-                <a:tint val="93000"/>
-                <a:satMod val="150000"/>
+                <a:tint val="94000"/>
                 <a:shade val="98000"/>
+                <a:satMod val="130000"/>
                 <a:lumMod val="102000"/>
-              </a:schemeClr>
-            </a:gs>
-            <a:gs pos="50000">
-              <a:schemeClr val="phClr">
-                <a:tint val="98000"/>
-                <a:satMod val="130000"/>
-                <a:shade val="90000"/>
-                <a:lumMod val="103000"/>
               </a:schemeClr>
             </a:gs>
             <a:gs pos="100000">
               <a:schemeClr val="phClr">
-                <a:shade val="63000"/>
-                <a:satMod val="120000"/>
+                <a:tint val="98000"/>
+                <a:shade val="78000"/>
+                <a:satMod val="140000"/>
               </a:schemeClr>
             </a:gs>
           </a:gsLst>
-          <a:lin ang="5400000" scaled="0"/>
+          <a:path path="circle">
+            <a:fillToRect l="100000" t="100000" r="100000" b="100000"/>
+          </a:path>
         </a:gradFill>
       </a:bgFillStyleLst>
     </a:fmtScheme>
@@ -3673,7 +7780,7 @@
   <a:extraClrSchemeLst/>
   <a:extLst>
     <a:ext uri="{05A4C25C-085E-4340-85A3-A5531E510DB2}">
-      <thm15:themeFamily xmlns:thm15="http://schemas.microsoft.com/office/thememl/2012/main" name="Office Theme" id="{62F939B6-93AF-4DB8-9C6B-D6C7DFDC589F}" vid="{4A3C46E8-61CC-4603-A589-7422A47A8E4A}"/>
+      <thm15:themeFamily xmlns:thm15="http://schemas.microsoft.com/office/thememl/2012/main" name="View" id="{BA0EB5A6-F2D4-4F82-977B-64ADEE4A2A69}" vid="{7B713C7F-58B7-4AE9-B361-B13EB9EC4C0C}"/>
     </a:ext>
   </a:extLst>
 </a:theme>
